--- a/SVD for face recognition.pptx
+++ b/SVD for face recognition.pptx
@@ -5,10 +5,10 @@
     <p:sldMasterId id="2147483673" r:id="rId1"/>
   </p:sldMasterIdLst>
   <p:notesMasterIdLst>
-    <p:notesMasterId r:id="rId32"/>
+    <p:notesMasterId r:id="rId30"/>
   </p:notesMasterIdLst>
   <p:handoutMasterIdLst>
-    <p:handoutMasterId r:id="rId33"/>
+    <p:handoutMasterId r:id="rId31"/>
   </p:handoutMasterIdLst>
   <p:sldIdLst>
     <p:sldId id="257" r:id="rId2"/>
@@ -17,30 +17,28 @@
     <p:sldId id="265" r:id="rId5"/>
     <p:sldId id="263" r:id="rId6"/>
     <p:sldId id="264" r:id="rId7"/>
-    <p:sldId id="290" r:id="rId8"/>
-    <p:sldId id="266" r:id="rId9"/>
-    <p:sldId id="274" r:id="rId10"/>
-    <p:sldId id="289" r:id="rId11"/>
-    <p:sldId id="272" r:id="rId12"/>
-    <p:sldId id="275" r:id="rId13"/>
-    <p:sldId id="267" r:id="rId14"/>
-    <p:sldId id="268" r:id="rId15"/>
-    <p:sldId id="273" r:id="rId16"/>
-    <p:sldId id="269" r:id="rId17"/>
-    <p:sldId id="277" r:id="rId18"/>
-    <p:sldId id="270" r:id="rId19"/>
-    <p:sldId id="276" r:id="rId20"/>
-    <p:sldId id="278" r:id="rId21"/>
-    <p:sldId id="279" r:id="rId22"/>
-    <p:sldId id="280" r:id="rId23"/>
-    <p:sldId id="282" r:id="rId24"/>
-    <p:sldId id="281" r:id="rId25"/>
-    <p:sldId id="283" r:id="rId26"/>
-    <p:sldId id="284" r:id="rId27"/>
-    <p:sldId id="285" r:id="rId28"/>
-    <p:sldId id="286" r:id="rId29"/>
-    <p:sldId id="287" r:id="rId30"/>
-    <p:sldId id="288" r:id="rId31"/>
+    <p:sldId id="266" r:id="rId8"/>
+    <p:sldId id="289" r:id="rId9"/>
+    <p:sldId id="272" r:id="rId10"/>
+    <p:sldId id="275" r:id="rId11"/>
+    <p:sldId id="267" r:id="rId12"/>
+    <p:sldId id="268" r:id="rId13"/>
+    <p:sldId id="273" r:id="rId14"/>
+    <p:sldId id="269" r:id="rId15"/>
+    <p:sldId id="277" r:id="rId16"/>
+    <p:sldId id="270" r:id="rId17"/>
+    <p:sldId id="276" r:id="rId18"/>
+    <p:sldId id="278" r:id="rId19"/>
+    <p:sldId id="279" r:id="rId20"/>
+    <p:sldId id="280" r:id="rId21"/>
+    <p:sldId id="282" r:id="rId22"/>
+    <p:sldId id="281" r:id="rId23"/>
+    <p:sldId id="283" r:id="rId24"/>
+    <p:sldId id="284" r:id="rId25"/>
+    <p:sldId id="285" r:id="rId26"/>
+    <p:sldId id="286" r:id="rId27"/>
+    <p:sldId id="287" r:id="rId28"/>
+    <p:sldId id="288" r:id="rId29"/>
   </p:sldIdLst>
   <p:sldSz cx="12192000" cy="6858000"/>
   <p:notesSz cx="6858000" cy="9144000"/>
@@ -1019,8 +1017,8 @@
         </a:p>
       </dgm:t>
     </dgm:pt>
-    <mc:AlternateContent xmlns:mc="http://schemas.openxmlformats.org/markup-compatibility/2006">
-      <mc:Choice xmlns:a14="http://schemas.microsoft.com/office/drawing/2010/main" Requires="a14">
+    <mc:AlternateContent xmlns:mc="http://schemas.openxmlformats.org/markup-compatibility/2006" xmlns:a14="http://schemas.microsoft.com/office/drawing/2010/main">
+      <mc:Choice Requires="a14">
         <dgm:pt modelId="{DCB5A6E5-BCC3-429E-B8B9-A9EAD5AAFC44}">
           <dgm:prSet/>
           <dgm:spPr/>
@@ -1050,7 +1048,7 @@
           </dgm:t>
         </dgm:pt>
       </mc:Choice>
-      <mc:Fallback>
+      <mc:Fallback xmlns="">
         <dgm:pt modelId="{DCB5A6E5-BCC3-429E-B8B9-A9EAD5AAFC44}">
           <dgm:prSet/>
           <dgm:spPr/>
@@ -3838,7 +3836,7 @@
             <a:pPr rtl="0"/>
             <a:fld id="{6B5C320A-F5C8-4FD6-86FF-35D2EBF085B6}" type="datetime1">
               <a:rPr lang="ru-RU" smtClean="0"/>
-              <a:t>06.12.2020</a:t>
+              <a:t>07.12.2020</a:t>
             </a:fld>
             <a:endParaRPr lang="en-US" dirty="0"/>
           </a:p>
@@ -4008,7 +4006,7 @@
             <a:pPr rtl="0"/>
             <a:fld id="{15C702C7-E599-40D9-B30E-0392896973B5}" type="datetime1">
               <a:rPr lang="ru-RU" smtClean="0"/>
-              <a:t>06.12.2020</a:t>
+              <a:t>07.12.2020</a:t>
             </a:fld>
             <a:endParaRPr lang="en-US"/>
           </a:p>
@@ -4753,7 +4751,7 @@
             <a:pPr rtl="0"/>
             <a:fld id="{6506E9A3-1561-45B7-908B-DACC52528ABB}" type="datetime1">
               <a:rPr lang="ru-RU" smtClean="0"/>
-              <a:t>06.12.2020</a:t>
+              <a:t>07.12.2020</a:t>
             </a:fld>
             <a:endParaRPr lang="en-US" dirty="0"/>
           </a:p>
@@ -4959,7 +4957,7 @@
             <a:pPr rtl="0"/>
             <a:fld id="{3E92B999-6CB2-48D4-8AF6-3D1A5D13436B}" type="datetime1">
               <a:rPr lang="ru-RU" smtClean="0"/>
-              <a:t>06.12.2020</a:t>
+              <a:t>07.12.2020</a:t>
             </a:fld>
             <a:endParaRPr lang="en-US"/>
           </a:p>
@@ -5143,7 +5141,7 @@
             <a:pPr rtl="0"/>
             <a:fld id="{B52C98DB-1092-48C4-AD4E-BD3E9D2E2345}" type="datetime1">
               <a:rPr lang="ru-RU" smtClean="0"/>
-              <a:t>06.12.2020</a:t>
+              <a:t>07.12.2020</a:t>
             </a:fld>
             <a:endParaRPr lang="en-US"/>
           </a:p>
@@ -5317,7 +5315,7 @@
             <a:pPr rtl="0"/>
             <a:fld id="{629C2F20-7994-4D1E-A01C-96ECBA4612EB}" type="datetime1">
               <a:rPr lang="ru-RU" smtClean="0"/>
-              <a:t>06.12.2020</a:t>
+              <a:t>07.12.2020</a:t>
             </a:fld>
             <a:endParaRPr lang="en-US"/>
           </a:p>
@@ -5920,7 +5918,7 @@
             <a:pPr rtl="0"/>
             <a:fld id="{7B2CE4EA-3B49-4A00-ADF3-7C7272A626C1}" type="datetime1">
               <a:rPr lang="ru-RU" smtClean="0"/>
-              <a:t>06.12.2020</a:t>
+              <a:t>07.12.2020</a:t>
             </a:fld>
             <a:endParaRPr lang="en-US" dirty="0"/>
           </a:p>
@@ -6244,7 +6242,7 @@
             <a:pPr rtl="0"/>
             <a:fld id="{9A16848F-27AD-43B9-904C-1CF05D24EB3C}" type="datetime1">
               <a:rPr lang="ru-RU" smtClean="0"/>
-              <a:t>06.12.2020</a:t>
+              <a:t>07.12.2020</a:t>
             </a:fld>
             <a:endParaRPr lang="en-US"/>
           </a:p>
@@ -6685,7 +6683,7 @@
             <a:pPr rtl="0"/>
             <a:fld id="{23090412-2DE5-405A-816E-F08FB54EB168}" type="datetime1">
               <a:rPr lang="ru-RU" smtClean="0"/>
-              <a:t>06.12.2020</a:t>
+              <a:t>07.12.2020</a:t>
             </a:fld>
             <a:endParaRPr lang="en-US"/>
           </a:p>
@@ -6807,7 +6805,7 @@
             <a:pPr rtl="0"/>
             <a:fld id="{F4C2D7CB-4DC1-4BB7-BF00-4C36160857E0}" type="datetime1">
               <a:rPr lang="ru-RU" smtClean="0"/>
-              <a:t>06.12.2020</a:t>
+              <a:t>07.12.2020</a:t>
             </a:fld>
             <a:endParaRPr lang="en-US"/>
           </a:p>
@@ -6905,7 +6903,7 @@
             <a:pPr rtl="0"/>
             <a:fld id="{4060D38F-E364-4ED4-9BF4-D7F00FFBE76A}" type="datetime1">
               <a:rPr lang="ru-RU" smtClean="0"/>
-              <a:t>06.12.2020</a:t>
+              <a:t>07.12.2020</a:t>
             </a:fld>
             <a:endParaRPr lang="en-US"/>
           </a:p>
@@ -7326,7 +7324,7 @@
             <a:pPr rtl="0"/>
             <a:fld id="{F183FEFD-AB08-4CB5-AE4D-2F6B12D8E3B0}" type="datetime1">
               <a:rPr lang="ru-RU" smtClean="0"/>
-              <a:t>06.12.2020</a:t>
+              <a:t>07.12.2020</a:t>
             </a:fld>
             <a:endParaRPr lang="en-US"/>
           </a:p>
@@ -7591,7 +7589,7 @@
             <a:pPr rtl="0"/>
             <a:fld id="{EBEA1583-5CEF-4E36-A7FC-D34B7E954D76}" type="datetime1">
               <a:rPr lang="ru-RU" smtClean="0"/>
-              <a:t>06.12.2020</a:t>
+              <a:t>07.12.2020</a:t>
             </a:fld>
             <a:endParaRPr lang="en-US" dirty="0"/>
           </a:p>
@@ -8111,7 +8109,7 @@
             <a:pPr rtl="0"/>
             <a:fld id="{1068A786-B8BF-4988-ACBA-DD9B5BC8D522}" type="datetime1">
               <a:rPr lang="ru-RU" smtClean="0"/>
-              <a:t>06.12.2020</a:t>
+              <a:t>07.12.2020</a:t>
             </a:fld>
             <a:endParaRPr lang="en-US" dirty="0"/>
           </a:p>
@@ -8881,6 +8879,3371 @@
           <a:chExt cx="0" cy="0"/>
         </a:xfrm>
       </p:grpSpPr>
+      <p:pic>
+        <p:nvPicPr>
+          <p:cNvPr id="6" name="Объект 5">
+            <a:extLst>
+              <a:ext uri="{FF2B5EF4-FFF2-40B4-BE49-F238E27FC236}">
+                <a16:creationId xmlns:a16="http://schemas.microsoft.com/office/drawing/2014/main" id="{B9D6A617-2512-44AA-AC34-F26478CBB928}"/>
+              </a:ext>
+            </a:extLst>
+          </p:cNvPr>
+          <p:cNvPicPr>
+            <a:picLocks noGrp="1" noChangeAspect="1"/>
+          </p:cNvPicPr>
+          <p:nvPr>
+            <p:ph sz="half" idx="1"/>
+          </p:nvPr>
+        </p:nvPicPr>
+        <p:blipFill>
+          <a:blip r:embed="rId2"/>
+          <a:stretch>
+            <a:fillRect/>
+          </a:stretch>
+        </p:blipFill>
+        <p:spPr>
+          <a:xfrm>
+            <a:off x="677807" y="1790699"/>
+            <a:ext cx="4664075" cy="3042580"/>
+          </a:xfrm>
+          <a:prstGeom prst="rect">
+            <a:avLst/>
+          </a:prstGeom>
+        </p:spPr>
+      </p:pic>
+      <p:pic>
+        <p:nvPicPr>
+          <p:cNvPr id="7" name="Рисунок 6">
+            <a:extLst>
+              <a:ext uri="{FF2B5EF4-FFF2-40B4-BE49-F238E27FC236}">
+                <a16:creationId xmlns:a16="http://schemas.microsoft.com/office/drawing/2014/main" id="{7C40BE47-8B62-4E8D-89A2-0A73BC77345F}"/>
+              </a:ext>
+            </a:extLst>
+          </p:cNvPr>
+          <p:cNvPicPr>
+            <a:picLocks noChangeAspect="1"/>
+          </p:cNvPicPr>
+          <p:nvPr/>
+        </p:nvPicPr>
+        <p:blipFill>
+          <a:blip r:embed="rId3"/>
+          <a:stretch>
+            <a:fillRect/>
+          </a:stretch>
+        </p:blipFill>
+        <p:spPr>
+          <a:xfrm>
+            <a:off x="5604633" y="1790699"/>
+            <a:ext cx="6061960" cy="3042580"/>
+          </a:xfrm>
+          <a:prstGeom prst="rect">
+            <a:avLst/>
+          </a:prstGeom>
+        </p:spPr>
+      </p:pic>
+    </p:spTree>
+    <p:extLst>
+      <p:ext uri="{BB962C8B-B14F-4D97-AF65-F5344CB8AC3E}">
+        <p14:creationId xmlns:p14="http://schemas.microsoft.com/office/powerpoint/2010/main" val="4153561383"/>
+      </p:ext>
+    </p:extLst>
+  </p:cSld>
+  <p:clrMapOvr>
+    <a:masterClrMapping/>
+  </p:clrMapOvr>
+</p:sld>
+</file>
+
+<file path=ppt/slides/slide11.xml><?xml version="1.0" encoding="utf-8"?>
+<p:sld xmlns:a="http://schemas.openxmlformats.org/drawingml/2006/main" xmlns:r="http://schemas.openxmlformats.org/officeDocument/2006/relationships" xmlns:p="http://schemas.openxmlformats.org/presentationml/2006/main">
+  <p:cSld>
+    <p:spTree>
+      <p:nvGrpSpPr>
+        <p:cNvPr id="1" name=""/>
+        <p:cNvGrpSpPr/>
+        <p:nvPr/>
+      </p:nvGrpSpPr>
+      <p:grpSpPr>
+        <a:xfrm>
+          <a:off x="0" y="0"/>
+          <a:ext cx="0" cy="0"/>
+          <a:chOff x="0" y="0"/>
+          <a:chExt cx="0" cy="0"/>
+        </a:xfrm>
+      </p:grpSpPr>
+      <p:pic>
+        <p:nvPicPr>
+          <p:cNvPr id="2050" name="Picture 2">
+            <a:extLst>
+              <a:ext uri="{FF2B5EF4-FFF2-40B4-BE49-F238E27FC236}">
+                <a16:creationId xmlns:a16="http://schemas.microsoft.com/office/drawing/2014/main" id="{429FD6EF-5B70-41EC-B3FF-5299C7FC4AC4}"/>
+              </a:ext>
+            </a:extLst>
+          </p:cNvPr>
+          <p:cNvPicPr>
+            <a:picLocks noGrp="1" noChangeAspect="1" noChangeArrowheads="1"/>
+          </p:cNvPicPr>
+          <p:nvPr>
+            <p:ph type="pic" idx="1"/>
+          </p:nvPr>
+        </p:nvPicPr>
+        <p:blipFill rotWithShape="1">
+          <a:blip r:embed="rId2">
+            <a:extLst>
+              <a:ext uri="{28A0092B-C50C-407E-A947-70E740481C1C}">
+                <a14:useLocalDpi xmlns:a14="http://schemas.microsoft.com/office/drawing/2010/main" val="0"/>
+              </a:ext>
+            </a:extLst>
+          </a:blip>
+          <a:stretch/>
+        </p:blipFill>
+        <p:spPr bwMode="auto">
+          <a:xfrm>
+            <a:off x="1236482" y="237744"/>
+            <a:ext cx="5680435" cy="6382512"/>
+          </a:xfrm>
+          <a:prstGeom prst="rect">
+            <a:avLst/>
+          </a:prstGeom>
+          <a:solidFill>
+            <a:srgbClr val="FFFFFF"/>
+          </a:solidFill>
+        </p:spPr>
+      </p:pic>
+      <p:sp>
+        <p:nvSpPr>
+          <p:cNvPr id="2" name="Заголовок 1">
+            <a:extLst>
+              <a:ext uri="{FF2B5EF4-FFF2-40B4-BE49-F238E27FC236}">
+                <a16:creationId xmlns:a16="http://schemas.microsoft.com/office/drawing/2014/main" id="{86F90C26-2494-4A9E-B74A-5FE349890148}"/>
+              </a:ext>
+            </a:extLst>
+          </p:cNvPr>
+          <p:cNvSpPr>
+            <a:spLocks noGrp="1"/>
+          </p:cNvSpPr>
+          <p:nvPr>
+            <p:ph type="title"/>
+          </p:nvPr>
+        </p:nvSpPr>
+        <p:spPr>
+          <a:xfrm>
+            <a:off x="8477250" y="603504"/>
+            <a:ext cx="3144774" cy="1645920"/>
+          </a:xfrm>
+        </p:spPr>
+        <p:txBody>
+          <a:bodyPr anchor="b">
+            <a:normAutofit/>
+          </a:bodyPr>
+          <a:lstStyle/>
+          <a:p>
+            <a:r>
+              <a:rPr lang="en-US" dirty="0"/>
+              <a:t>KNN classifier</a:t>
+            </a:r>
+            <a:endParaRPr lang="ru-RU" dirty="0"/>
+          </a:p>
+        </p:txBody>
+      </p:sp>
+    </p:spTree>
+    <p:extLst>
+      <p:ext uri="{BB962C8B-B14F-4D97-AF65-F5344CB8AC3E}">
+        <p14:creationId xmlns:p14="http://schemas.microsoft.com/office/powerpoint/2010/main" val="2926674509"/>
+      </p:ext>
+    </p:extLst>
+  </p:cSld>
+  <p:clrMapOvr>
+    <a:masterClrMapping/>
+  </p:clrMapOvr>
+</p:sld>
+</file>
+
+<file path=ppt/slides/slide12.xml><?xml version="1.0" encoding="utf-8"?>
+<p:sld xmlns:a="http://schemas.openxmlformats.org/drawingml/2006/main" xmlns:r="http://schemas.openxmlformats.org/officeDocument/2006/relationships" xmlns:p="http://schemas.openxmlformats.org/presentationml/2006/main">
+  <p:cSld>
+    <p:spTree>
+      <p:nvGrpSpPr>
+        <p:cNvPr id="1" name=""/>
+        <p:cNvGrpSpPr/>
+        <p:nvPr/>
+      </p:nvGrpSpPr>
+      <p:grpSpPr>
+        <a:xfrm>
+          <a:off x="0" y="0"/>
+          <a:ext cx="0" cy="0"/>
+          <a:chOff x="0" y="0"/>
+          <a:chExt cx="0" cy="0"/>
+        </a:xfrm>
+      </p:grpSpPr>
+      <p:sp>
+        <p:nvSpPr>
+          <p:cNvPr id="2" name="Заголовок 1">
+            <a:extLst>
+              <a:ext uri="{FF2B5EF4-FFF2-40B4-BE49-F238E27FC236}">
+                <a16:creationId xmlns:a16="http://schemas.microsoft.com/office/drawing/2014/main" id="{55963A89-55B1-42C2-AE4C-65D783687865}"/>
+              </a:ext>
+            </a:extLst>
+          </p:cNvPr>
+          <p:cNvSpPr>
+            <a:spLocks noGrp="1"/>
+          </p:cNvSpPr>
+          <p:nvPr>
+            <p:ph type="title"/>
+          </p:nvPr>
+        </p:nvSpPr>
+        <p:spPr/>
+        <p:txBody>
+          <a:bodyPr/>
+          <a:lstStyle/>
+          <a:p>
+            <a:r>
+              <a:rPr lang="en-US" dirty="0"/>
+              <a:t>Experiment results</a:t>
+            </a:r>
+            <a:endParaRPr lang="ru-RU" dirty="0"/>
+          </a:p>
+        </p:txBody>
+      </p:sp>
+      <p:pic>
+        <p:nvPicPr>
+          <p:cNvPr id="5" name="Объект 4">
+            <a:extLst>
+              <a:ext uri="{FF2B5EF4-FFF2-40B4-BE49-F238E27FC236}">
+                <a16:creationId xmlns:a16="http://schemas.microsoft.com/office/drawing/2014/main" id="{23D1D70B-254E-4146-A316-554F871B2EEF}"/>
+              </a:ext>
+            </a:extLst>
+          </p:cNvPr>
+          <p:cNvPicPr>
+            <a:picLocks noGrp="1" noChangeAspect="1"/>
+          </p:cNvPicPr>
+          <p:nvPr>
+            <p:ph idx="1"/>
+          </p:nvPr>
+        </p:nvPicPr>
+        <p:blipFill>
+          <a:blip r:embed="rId2"/>
+          <a:stretch>
+            <a:fillRect/>
+          </a:stretch>
+        </p:blipFill>
+        <p:spPr>
+          <a:xfrm>
+            <a:off x="504825" y="1595782"/>
+            <a:ext cx="7620000" cy="3248025"/>
+          </a:xfrm>
+          <a:prstGeom prst="rect">
+            <a:avLst/>
+          </a:prstGeom>
+        </p:spPr>
+      </p:pic>
+      <p:pic>
+        <p:nvPicPr>
+          <p:cNvPr id="6" name="Рисунок 5">
+            <a:extLst>
+              <a:ext uri="{FF2B5EF4-FFF2-40B4-BE49-F238E27FC236}">
+                <a16:creationId xmlns:a16="http://schemas.microsoft.com/office/drawing/2014/main" id="{1F7CE0E2-D367-413D-9A3B-75DBD4DA8743}"/>
+              </a:ext>
+            </a:extLst>
+          </p:cNvPr>
+          <p:cNvPicPr>
+            <a:picLocks noChangeAspect="1"/>
+          </p:cNvPicPr>
+          <p:nvPr/>
+        </p:nvPicPr>
+        <p:blipFill>
+          <a:blip r:embed="rId3"/>
+          <a:stretch>
+            <a:fillRect/>
+          </a:stretch>
+        </p:blipFill>
+        <p:spPr>
+          <a:xfrm>
+            <a:off x="4991100" y="2371991"/>
+            <a:ext cx="6819900" cy="2990850"/>
+          </a:xfrm>
+          <a:prstGeom prst="rect">
+            <a:avLst/>
+          </a:prstGeom>
+        </p:spPr>
+      </p:pic>
+      <p:sp>
+        <p:nvSpPr>
+          <p:cNvPr id="7" name="TextBox 6">
+            <a:extLst>
+              <a:ext uri="{FF2B5EF4-FFF2-40B4-BE49-F238E27FC236}">
+                <a16:creationId xmlns:a16="http://schemas.microsoft.com/office/drawing/2014/main" id="{3EF255A7-2B0D-4FA8-B61E-C452092DDEFC}"/>
+              </a:ext>
+            </a:extLst>
+          </p:cNvPr>
+          <p:cNvSpPr txBox="1"/>
+          <p:nvPr/>
+        </p:nvSpPr>
+        <p:spPr>
+          <a:xfrm>
+            <a:off x="685800" y="5048250"/>
+            <a:ext cx="3067050" cy="1384995"/>
+          </a:xfrm>
+          <a:prstGeom prst="rect">
+            <a:avLst/>
+          </a:prstGeom>
+          <a:noFill/>
+        </p:spPr>
+        <p:txBody>
+          <a:bodyPr wrap="square" rtlCol="0">
+            <a:spAutoFit/>
+          </a:bodyPr>
+          <a:lstStyle/>
+          <a:p>
+            <a:r>
+              <a:rPr lang="en-US" sz="2800" dirty="0"/>
+              <a:t>ACCURACY 0.95</a:t>
+            </a:r>
+          </a:p>
+          <a:p>
+            <a:endParaRPr lang="en-US" sz="2800" dirty="0"/>
+          </a:p>
+          <a:p>
+            <a:r>
+              <a:rPr lang="en-US" sz="2800" dirty="0"/>
+              <a:t>Woah!</a:t>
+            </a:r>
+            <a:endParaRPr lang="ru-RU" sz="2800" dirty="0"/>
+          </a:p>
+        </p:txBody>
+      </p:sp>
+    </p:spTree>
+    <p:extLst>
+      <p:ext uri="{BB962C8B-B14F-4D97-AF65-F5344CB8AC3E}">
+        <p14:creationId xmlns:p14="http://schemas.microsoft.com/office/powerpoint/2010/main" val="1989812183"/>
+      </p:ext>
+    </p:extLst>
+  </p:cSld>
+  <p:clrMapOvr>
+    <a:masterClrMapping/>
+  </p:clrMapOvr>
+</p:sld>
+</file>
+
+<file path=ppt/slides/slide13.xml><?xml version="1.0" encoding="utf-8"?>
+<p:sld xmlns:a="http://schemas.openxmlformats.org/drawingml/2006/main" xmlns:r="http://schemas.openxmlformats.org/officeDocument/2006/relationships" xmlns:p="http://schemas.openxmlformats.org/presentationml/2006/main">
+  <p:cSld>
+    <p:spTree>
+      <p:nvGrpSpPr>
+        <p:cNvPr id="1" name=""/>
+        <p:cNvGrpSpPr/>
+        <p:nvPr/>
+      </p:nvGrpSpPr>
+      <p:grpSpPr>
+        <a:xfrm>
+          <a:off x="0" y="0"/>
+          <a:ext cx="0" cy="0"/>
+          <a:chOff x="0" y="0"/>
+          <a:chExt cx="0" cy="0"/>
+        </a:xfrm>
+      </p:grpSpPr>
+      <p:sp>
+        <p:nvSpPr>
+          <p:cNvPr id="2" name="Заголовок 1">
+            <a:extLst>
+              <a:ext uri="{FF2B5EF4-FFF2-40B4-BE49-F238E27FC236}">
+                <a16:creationId xmlns:a16="http://schemas.microsoft.com/office/drawing/2014/main" id="{17E2DDA4-9B7B-4BC7-96F2-6A3746574E12}"/>
+              </a:ext>
+            </a:extLst>
+          </p:cNvPr>
+          <p:cNvSpPr>
+            <a:spLocks noGrp="1"/>
+          </p:cNvSpPr>
+          <p:nvPr>
+            <p:ph type="title"/>
+          </p:nvPr>
+        </p:nvSpPr>
+        <p:spPr/>
+        <p:txBody>
+          <a:bodyPr/>
+          <a:lstStyle/>
+          <a:p>
+            <a:pPr algn="ctr"/>
+            <a:r>
+              <a:rPr lang="en-US" dirty="0"/>
+              <a:t>Actually, that was not full ORL</a:t>
+            </a:r>
+            <a:endParaRPr lang="ru-RU" dirty="0"/>
+          </a:p>
+        </p:txBody>
+      </p:sp>
+      <p:pic>
+        <p:nvPicPr>
+          <p:cNvPr id="5" name="Рисунок 4">
+            <a:extLst>
+              <a:ext uri="{FF2B5EF4-FFF2-40B4-BE49-F238E27FC236}">
+                <a16:creationId xmlns:a16="http://schemas.microsoft.com/office/drawing/2014/main" id="{3D0FC3EB-4313-4648-8CBC-F2578B37DF8D}"/>
+              </a:ext>
+            </a:extLst>
+          </p:cNvPr>
+          <p:cNvPicPr>
+            <a:picLocks noChangeAspect="1"/>
+          </p:cNvPicPr>
+          <p:nvPr/>
+        </p:nvPicPr>
+        <p:blipFill>
+          <a:blip r:embed="rId2"/>
+          <a:stretch>
+            <a:fillRect/>
+          </a:stretch>
+        </p:blipFill>
+        <p:spPr>
+          <a:xfrm>
+            <a:off x="1745615" y="2322957"/>
+            <a:ext cx="2724150" cy="3409950"/>
+          </a:xfrm>
+          <a:prstGeom prst="rect">
+            <a:avLst/>
+          </a:prstGeom>
+        </p:spPr>
+      </p:pic>
+      <p:sp>
+        <p:nvSpPr>
+          <p:cNvPr id="6" name="TextBox 5">
+            <a:extLst>
+              <a:ext uri="{FF2B5EF4-FFF2-40B4-BE49-F238E27FC236}">
+                <a16:creationId xmlns:a16="http://schemas.microsoft.com/office/drawing/2014/main" id="{22526612-2596-4C7B-BC7A-AE083EE16C59}"/>
+              </a:ext>
+            </a:extLst>
+          </p:cNvPr>
+          <p:cNvSpPr txBox="1"/>
+          <p:nvPr/>
+        </p:nvSpPr>
+        <p:spPr>
+          <a:xfrm>
+            <a:off x="5323840" y="3101287"/>
+            <a:ext cx="5476240" cy="923330"/>
+          </a:xfrm>
+          <a:prstGeom prst="rect">
+            <a:avLst/>
+          </a:prstGeom>
+          <a:noFill/>
+        </p:spPr>
+        <p:txBody>
+          <a:bodyPr wrap="square" rtlCol="0">
+            <a:spAutoFit/>
+          </a:bodyPr>
+          <a:lstStyle/>
+          <a:p>
+            <a:r>
+              <a:rPr lang="ru-RU" dirty="0"/>
+              <a:t>7 </a:t>
+            </a:r>
+            <a:r>
+              <a:rPr lang="en-US" dirty="0"/>
+              <a:t>classes</a:t>
+            </a:r>
+          </a:p>
+          <a:p>
+            <a:r>
+              <a:rPr lang="en-US" dirty="0"/>
+              <a:t>21 test images </a:t>
+            </a:r>
+          </a:p>
+          <a:p>
+            <a:r>
+              <a:rPr lang="en-US" dirty="0"/>
+              <a:t>49 train images</a:t>
+            </a:r>
+            <a:endParaRPr lang="ru-RU" dirty="0"/>
+          </a:p>
+        </p:txBody>
+      </p:sp>
+    </p:spTree>
+    <p:extLst>
+      <p:ext uri="{BB962C8B-B14F-4D97-AF65-F5344CB8AC3E}">
+        <p14:creationId xmlns:p14="http://schemas.microsoft.com/office/powerpoint/2010/main" val="3738713298"/>
+      </p:ext>
+    </p:extLst>
+  </p:cSld>
+  <p:clrMapOvr>
+    <a:masterClrMapping/>
+  </p:clrMapOvr>
+</p:sld>
+</file>
+
+<file path=ppt/slides/slide14.xml><?xml version="1.0" encoding="utf-8"?>
+<p:sld xmlns:a="http://schemas.openxmlformats.org/drawingml/2006/main" xmlns:r="http://schemas.openxmlformats.org/officeDocument/2006/relationships" xmlns:p="http://schemas.openxmlformats.org/presentationml/2006/main">
+  <p:cSld>
+    <p:spTree>
+      <p:nvGrpSpPr>
+        <p:cNvPr id="1" name=""/>
+        <p:cNvGrpSpPr/>
+        <p:nvPr/>
+      </p:nvGrpSpPr>
+      <p:grpSpPr>
+        <a:xfrm>
+          <a:off x="0" y="0"/>
+          <a:ext cx="0" cy="0"/>
+          <a:chOff x="0" y="0"/>
+          <a:chExt cx="0" cy="0"/>
+        </a:xfrm>
+      </p:grpSpPr>
+      <p:sp>
+        <p:nvSpPr>
+          <p:cNvPr id="2" name="Заголовок 1">
+            <a:extLst>
+              <a:ext uri="{FF2B5EF4-FFF2-40B4-BE49-F238E27FC236}">
+                <a16:creationId xmlns:a16="http://schemas.microsoft.com/office/drawing/2014/main" id="{3D3D75E1-4CC1-42E8-8704-029F864B7B02}"/>
+              </a:ext>
+            </a:extLst>
+          </p:cNvPr>
+          <p:cNvSpPr>
+            <a:spLocks noGrp="1"/>
+          </p:cNvSpPr>
+          <p:nvPr>
+            <p:ph type="title"/>
+          </p:nvPr>
+        </p:nvSpPr>
+        <p:spPr/>
+        <p:txBody>
+          <a:bodyPr/>
+          <a:lstStyle/>
+          <a:p>
+            <a:pPr algn="ctr"/>
+            <a:r>
+              <a:rPr lang="en-US" dirty="0"/>
+              <a:t>Now with full ORL</a:t>
+            </a:r>
+            <a:endParaRPr lang="ru-RU" dirty="0"/>
+          </a:p>
+        </p:txBody>
+      </p:sp>
+      <p:pic>
+        <p:nvPicPr>
+          <p:cNvPr id="5" name="Объект 4">
+            <a:extLst>
+              <a:ext uri="{FF2B5EF4-FFF2-40B4-BE49-F238E27FC236}">
+                <a16:creationId xmlns:a16="http://schemas.microsoft.com/office/drawing/2014/main" id="{DF92ECD5-51FA-4306-9363-370CD226FE22}"/>
+              </a:ext>
+            </a:extLst>
+          </p:cNvPr>
+          <p:cNvPicPr>
+            <a:picLocks noGrp="1" noChangeAspect="1"/>
+          </p:cNvPicPr>
+          <p:nvPr>
+            <p:ph idx="1"/>
+          </p:nvPr>
+        </p:nvPicPr>
+        <p:blipFill>
+          <a:blip r:embed="rId2"/>
+          <a:stretch>
+            <a:fillRect/>
+          </a:stretch>
+        </p:blipFill>
+        <p:spPr>
+          <a:xfrm>
+            <a:off x="599122" y="2221349"/>
+            <a:ext cx="6104916" cy="2829613"/>
+          </a:xfrm>
+          <a:prstGeom prst="rect">
+            <a:avLst/>
+          </a:prstGeom>
+        </p:spPr>
+      </p:pic>
+      <p:pic>
+        <p:nvPicPr>
+          <p:cNvPr id="6" name="Рисунок 5">
+            <a:extLst>
+              <a:ext uri="{FF2B5EF4-FFF2-40B4-BE49-F238E27FC236}">
+                <a16:creationId xmlns:a16="http://schemas.microsoft.com/office/drawing/2014/main" id="{132B2243-DAA5-4B09-B889-F57F046D6F4F}"/>
+              </a:ext>
+            </a:extLst>
+          </p:cNvPr>
+          <p:cNvPicPr>
+            <a:picLocks noChangeAspect="1"/>
+          </p:cNvPicPr>
+          <p:nvPr/>
+        </p:nvPicPr>
+        <p:blipFill>
+          <a:blip r:embed="rId3"/>
+          <a:stretch>
+            <a:fillRect/>
+          </a:stretch>
+        </p:blipFill>
+        <p:spPr>
+          <a:xfrm>
+            <a:off x="7284720" y="2221349"/>
+            <a:ext cx="4033838" cy="2835818"/>
+          </a:xfrm>
+          <a:prstGeom prst="rect">
+            <a:avLst/>
+          </a:prstGeom>
+        </p:spPr>
+      </p:pic>
+    </p:spTree>
+    <p:extLst>
+      <p:ext uri="{BB962C8B-B14F-4D97-AF65-F5344CB8AC3E}">
+        <p14:creationId xmlns:p14="http://schemas.microsoft.com/office/powerpoint/2010/main" val="1917905306"/>
+      </p:ext>
+    </p:extLst>
+  </p:cSld>
+  <p:clrMapOvr>
+    <a:masterClrMapping/>
+  </p:clrMapOvr>
+</p:sld>
+</file>
+
+<file path=ppt/slides/slide15.xml><?xml version="1.0" encoding="utf-8"?>
+<p:sld xmlns:a="http://schemas.openxmlformats.org/drawingml/2006/main" xmlns:r="http://schemas.openxmlformats.org/officeDocument/2006/relationships" xmlns:p="http://schemas.openxmlformats.org/presentationml/2006/main">
+  <p:cSld>
+    <p:spTree>
+      <p:nvGrpSpPr>
+        <p:cNvPr id="1" name=""/>
+        <p:cNvGrpSpPr/>
+        <p:nvPr/>
+      </p:nvGrpSpPr>
+      <p:grpSpPr>
+        <a:xfrm>
+          <a:off x="0" y="0"/>
+          <a:ext cx="0" cy="0"/>
+          <a:chOff x="0" y="0"/>
+          <a:chExt cx="0" cy="0"/>
+        </a:xfrm>
+      </p:grpSpPr>
+      <p:sp>
+        <p:nvSpPr>
+          <p:cNvPr id="2" name="Заголовок 1">
+            <a:extLst>
+              <a:ext uri="{FF2B5EF4-FFF2-40B4-BE49-F238E27FC236}">
+                <a16:creationId xmlns:a16="http://schemas.microsoft.com/office/drawing/2014/main" id="{EACBEA25-50C7-4D7C-8D0A-8DAED2F1B046}"/>
+              </a:ext>
+            </a:extLst>
+          </p:cNvPr>
+          <p:cNvSpPr>
+            <a:spLocks noGrp="1"/>
+          </p:cNvSpPr>
+          <p:nvPr>
+            <p:ph type="title"/>
+          </p:nvPr>
+        </p:nvSpPr>
+        <p:spPr>
+          <a:xfrm>
+            <a:off x="1190625" y="2547594"/>
+            <a:ext cx="10058400" cy="1371600"/>
+          </a:xfrm>
+        </p:spPr>
+        <p:txBody>
+          <a:bodyPr/>
+          <a:lstStyle/>
+          <a:p>
+            <a:pPr algn="ctr"/>
+            <a:r>
+              <a:rPr lang="en-US" dirty="0"/>
+              <a:t>And what about other datasets?</a:t>
+            </a:r>
+            <a:endParaRPr lang="ru-RU" dirty="0"/>
+          </a:p>
+        </p:txBody>
+      </p:sp>
+    </p:spTree>
+    <p:extLst>
+      <p:ext uri="{BB962C8B-B14F-4D97-AF65-F5344CB8AC3E}">
+        <p14:creationId xmlns:p14="http://schemas.microsoft.com/office/powerpoint/2010/main" val="1410355977"/>
+      </p:ext>
+    </p:extLst>
+  </p:cSld>
+  <p:clrMapOvr>
+    <a:masterClrMapping/>
+  </p:clrMapOvr>
+</p:sld>
+</file>
+
+<file path=ppt/slides/slide16.xml><?xml version="1.0" encoding="utf-8"?>
+<p:sld xmlns:a="http://schemas.openxmlformats.org/drawingml/2006/main" xmlns:r="http://schemas.openxmlformats.org/officeDocument/2006/relationships" xmlns:p="http://schemas.openxmlformats.org/presentationml/2006/main">
+  <p:cSld>
+    <p:spTree>
+      <p:nvGrpSpPr>
+        <p:cNvPr id="1" name=""/>
+        <p:cNvGrpSpPr/>
+        <p:nvPr/>
+      </p:nvGrpSpPr>
+      <p:grpSpPr>
+        <a:xfrm>
+          <a:off x="0" y="0"/>
+          <a:ext cx="0" cy="0"/>
+          <a:chOff x="0" y="0"/>
+          <a:chExt cx="0" cy="0"/>
+        </a:xfrm>
+      </p:grpSpPr>
+      <p:sp>
+        <p:nvSpPr>
+          <p:cNvPr id="2" name="Заголовок 1">
+            <a:extLst>
+              <a:ext uri="{FF2B5EF4-FFF2-40B4-BE49-F238E27FC236}">
+                <a16:creationId xmlns:a16="http://schemas.microsoft.com/office/drawing/2014/main" id="{58A44A54-6E79-4BBC-80DE-81C5D7442716}"/>
+              </a:ext>
+            </a:extLst>
+          </p:cNvPr>
+          <p:cNvSpPr>
+            <a:spLocks noGrp="1"/>
+          </p:cNvSpPr>
+          <p:nvPr>
+            <p:ph type="title"/>
+          </p:nvPr>
+        </p:nvSpPr>
+        <p:spPr/>
+        <p:txBody>
+          <a:bodyPr/>
+          <a:lstStyle/>
+          <a:p>
+            <a:pPr algn="ctr"/>
+            <a:r>
+              <a:rPr lang="en-US" dirty="0"/>
+              <a:t>Dataset vgg_face2(little part)</a:t>
+            </a:r>
+            <a:endParaRPr lang="ru-RU" dirty="0"/>
+          </a:p>
+        </p:txBody>
+      </p:sp>
+      <p:pic>
+        <p:nvPicPr>
+          <p:cNvPr id="5" name="Объект 4">
+            <a:extLst>
+              <a:ext uri="{FF2B5EF4-FFF2-40B4-BE49-F238E27FC236}">
+                <a16:creationId xmlns:a16="http://schemas.microsoft.com/office/drawing/2014/main" id="{CFAFB407-AF47-47F7-BA49-A33369D12C1D}"/>
+              </a:ext>
+            </a:extLst>
+          </p:cNvPr>
+          <p:cNvPicPr>
+            <a:picLocks noGrp="1" noChangeAspect="1"/>
+          </p:cNvPicPr>
+          <p:nvPr>
+            <p:ph idx="1"/>
+          </p:nvPr>
+        </p:nvPicPr>
+        <p:blipFill>
+          <a:blip r:embed="rId2"/>
+          <a:stretch>
+            <a:fillRect/>
+          </a:stretch>
+        </p:blipFill>
+        <p:spPr>
+          <a:xfrm>
+            <a:off x="541035" y="1895476"/>
+            <a:ext cx="5204310" cy="2948331"/>
+          </a:xfrm>
+          <a:prstGeom prst="rect">
+            <a:avLst/>
+          </a:prstGeom>
+        </p:spPr>
+      </p:pic>
+      <p:pic>
+        <p:nvPicPr>
+          <p:cNvPr id="7" name="Рисунок 6" descr="Изображение выглядит как мужчина, человек, внутренний, сидит&#10;&#10;Автоматически созданное описание">
+            <a:extLst>
+              <a:ext uri="{FF2B5EF4-FFF2-40B4-BE49-F238E27FC236}">
+                <a16:creationId xmlns:a16="http://schemas.microsoft.com/office/drawing/2014/main" id="{0C11CD2B-BEFB-4CCF-9831-164C91E41EB4}"/>
+              </a:ext>
+            </a:extLst>
+          </p:cNvPr>
+          <p:cNvPicPr>
+            <a:picLocks noChangeAspect="1"/>
+          </p:cNvPicPr>
+          <p:nvPr/>
+        </p:nvPicPr>
+        <p:blipFill>
+          <a:blip r:embed="rId3">
+            <a:extLst>
+              <a:ext uri="{28A0092B-C50C-407E-A947-70E740481C1C}">
+                <a14:useLocalDpi xmlns:a14="http://schemas.microsoft.com/office/drawing/2010/main" val="0"/>
+              </a:ext>
+            </a:extLst>
+          </a:blip>
+          <a:stretch>
+            <a:fillRect/>
+          </a:stretch>
+        </p:blipFill>
+        <p:spPr>
+          <a:xfrm>
+            <a:off x="5944485" y="1685925"/>
+            <a:ext cx="3048000" cy="2657475"/>
+          </a:xfrm>
+          <a:prstGeom prst="rect">
+            <a:avLst/>
+          </a:prstGeom>
+        </p:spPr>
+      </p:pic>
+      <p:pic>
+        <p:nvPicPr>
+          <p:cNvPr id="4" name="Рисунок 3" descr="Изображение выглядит как человек, мужчина, улыбается, сидит&#10;&#10;Автоматически созданное описание">
+            <a:extLst>
+              <a:ext uri="{FF2B5EF4-FFF2-40B4-BE49-F238E27FC236}">
+                <a16:creationId xmlns:a16="http://schemas.microsoft.com/office/drawing/2014/main" id="{24EF6D72-D07C-4716-AFB4-3E77F213D1F2}"/>
+              </a:ext>
+            </a:extLst>
+          </p:cNvPr>
+          <p:cNvPicPr>
+            <a:picLocks noChangeAspect="1"/>
+          </p:cNvPicPr>
+          <p:nvPr/>
+        </p:nvPicPr>
+        <p:blipFill>
+          <a:blip r:embed="rId4">
+            <a:extLst>
+              <a:ext uri="{28A0092B-C50C-407E-A947-70E740481C1C}">
+                <a14:useLocalDpi xmlns:a14="http://schemas.microsoft.com/office/drawing/2010/main" val="0"/>
+              </a:ext>
+            </a:extLst>
+          </a:blip>
+          <a:stretch>
+            <a:fillRect/>
+          </a:stretch>
+        </p:blipFill>
+        <p:spPr>
+          <a:xfrm>
+            <a:off x="8382000" y="2738437"/>
+            <a:ext cx="3105150" cy="3648075"/>
+          </a:xfrm>
+          <a:prstGeom prst="rect">
+            <a:avLst/>
+          </a:prstGeom>
+        </p:spPr>
+      </p:pic>
+    </p:spTree>
+    <p:extLst>
+      <p:ext uri="{BB962C8B-B14F-4D97-AF65-F5344CB8AC3E}">
+        <p14:creationId xmlns:p14="http://schemas.microsoft.com/office/powerpoint/2010/main" val="2831351372"/>
+      </p:ext>
+    </p:extLst>
+  </p:cSld>
+  <p:clrMapOvr>
+    <a:masterClrMapping/>
+  </p:clrMapOvr>
+</p:sld>
+</file>
+
+<file path=ppt/slides/slide17.xml><?xml version="1.0" encoding="utf-8"?>
+<p:sld xmlns:a="http://schemas.openxmlformats.org/drawingml/2006/main" xmlns:r="http://schemas.openxmlformats.org/officeDocument/2006/relationships" xmlns:p="http://schemas.openxmlformats.org/presentationml/2006/main">
+  <p:cSld>
+    <p:spTree>
+      <p:nvGrpSpPr>
+        <p:cNvPr id="1" name=""/>
+        <p:cNvGrpSpPr/>
+        <p:nvPr/>
+      </p:nvGrpSpPr>
+      <p:grpSpPr>
+        <a:xfrm>
+          <a:off x="0" y="0"/>
+          <a:ext cx="0" cy="0"/>
+          <a:chOff x="0" y="0"/>
+          <a:chExt cx="0" cy="0"/>
+        </a:xfrm>
+      </p:grpSpPr>
+      <p:sp>
+        <p:nvSpPr>
+          <p:cNvPr id="2" name="Заголовок 1">
+            <a:extLst>
+              <a:ext uri="{FF2B5EF4-FFF2-40B4-BE49-F238E27FC236}">
+                <a16:creationId xmlns:a16="http://schemas.microsoft.com/office/drawing/2014/main" id="{4AFDD8A2-DAA8-4BE5-8792-4380B41CD4F0}"/>
+              </a:ext>
+            </a:extLst>
+          </p:cNvPr>
+          <p:cNvSpPr>
+            <a:spLocks noGrp="1"/>
+          </p:cNvSpPr>
+          <p:nvPr>
+            <p:ph type="title"/>
+          </p:nvPr>
+        </p:nvSpPr>
+        <p:spPr>
+          <a:xfrm>
+            <a:off x="866872" y="481773"/>
+            <a:ext cx="10058400" cy="1371600"/>
+          </a:xfrm>
+        </p:spPr>
+        <p:txBody>
+          <a:bodyPr/>
+          <a:lstStyle/>
+          <a:p>
+            <a:pPr algn="ctr"/>
+            <a:r>
+              <a:rPr lang="en-US" dirty="0"/>
+              <a:t>FULL vgg_face2</a:t>
+            </a:r>
+            <a:endParaRPr lang="ru-RU" dirty="0"/>
+          </a:p>
+        </p:txBody>
+      </p:sp>
+      <p:pic>
+        <p:nvPicPr>
+          <p:cNvPr id="5" name="Объект 4">
+            <a:extLst>
+              <a:ext uri="{FF2B5EF4-FFF2-40B4-BE49-F238E27FC236}">
+                <a16:creationId xmlns:a16="http://schemas.microsoft.com/office/drawing/2014/main" id="{AF74BDBF-0C78-4D75-9FDF-5BE6C1393449}"/>
+              </a:ext>
+            </a:extLst>
+          </p:cNvPr>
+          <p:cNvPicPr>
+            <a:picLocks noGrp="1" noChangeAspect="1"/>
+          </p:cNvPicPr>
+          <p:nvPr>
+            <p:ph idx="1"/>
+          </p:nvPr>
+        </p:nvPicPr>
+        <p:blipFill>
+          <a:blip r:embed="rId2"/>
+          <a:stretch>
+            <a:fillRect/>
+          </a:stretch>
+        </p:blipFill>
+        <p:spPr>
+          <a:xfrm rot="21341272">
+            <a:off x="1532132" y="2501044"/>
+            <a:ext cx="4090670" cy="801323"/>
+          </a:xfrm>
+          <a:prstGeom prst="rect">
+            <a:avLst/>
+          </a:prstGeom>
+        </p:spPr>
+      </p:pic>
+      <p:pic>
+        <p:nvPicPr>
+          <p:cNvPr id="3074" name="Picture 2">
+            <a:extLst>
+              <a:ext uri="{FF2B5EF4-FFF2-40B4-BE49-F238E27FC236}">
+                <a16:creationId xmlns:a16="http://schemas.microsoft.com/office/drawing/2014/main" id="{5BF560DD-3E83-46E8-8440-9EB7F1101897}"/>
+              </a:ext>
+            </a:extLst>
+          </p:cNvPr>
+          <p:cNvPicPr>
+            <a:picLocks noChangeAspect="1" noChangeArrowheads="1"/>
+          </p:cNvPicPr>
+          <p:nvPr/>
+        </p:nvPicPr>
+        <p:blipFill>
+          <a:blip r:embed="rId3">
+            <a:extLst>
+              <a:ext uri="{28A0092B-C50C-407E-A947-70E740481C1C}">
+                <a14:useLocalDpi xmlns:a14="http://schemas.microsoft.com/office/drawing/2010/main" val="0"/>
+              </a:ext>
+            </a:extLst>
+          </a:blip>
+          <a:srcRect/>
+          <a:stretch>
+            <a:fillRect/>
+          </a:stretch>
+        </p:blipFill>
+        <p:spPr bwMode="auto">
+          <a:xfrm rot="679555">
+            <a:off x="1931305" y="4576639"/>
+            <a:ext cx="3695700" cy="571500"/>
+          </a:xfrm>
+          <a:prstGeom prst="rect">
+            <a:avLst/>
+          </a:prstGeom>
+          <a:noFill/>
+          <a:extLst>
+            <a:ext uri="{909E8E84-426E-40DD-AFC4-6F175D3DCCD1}">
+              <a14:hiddenFill xmlns:a14="http://schemas.microsoft.com/office/drawing/2010/main">
+                <a:solidFill>
+                  <a:srgbClr val="FFFFFF"/>
+                </a:solidFill>
+              </a14:hiddenFill>
+            </a:ext>
+          </a:extLst>
+        </p:spPr>
+      </p:pic>
+      <p:pic>
+        <p:nvPicPr>
+          <p:cNvPr id="6" name="Рисунок 5">
+            <a:extLst>
+              <a:ext uri="{FF2B5EF4-FFF2-40B4-BE49-F238E27FC236}">
+                <a16:creationId xmlns:a16="http://schemas.microsoft.com/office/drawing/2014/main" id="{3913EDCE-8DA7-4009-9B56-17353E5F5657}"/>
+              </a:ext>
+            </a:extLst>
+          </p:cNvPr>
+          <p:cNvPicPr>
+            <a:picLocks noChangeAspect="1"/>
+          </p:cNvPicPr>
+          <p:nvPr/>
+        </p:nvPicPr>
+        <p:blipFill>
+          <a:blip r:embed="rId4"/>
+          <a:stretch>
+            <a:fillRect/>
+          </a:stretch>
+        </p:blipFill>
+        <p:spPr>
+          <a:xfrm>
+            <a:off x="6650618" y="1581668"/>
+            <a:ext cx="4023932" cy="2421327"/>
+          </a:xfrm>
+          <a:prstGeom prst="rect">
+            <a:avLst/>
+          </a:prstGeom>
+        </p:spPr>
+      </p:pic>
+      <p:pic>
+        <p:nvPicPr>
+          <p:cNvPr id="7" name="Рисунок 6">
+            <a:extLst>
+              <a:ext uri="{FF2B5EF4-FFF2-40B4-BE49-F238E27FC236}">
+                <a16:creationId xmlns:a16="http://schemas.microsoft.com/office/drawing/2014/main" id="{CEA14FE4-5169-4B0E-861E-958614564F43}"/>
+              </a:ext>
+            </a:extLst>
+          </p:cNvPr>
+          <p:cNvPicPr>
+            <a:picLocks noChangeAspect="1"/>
+          </p:cNvPicPr>
+          <p:nvPr/>
+        </p:nvPicPr>
+        <p:blipFill>
+          <a:blip r:embed="rId5"/>
+          <a:stretch>
+            <a:fillRect/>
+          </a:stretch>
+        </p:blipFill>
+        <p:spPr>
+          <a:xfrm>
+            <a:off x="6650617" y="4132864"/>
+            <a:ext cx="4023933" cy="2384756"/>
+          </a:xfrm>
+          <a:prstGeom prst="rect">
+            <a:avLst/>
+          </a:prstGeom>
+        </p:spPr>
+      </p:pic>
+    </p:spTree>
+    <p:extLst>
+      <p:ext uri="{BB962C8B-B14F-4D97-AF65-F5344CB8AC3E}">
+        <p14:creationId xmlns:p14="http://schemas.microsoft.com/office/powerpoint/2010/main" val="2570695336"/>
+      </p:ext>
+    </p:extLst>
+  </p:cSld>
+  <p:clrMapOvr>
+    <a:masterClrMapping/>
+  </p:clrMapOvr>
+</p:sld>
+</file>
+
+<file path=ppt/slides/slide18.xml><?xml version="1.0" encoding="utf-8"?>
+<p:sld xmlns:a="http://schemas.openxmlformats.org/drawingml/2006/main" xmlns:r="http://schemas.openxmlformats.org/officeDocument/2006/relationships" xmlns:p="http://schemas.openxmlformats.org/presentationml/2006/main">
+  <p:cSld>
+    <p:spTree>
+      <p:nvGrpSpPr>
+        <p:cNvPr id="1" name=""/>
+        <p:cNvGrpSpPr/>
+        <p:nvPr/>
+      </p:nvGrpSpPr>
+      <p:grpSpPr>
+        <a:xfrm>
+          <a:off x="0" y="0"/>
+          <a:ext cx="0" cy="0"/>
+          <a:chOff x="0" y="0"/>
+          <a:chExt cx="0" cy="0"/>
+        </a:xfrm>
+      </p:grpSpPr>
+      <p:sp>
+        <p:nvSpPr>
+          <p:cNvPr id="2" name="Заголовок 1">
+            <a:extLst>
+              <a:ext uri="{FF2B5EF4-FFF2-40B4-BE49-F238E27FC236}">
+                <a16:creationId xmlns:a16="http://schemas.microsoft.com/office/drawing/2014/main" id="{197DB0AD-C9DA-4A4C-A837-241AC1CE6FDC}"/>
+              </a:ext>
+            </a:extLst>
+          </p:cNvPr>
+          <p:cNvSpPr>
+            <a:spLocks noGrp="1"/>
+          </p:cNvSpPr>
+          <p:nvPr>
+            <p:ph type="title"/>
+          </p:nvPr>
+        </p:nvSpPr>
+        <p:spPr/>
+        <p:txBody>
+          <a:bodyPr/>
+          <a:lstStyle/>
+          <a:p>
+            <a:pPr algn="ctr"/>
+            <a:r>
+              <a:rPr lang="en-US" dirty="0"/>
+              <a:t>Also, linear models, etc.</a:t>
+            </a:r>
+            <a:endParaRPr lang="ru-RU" dirty="0"/>
+          </a:p>
+        </p:txBody>
+      </p:sp>
+      <p:pic>
+        <p:nvPicPr>
+          <p:cNvPr id="5" name="Объект 4">
+            <a:extLst>
+              <a:ext uri="{FF2B5EF4-FFF2-40B4-BE49-F238E27FC236}">
+                <a16:creationId xmlns:a16="http://schemas.microsoft.com/office/drawing/2014/main" id="{56D371A2-9B30-426A-BD62-D3D4E54EDD18}"/>
+              </a:ext>
+            </a:extLst>
+          </p:cNvPr>
+          <p:cNvPicPr>
+            <a:picLocks noGrp="1" noChangeAspect="1"/>
+          </p:cNvPicPr>
+          <p:nvPr>
+            <p:ph idx="1"/>
+          </p:nvPr>
+        </p:nvPicPr>
+        <p:blipFill>
+          <a:blip r:embed="rId2"/>
+          <a:stretch>
+            <a:fillRect/>
+          </a:stretch>
+        </p:blipFill>
+        <p:spPr>
+          <a:xfrm>
+            <a:off x="1066800" y="2014194"/>
+            <a:ext cx="6743700" cy="1209675"/>
+          </a:xfrm>
+          <a:prstGeom prst="rect">
+            <a:avLst/>
+          </a:prstGeom>
+        </p:spPr>
+      </p:pic>
+      <p:pic>
+        <p:nvPicPr>
+          <p:cNvPr id="6" name="Рисунок 5">
+            <a:extLst>
+              <a:ext uri="{FF2B5EF4-FFF2-40B4-BE49-F238E27FC236}">
+                <a16:creationId xmlns:a16="http://schemas.microsoft.com/office/drawing/2014/main" id="{2E71A351-0CC1-4D9A-9CD2-38E2CBD0CEA2}"/>
+              </a:ext>
+            </a:extLst>
+          </p:cNvPr>
+          <p:cNvPicPr>
+            <a:picLocks noChangeAspect="1"/>
+          </p:cNvPicPr>
+          <p:nvPr/>
+        </p:nvPicPr>
+        <p:blipFill>
+          <a:blip r:embed="rId3"/>
+          <a:stretch>
+            <a:fillRect/>
+          </a:stretch>
+        </p:blipFill>
+        <p:spPr>
+          <a:xfrm>
+            <a:off x="4810125" y="3920490"/>
+            <a:ext cx="4705350" cy="904875"/>
+          </a:xfrm>
+          <a:prstGeom prst="rect">
+            <a:avLst/>
+          </a:prstGeom>
+        </p:spPr>
+      </p:pic>
+    </p:spTree>
+    <p:extLst>
+      <p:ext uri="{BB962C8B-B14F-4D97-AF65-F5344CB8AC3E}">
+        <p14:creationId xmlns:p14="http://schemas.microsoft.com/office/powerpoint/2010/main" val="606133883"/>
+      </p:ext>
+    </p:extLst>
+  </p:cSld>
+  <p:clrMapOvr>
+    <a:masterClrMapping/>
+  </p:clrMapOvr>
+</p:sld>
+</file>
+
+<file path=ppt/slides/slide19.xml><?xml version="1.0" encoding="utf-8"?>
+<p:sld xmlns:a="http://schemas.openxmlformats.org/drawingml/2006/main" xmlns:r="http://schemas.openxmlformats.org/officeDocument/2006/relationships" xmlns:p="http://schemas.openxmlformats.org/presentationml/2006/main">
+  <p:cSld>
+    <p:spTree>
+      <p:nvGrpSpPr>
+        <p:cNvPr id="1" name=""/>
+        <p:cNvGrpSpPr/>
+        <p:nvPr/>
+      </p:nvGrpSpPr>
+      <p:grpSpPr>
+        <a:xfrm>
+          <a:off x="0" y="0"/>
+          <a:ext cx="0" cy="0"/>
+          <a:chOff x="0" y="0"/>
+          <a:chExt cx="0" cy="0"/>
+        </a:xfrm>
+      </p:grpSpPr>
+      <p:sp>
+        <p:nvSpPr>
+          <p:cNvPr id="2" name="Заголовок 1">
+            <a:extLst>
+              <a:ext uri="{FF2B5EF4-FFF2-40B4-BE49-F238E27FC236}">
+                <a16:creationId xmlns:a16="http://schemas.microsoft.com/office/drawing/2014/main" id="{70017D51-487A-4D1D-8721-F5483110D1F1}"/>
+              </a:ext>
+            </a:extLst>
+          </p:cNvPr>
+          <p:cNvSpPr>
+            <a:spLocks noGrp="1"/>
+          </p:cNvSpPr>
+          <p:nvPr>
+            <p:ph type="title"/>
+          </p:nvPr>
+        </p:nvSpPr>
+        <p:spPr/>
+        <p:txBody>
+          <a:bodyPr/>
+          <a:lstStyle/>
+          <a:p>
+            <a:pPr algn="ctr"/>
+            <a:r>
+              <a:rPr lang="en-US" dirty="0"/>
+              <a:t>Summary</a:t>
+            </a:r>
+            <a:endParaRPr lang="ru-RU" dirty="0"/>
+          </a:p>
+        </p:txBody>
+      </p:sp>
+      <p:sp>
+        <p:nvSpPr>
+          <p:cNvPr id="3" name="Объект 2">
+            <a:extLst>
+              <a:ext uri="{FF2B5EF4-FFF2-40B4-BE49-F238E27FC236}">
+                <a16:creationId xmlns:a16="http://schemas.microsoft.com/office/drawing/2014/main" id="{A35F8C2C-5EC5-4AFF-AE51-A1034E229DE1}"/>
+              </a:ext>
+            </a:extLst>
+          </p:cNvPr>
+          <p:cNvSpPr>
+            <a:spLocks noGrp="1"/>
+          </p:cNvSpPr>
+          <p:nvPr>
+            <p:ph idx="1"/>
+          </p:nvPr>
+        </p:nvSpPr>
+        <p:spPr/>
+        <p:txBody>
+          <a:bodyPr>
+            <a:normAutofit/>
+          </a:bodyPr>
+          <a:lstStyle/>
+          <a:p>
+            <a:r>
+              <a:rPr lang="en-US" sz="2000" dirty="0"/>
+              <a:t>Our approach only works on images with same size and same face location</a:t>
+            </a:r>
+          </a:p>
+          <a:p>
+            <a:r>
+              <a:rPr lang="en-US" sz="2000" dirty="0"/>
+              <a:t>But on these images definitely works great (so cheap to store data and easy to implement)</a:t>
+            </a:r>
+            <a:endParaRPr lang="ru-RU" sz="2000" dirty="0"/>
+          </a:p>
+        </p:txBody>
+      </p:sp>
+    </p:spTree>
+    <p:extLst>
+      <p:ext uri="{BB962C8B-B14F-4D97-AF65-F5344CB8AC3E}">
+        <p14:creationId xmlns:p14="http://schemas.microsoft.com/office/powerpoint/2010/main" val="142579054"/>
+      </p:ext>
+    </p:extLst>
+  </p:cSld>
+  <p:clrMapOvr>
+    <a:masterClrMapping/>
+  </p:clrMapOvr>
+</p:sld>
+</file>
+
+<file path=ppt/slides/slide2.xml><?xml version="1.0" encoding="utf-8"?>
+<p:sld xmlns:a="http://schemas.openxmlformats.org/drawingml/2006/main" xmlns:r="http://schemas.openxmlformats.org/officeDocument/2006/relationships" xmlns:p="http://schemas.openxmlformats.org/presentationml/2006/main">
+  <p:cSld>
+    <p:spTree>
+      <p:nvGrpSpPr>
+        <p:cNvPr id="1" name=""/>
+        <p:cNvGrpSpPr/>
+        <p:nvPr/>
+      </p:nvGrpSpPr>
+      <p:grpSpPr>
+        <a:xfrm>
+          <a:off x="0" y="0"/>
+          <a:ext cx="0" cy="0"/>
+          <a:chOff x="0" y="0"/>
+          <a:chExt cx="0" cy="0"/>
+        </a:xfrm>
+      </p:grpSpPr>
+      <p:pic>
+        <p:nvPicPr>
+          <p:cNvPr id="5" name="Рисунок 4">
+            <a:extLst>
+              <a:ext uri="{FF2B5EF4-FFF2-40B4-BE49-F238E27FC236}">
+                <a16:creationId xmlns:a16="http://schemas.microsoft.com/office/drawing/2014/main" id="{9A69FA94-BEE1-4833-BE55-4095198BE203}"/>
+              </a:ext>
+            </a:extLst>
+          </p:cNvPr>
+          <p:cNvPicPr>
+            <a:picLocks noChangeAspect="1"/>
+          </p:cNvPicPr>
+          <p:nvPr/>
+        </p:nvPicPr>
+        <p:blipFill>
+          <a:blip r:embed="rId2"/>
+          <a:stretch>
+            <a:fillRect/>
+          </a:stretch>
+        </p:blipFill>
+        <p:spPr>
+          <a:xfrm>
+            <a:off x="147319" y="603504"/>
+            <a:ext cx="7696201" cy="1481517"/>
+          </a:xfrm>
+          <a:prstGeom prst="rect">
+            <a:avLst/>
+          </a:prstGeom>
+          <a:noFill/>
+          <a:ln>
+            <a:noFill/>
+          </a:ln>
+        </p:spPr>
+      </p:pic>
+      <p:sp>
+        <p:nvSpPr>
+          <p:cNvPr id="2" name="Заголовок 1">
+            <a:extLst>
+              <a:ext uri="{FF2B5EF4-FFF2-40B4-BE49-F238E27FC236}">
+                <a16:creationId xmlns:a16="http://schemas.microsoft.com/office/drawing/2014/main" id="{D2F18456-F6D0-4839-9CC4-09F475BD8C5A}"/>
+              </a:ext>
+            </a:extLst>
+          </p:cNvPr>
+          <p:cNvSpPr>
+            <a:spLocks noGrp="1"/>
+          </p:cNvSpPr>
+          <p:nvPr>
+            <p:ph type="title"/>
+          </p:nvPr>
+        </p:nvSpPr>
+        <p:spPr>
+          <a:xfrm>
+            <a:off x="8477250" y="603504"/>
+            <a:ext cx="3144774" cy="1645920"/>
+          </a:xfrm>
+        </p:spPr>
+        <p:txBody>
+          <a:bodyPr anchor="b">
+            <a:normAutofit/>
+          </a:bodyPr>
+          <a:lstStyle/>
+          <a:p>
+            <a:r>
+              <a:rPr lang="en-US" dirty="0"/>
+              <a:t>SVD - ?</a:t>
+            </a:r>
+            <a:endParaRPr lang="ru-RU"/>
+          </a:p>
+        </p:txBody>
+      </p:sp>
+      <p:sp>
+        <p:nvSpPr>
+          <p:cNvPr id="3" name="Объект 2">
+            <a:extLst>
+              <a:ext uri="{FF2B5EF4-FFF2-40B4-BE49-F238E27FC236}">
+                <a16:creationId xmlns:a16="http://schemas.microsoft.com/office/drawing/2014/main" id="{2D3528EC-64FB-435D-8861-276D7470411C}"/>
+              </a:ext>
+            </a:extLst>
+          </p:cNvPr>
+          <p:cNvSpPr>
+            <a:spLocks noGrp="1"/>
+          </p:cNvSpPr>
+          <p:nvPr>
+            <p:ph type="body" sz="half" idx="2"/>
+          </p:nvPr>
+        </p:nvSpPr>
+        <p:spPr>
+          <a:xfrm>
+            <a:off x="8477250" y="2386584"/>
+            <a:ext cx="3144774" cy="3511296"/>
+          </a:xfrm>
+        </p:spPr>
+        <p:txBody>
+          <a:bodyPr>
+            <a:normAutofit/>
+          </a:bodyPr>
+          <a:lstStyle/>
+          <a:p>
+            <a:r>
+              <a:rPr lang="en-US" dirty="0"/>
+              <a:t>WHAT IS IT? Just to remind</a:t>
+            </a:r>
+          </a:p>
+          <a:p>
+            <a:endParaRPr lang="ru-RU" b="1" dirty="0"/>
+          </a:p>
+        </p:txBody>
+      </p:sp>
+      <p:pic>
+        <p:nvPicPr>
+          <p:cNvPr id="6" name="Рисунок 5">
+            <a:extLst>
+              <a:ext uri="{FF2B5EF4-FFF2-40B4-BE49-F238E27FC236}">
+                <a16:creationId xmlns:a16="http://schemas.microsoft.com/office/drawing/2014/main" id="{685AEFBE-5C7C-4B2A-B481-97233D339CF6}"/>
+              </a:ext>
+            </a:extLst>
+          </p:cNvPr>
+          <p:cNvPicPr>
+            <a:picLocks noChangeAspect="1"/>
+          </p:cNvPicPr>
+          <p:nvPr/>
+        </p:nvPicPr>
+        <p:blipFill>
+          <a:blip r:embed="rId3"/>
+          <a:stretch>
+            <a:fillRect/>
+          </a:stretch>
+        </p:blipFill>
+        <p:spPr>
+          <a:xfrm>
+            <a:off x="4448884" y="3133946"/>
+            <a:ext cx="3063093" cy="1179576"/>
+          </a:xfrm>
+          <a:prstGeom prst="rect">
+            <a:avLst/>
+          </a:prstGeom>
+        </p:spPr>
+      </p:pic>
+      <p:pic>
+        <p:nvPicPr>
+          <p:cNvPr id="1026" name="Picture 2">
+            <a:extLst>
+              <a:ext uri="{FF2B5EF4-FFF2-40B4-BE49-F238E27FC236}">
+                <a16:creationId xmlns:a16="http://schemas.microsoft.com/office/drawing/2014/main" id="{03ECAA59-CC20-45E0-8344-AD835B11922C}"/>
+              </a:ext>
+            </a:extLst>
+          </p:cNvPr>
+          <p:cNvPicPr>
+            <a:picLocks noChangeAspect="1" noChangeArrowheads="1"/>
+          </p:cNvPicPr>
+          <p:nvPr/>
+        </p:nvPicPr>
+        <p:blipFill>
+          <a:blip r:embed="rId4">
+            <a:extLst>
+              <a:ext uri="{28A0092B-C50C-407E-A947-70E740481C1C}">
+                <a14:useLocalDpi xmlns:a14="http://schemas.microsoft.com/office/drawing/2010/main" val="0"/>
+              </a:ext>
+            </a:extLst>
+          </a:blip>
+          <a:srcRect/>
+          <a:stretch>
+            <a:fillRect/>
+          </a:stretch>
+        </p:blipFill>
+        <p:spPr bwMode="auto">
+          <a:xfrm>
+            <a:off x="623045" y="2249424"/>
+            <a:ext cx="3508974" cy="4092540"/>
+          </a:xfrm>
+          <a:prstGeom prst="rect">
+            <a:avLst/>
+          </a:prstGeom>
+          <a:noFill/>
+          <a:extLst>
+            <a:ext uri="{909E8E84-426E-40DD-AFC4-6F175D3DCCD1}">
+              <a14:hiddenFill xmlns:a14="http://schemas.microsoft.com/office/drawing/2010/main">
+                <a:solidFill>
+                  <a:srgbClr val="FFFFFF"/>
+                </a:solidFill>
+              </a14:hiddenFill>
+            </a:ext>
+          </a:extLst>
+        </p:spPr>
+      </p:pic>
+    </p:spTree>
+    <p:extLst>
+      <p:ext uri="{BB962C8B-B14F-4D97-AF65-F5344CB8AC3E}">
+        <p14:creationId xmlns:p14="http://schemas.microsoft.com/office/powerpoint/2010/main" val="461905464"/>
+      </p:ext>
+    </p:extLst>
+  </p:cSld>
+  <p:clrMapOvr>
+    <a:masterClrMapping/>
+  </p:clrMapOvr>
+</p:sld>
+</file>
+
+<file path=ppt/slides/slide20.xml><?xml version="1.0" encoding="utf-8"?>
+<p:sld xmlns:a="http://schemas.openxmlformats.org/drawingml/2006/main" xmlns:r="http://schemas.openxmlformats.org/officeDocument/2006/relationships" xmlns:p="http://schemas.openxmlformats.org/presentationml/2006/main">
+  <p:cSld>
+    <p:spTree>
+      <p:nvGrpSpPr>
+        <p:cNvPr id="1" name=""/>
+        <p:cNvGrpSpPr/>
+        <p:nvPr/>
+      </p:nvGrpSpPr>
+      <p:grpSpPr>
+        <a:xfrm>
+          <a:off x="0" y="0"/>
+          <a:ext cx="0" cy="0"/>
+          <a:chOff x="0" y="0"/>
+          <a:chExt cx="0" cy="0"/>
+        </a:xfrm>
+      </p:grpSpPr>
+      <p:sp>
+        <p:nvSpPr>
+          <p:cNvPr id="2" name="Заголовок 1">
+            <a:extLst>
+              <a:ext uri="{FF2B5EF4-FFF2-40B4-BE49-F238E27FC236}">
+                <a16:creationId xmlns:a16="http://schemas.microsoft.com/office/drawing/2014/main" id="{C233E2CD-54EE-4770-A314-93B75251176A}"/>
+              </a:ext>
+            </a:extLst>
+          </p:cNvPr>
+          <p:cNvSpPr>
+            <a:spLocks noGrp="1"/>
+          </p:cNvSpPr>
+          <p:nvPr>
+            <p:ph type="title"/>
+          </p:nvPr>
+        </p:nvSpPr>
+        <p:spPr/>
+        <p:txBody>
+          <a:bodyPr/>
+          <a:lstStyle/>
+          <a:p>
+            <a:r>
+              <a:rPr lang="en-US" dirty="0"/>
+              <a:t>4) Let’s play with eigenvalues</a:t>
+            </a:r>
+            <a:endParaRPr lang="ru-RU" dirty="0"/>
+          </a:p>
+        </p:txBody>
+      </p:sp>
+      <p:pic>
+        <p:nvPicPr>
+          <p:cNvPr id="6" name="Объект 5">
+            <a:extLst>
+              <a:ext uri="{FF2B5EF4-FFF2-40B4-BE49-F238E27FC236}">
+                <a16:creationId xmlns:a16="http://schemas.microsoft.com/office/drawing/2014/main" id="{86D525F8-B147-4772-AAE7-8128689F2584}"/>
+              </a:ext>
+            </a:extLst>
+          </p:cNvPr>
+          <p:cNvPicPr>
+            <a:picLocks noGrp="1" noChangeAspect="1"/>
+          </p:cNvPicPr>
+          <p:nvPr>
+            <p:ph idx="1"/>
+          </p:nvPr>
+        </p:nvPicPr>
+        <p:blipFill>
+          <a:blip r:embed="rId2"/>
+          <a:stretch>
+            <a:fillRect/>
+          </a:stretch>
+        </p:blipFill>
+        <p:spPr>
+          <a:xfrm>
+            <a:off x="664845" y="2311717"/>
+            <a:ext cx="7448550" cy="3514725"/>
+          </a:xfrm>
+          <a:prstGeom prst="rect">
+            <a:avLst/>
+          </a:prstGeom>
+        </p:spPr>
+      </p:pic>
+      <p:pic>
+        <p:nvPicPr>
+          <p:cNvPr id="5" name="Рисунок 4">
+            <a:extLst>
+              <a:ext uri="{FF2B5EF4-FFF2-40B4-BE49-F238E27FC236}">
+                <a16:creationId xmlns:a16="http://schemas.microsoft.com/office/drawing/2014/main" id="{30E70085-DEA7-49C3-AE48-9F15BF26CF6E}"/>
+              </a:ext>
+            </a:extLst>
+          </p:cNvPr>
+          <p:cNvPicPr>
+            <a:picLocks noChangeAspect="1"/>
+          </p:cNvPicPr>
+          <p:nvPr/>
+        </p:nvPicPr>
+        <p:blipFill>
+          <a:blip r:embed="rId3"/>
+          <a:stretch>
+            <a:fillRect/>
+          </a:stretch>
+        </p:blipFill>
+        <p:spPr>
+          <a:xfrm>
+            <a:off x="7256794" y="2335636"/>
+            <a:ext cx="4342537" cy="3490806"/>
+          </a:xfrm>
+          <a:prstGeom prst="rect">
+            <a:avLst/>
+          </a:prstGeom>
+        </p:spPr>
+      </p:pic>
+    </p:spTree>
+    <p:extLst>
+      <p:ext uri="{BB962C8B-B14F-4D97-AF65-F5344CB8AC3E}">
+        <p14:creationId xmlns:p14="http://schemas.microsoft.com/office/powerpoint/2010/main" val="1317972420"/>
+      </p:ext>
+    </p:extLst>
+  </p:cSld>
+  <p:clrMapOvr>
+    <a:masterClrMapping/>
+  </p:clrMapOvr>
+</p:sld>
+</file>
+
+<file path=ppt/slides/slide21.xml><?xml version="1.0" encoding="utf-8"?>
+<p:sld xmlns:a="http://schemas.openxmlformats.org/drawingml/2006/main" xmlns:r="http://schemas.openxmlformats.org/officeDocument/2006/relationships" xmlns:p="http://schemas.openxmlformats.org/presentationml/2006/main">
+  <p:cSld>
+    <p:spTree>
+      <p:nvGrpSpPr>
+        <p:cNvPr id="1" name=""/>
+        <p:cNvGrpSpPr/>
+        <p:nvPr/>
+      </p:nvGrpSpPr>
+      <p:grpSpPr>
+        <a:xfrm>
+          <a:off x="0" y="0"/>
+          <a:ext cx="0" cy="0"/>
+          <a:chOff x="0" y="0"/>
+          <a:chExt cx="0" cy="0"/>
+        </a:xfrm>
+      </p:grpSpPr>
+      <p:sp>
+        <p:nvSpPr>
+          <p:cNvPr id="2" name="Заголовок 1">
+            <a:extLst>
+              <a:ext uri="{FF2B5EF4-FFF2-40B4-BE49-F238E27FC236}">
+                <a16:creationId xmlns:a16="http://schemas.microsoft.com/office/drawing/2014/main" id="{9C918B0F-BAB5-4156-984C-73F32353D73D}"/>
+              </a:ext>
+            </a:extLst>
+          </p:cNvPr>
+          <p:cNvSpPr>
+            <a:spLocks noGrp="1"/>
+          </p:cNvSpPr>
+          <p:nvPr>
+            <p:ph type="title"/>
+          </p:nvPr>
+        </p:nvSpPr>
+        <p:spPr/>
+        <p:txBody>
+          <a:bodyPr/>
+          <a:lstStyle/>
+          <a:p>
+            <a:pPr algn="ctr"/>
+            <a:r>
+              <a:rPr lang="en-US" dirty="0"/>
+              <a:t>Let’s play with eigenvalues</a:t>
+            </a:r>
+            <a:endParaRPr lang="ru-RU" dirty="0"/>
+          </a:p>
+        </p:txBody>
+      </p:sp>
+      <p:sp>
+        <p:nvSpPr>
+          <p:cNvPr id="3" name="Объект 2">
+            <a:extLst>
+              <a:ext uri="{FF2B5EF4-FFF2-40B4-BE49-F238E27FC236}">
+                <a16:creationId xmlns:a16="http://schemas.microsoft.com/office/drawing/2014/main" id="{66B31960-B17B-43D2-991D-AE569FD61878}"/>
+              </a:ext>
+            </a:extLst>
+          </p:cNvPr>
+          <p:cNvSpPr>
+            <a:spLocks noGrp="1"/>
+          </p:cNvSpPr>
+          <p:nvPr>
+            <p:ph idx="1"/>
+          </p:nvPr>
+        </p:nvSpPr>
+        <p:spPr/>
+        <p:txBody>
+          <a:bodyPr>
+            <a:normAutofit/>
+          </a:bodyPr>
+          <a:lstStyle/>
+          <a:p>
+            <a:r>
+              <a:rPr lang="en-US" sz="2000" dirty="0"/>
+              <a:t>Put some zeros, starting from the end of sigma matrix</a:t>
+            </a:r>
+          </a:p>
+          <a:p>
+            <a:r>
+              <a:rPr lang="en-US" sz="2000" dirty="0"/>
+              <a:t>Let’s call count of zeros as “</a:t>
+            </a:r>
+            <a:r>
+              <a:rPr lang="en-US" sz="2000" b="1" dirty="0" err="1"/>
+              <a:t>zeros_count</a:t>
+            </a:r>
+            <a:r>
+              <a:rPr lang="en-US" sz="2000" b="1" dirty="0"/>
+              <a:t>”</a:t>
+            </a:r>
+          </a:p>
+        </p:txBody>
+      </p:sp>
+    </p:spTree>
+    <p:extLst>
+      <p:ext uri="{BB962C8B-B14F-4D97-AF65-F5344CB8AC3E}">
+        <p14:creationId xmlns:p14="http://schemas.microsoft.com/office/powerpoint/2010/main" val="161254341"/>
+      </p:ext>
+    </p:extLst>
+  </p:cSld>
+  <p:clrMapOvr>
+    <a:masterClrMapping/>
+  </p:clrMapOvr>
+</p:sld>
+</file>
+
+<file path=ppt/slides/slide22.xml><?xml version="1.0" encoding="utf-8"?>
+<p:sld xmlns:a="http://schemas.openxmlformats.org/drawingml/2006/main" xmlns:r="http://schemas.openxmlformats.org/officeDocument/2006/relationships" xmlns:p="http://schemas.openxmlformats.org/presentationml/2006/main">
+  <p:cSld>
+    <p:spTree>
+      <p:nvGrpSpPr>
+        <p:cNvPr id="1" name=""/>
+        <p:cNvGrpSpPr/>
+        <p:nvPr/>
+      </p:nvGrpSpPr>
+      <p:grpSpPr>
+        <a:xfrm>
+          <a:off x="0" y="0"/>
+          <a:ext cx="0" cy="0"/>
+          <a:chOff x="0" y="0"/>
+          <a:chExt cx="0" cy="0"/>
+        </a:xfrm>
+      </p:grpSpPr>
+      <p:sp>
+        <p:nvSpPr>
+          <p:cNvPr id="2" name="Заголовок 1">
+            <a:extLst>
+              <a:ext uri="{FF2B5EF4-FFF2-40B4-BE49-F238E27FC236}">
+                <a16:creationId xmlns:a16="http://schemas.microsoft.com/office/drawing/2014/main" id="{D7B77D36-48A5-4DB3-A3EA-B53930EDEB4A}"/>
+              </a:ext>
+            </a:extLst>
+          </p:cNvPr>
+          <p:cNvSpPr>
+            <a:spLocks noGrp="1"/>
+          </p:cNvSpPr>
+          <p:nvPr>
+            <p:ph type="title"/>
+          </p:nvPr>
+        </p:nvSpPr>
+        <p:spPr/>
+        <p:txBody>
+          <a:bodyPr/>
+          <a:lstStyle/>
+          <a:p>
+            <a:pPr algn="ctr"/>
+            <a:r>
+              <a:rPr lang="en-US" dirty="0"/>
+              <a:t>Compare and see</a:t>
+            </a:r>
+            <a:endParaRPr lang="ru-RU" dirty="0"/>
+          </a:p>
+        </p:txBody>
+      </p:sp>
+      <p:sp>
+        <p:nvSpPr>
+          <p:cNvPr id="3" name="Текст 2">
+            <a:extLst>
+              <a:ext uri="{FF2B5EF4-FFF2-40B4-BE49-F238E27FC236}">
+                <a16:creationId xmlns:a16="http://schemas.microsoft.com/office/drawing/2014/main" id="{C9722BB1-F8D9-4377-9CB5-0EFA2D635C67}"/>
+              </a:ext>
+            </a:extLst>
+          </p:cNvPr>
+          <p:cNvSpPr>
+            <a:spLocks noGrp="1"/>
+          </p:cNvSpPr>
+          <p:nvPr>
+            <p:ph type="body" idx="1"/>
+          </p:nvPr>
+        </p:nvSpPr>
+        <p:spPr/>
+        <p:txBody>
+          <a:bodyPr/>
+          <a:lstStyle/>
+          <a:p>
+            <a:r>
+              <a:rPr lang="en-US" dirty="0" err="1"/>
+              <a:t>zeros_count</a:t>
+            </a:r>
+            <a:r>
+              <a:rPr lang="en-US" dirty="0"/>
+              <a:t> = 0 of 365</a:t>
+            </a:r>
+            <a:endParaRPr lang="ru-RU" dirty="0"/>
+          </a:p>
+        </p:txBody>
+      </p:sp>
+      <p:pic>
+        <p:nvPicPr>
+          <p:cNvPr id="8" name="Объект 7">
+            <a:extLst>
+              <a:ext uri="{FF2B5EF4-FFF2-40B4-BE49-F238E27FC236}">
+                <a16:creationId xmlns:a16="http://schemas.microsoft.com/office/drawing/2014/main" id="{6F31003D-D50D-4AD6-8941-93967E3EEF18}"/>
+              </a:ext>
+            </a:extLst>
+          </p:cNvPr>
+          <p:cNvPicPr>
+            <a:picLocks noGrp="1" noChangeAspect="1"/>
+          </p:cNvPicPr>
+          <p:nvPr>
+            <p:ph sz="half" idx="2"/>
+          </p:nvPr>
+        </p:nvPicPr>
+        <p:blipFill>
+          <a:blip r:embed="rId2"/>
+          <a:stretch>
+            <a:fillRect/>
+          </a:stretch>
+        </p:blipFill>
+        <p:spPr>
+          <a:xfrm>
+            <a:off x="1289597" y="2792413"/>
+            <a:ext cx="4224831" cy="3163887"/>
+          </a:xfrm>
+          <a:prstGeom prst="rect">
+            <a:avLst/>
+          </a:prstGeom>
+        </p:spPr>
+      </p:pic>
+      <p:sp>
+        <p:nvSpPr>
+          <p:cNvPr id="5" name="Текст 4">
+            <a:extLst>
+              <a:ext uri="{FF2B5EF4-FFF2-40B4-BE49-F238E27FC236}">
+                <a16:creationId xmlns:a16="http://schemas.microsoft.com/office/drawing/2014/main" id="{0EDA89D7-4474-4E7F-9EA4-EEE0E0A5851E}"/>
+              </a:ext>
+            </a:extLst>
+          </p:cNvPr>
+          <p:cNvSpPr>
+            <a:spLocks noGrp="1"/>
+          </p:cNvSpPr>
+          <p:nvPr>
+            <p:ph type="body" sz="quarter" idx="3"/>
+          </p:nvPr>
+        </p:nvSpPr>
+        <p:spPr/>
+        <p:txBody>
+          <a:bodyPr/>
+          <a:lstStyle/>
+          <a:p>
+            <a:r>
+              <a:rPr lang="en-US" dirty="0" err="1"/>
+              <a:t>zeros_count</a:t>
+            </a:r>
+            <a:r>
+              <a:rPr lang="en-US" dirty="0"/>
+              <a:t> = 200 of 365</a:t>
+            </a:r>
+            <a:endParaRPr lang="ru-RU" dirty="0"/>
+          </a:p>
+        </p:txBody>
+      </p:sp>
+      <p:pic>
+        <p:nvPicPr>
+          <p:cNvPr id="12" name="Объект 11">
+            <a:extLst>
+              <a:ext uri="{FF2B5EF4-FFF2-40B4-BE49-F238E27FC236}">
+                <a16:creationId xmlns:a16="http://schemas.microsoft.com/office/drawing/2014/main" id="{5B9DE200-CF26-4045-BCB0-E9C17E72B194}"/>
+              </a:ext>
+            </a:extLst>
+          </p:cNvPr>
+          <p:cNvPicPr>
+            <a:picLocks noGrp="1" noChangeAspect="1"/>
+          </p:cNvPicPr>
+          <p:nvPr>
+            <p:ph sz="quarter" idx="4"/>
+          </p:nvPr>
+        </p:nvPicPr>
+        <p:blipFill>
+          <a:blip r:embed="rId3"/>
+          <a:stretch>
+            <a:fillRect/>
+          </a:stretch>
+        </p:blipFill>
+        <p:spPr>
+          <a:xfrm>
+            <a:off x="6458712" y="2762251"/>
+            <a:ext cx="3802297" cy="3163887"/>
+          </a:xfrm>
+          <a:prstGeom prst="rect">
+            <a:avLst/>
+          </a:prstGeom>
+        </p:spPr>
+      </p:pic>
+    </p:spTree>
+    <p:extLst>
+      <p:ext uri="{BB962C8B-B14F-4D97-AF65-F5344CB8AC3E}">
+        <p14:creationId xmlns:p14="http://schemas.microsoft.com/office/powerpoint/2010/main" val="3310418451"/>
+      </p:ext>
+    </p:extLst>
+  </p:cSld>
+  <p:clrMapOvr>
+    <a:masterClrMapping/>
+  </p:clrMapOvr>
+</p:sld>
+</file>
+
+<file path=ppt/slides/slide23.xml><?xml version="1.0" encoding="utf-8"?>
+<p:sld xmlns:a="http://schemas.openxmlformats.org/drawingml/2006/main" xmlns:r="http://schemas.openxmlformats.org/officeDocument/2006/relationships" xmlns:p="http://schemas.openxmlformats.org/presentationml/2006/main">
+  <p:cSld>
+    <p:spTree>
+      <p:nvGrpSpPr>
+        <p:cNvPr id="1" name=""/>
+        <p:cNvGrpSpPr/>
+        <p:nvPr/>
+      </p:nvGrpSpPr>
+      <p:grpSpPr>
+        <a:xfrm>
+          <a:off x="0" y="0"/>
+          <a:ext cx="0" cy="0"/>
+          <a:chOff x="0" y="0"/>
+          <a:chExt cx="0" cy="0"/>
+        </a:xfrm>
+      </p:grpSpPr>
+      <p:sp>
+        <p:nvSpPr>
+          <p:cNvPr id="2" name="Заголовок 1">
+            <a:extLst>
+              <a:ext uri="{FF2B5EF4-FFF2-40B4-BE49-F238E27FC236}">
+                <a16:creationId xmlns:a16="http://schemas.microsoft.com/office/drawing/2014/main" id="{49040668-3F31-423F-ACB5-4A2AE1635AA7}"/>
+              </a:ext>
+            </a:extLst>
+          </p:cNvPr>
+          <p:cNvSpPr>
+            <a:spLocks noGrp="1"/>
+          </p:cNvSpPr>
+          <p:nvPr>
+            <p:ph type="title"/>
+          </p:nvPr>
+        </p:nvSpPr>
+        <p:spPr/>
+        <p:txBody>
+          <a:bodyPr/>
+          <a:lstStyle/>
+          <a:p>
+            <a:pPr algn="ctr"/>
+            <a:r>
+              <a:rPr lang="en-US" dirty="0"/>
+              <a:t>Compare and see</a:t>
+            </a:r>
+            <a:endParaRPr lang="ru-RU" dirty="0"/>
+          </a:p>
+        </p:txBody>
+      </p:sp>
+      <p:sp>
+        <p:nvSpPr>
+          <p:cNvPr id="3" name="Текст 2">
+            <a:extLst>
+              <a:ext uri="{FF2B5EF4-FFF2-40B4-BE49-F238E27FC236}">
+                <a16:creationId xmlns:a16="http://schemas.microsoft.com/office/drawing/2014/main" id="{3DF8A005-0B70-4217-BE8D-7B98D7C4B533}"/>
+              </a:ext>
+            </a:extLst>
+          </p:cNvPr>
+          <p:cNvSpPr>
+            <a:spLocks noGrp="1"/>
+          </p:cNvSpPr>
+          <p:nvPr>
+            <p:ph type="body" idx="1"/>
+          </p:nvPr>
+        </p:nvSpPr>
+        <p:spPr/>
+        <p:txBody>
+          <a:bodyPr/>
+          <a:lstStyle/>
+          <a:p>
+            <a:r>
+              <a:rPr lang="en-US" dirty="0" err="1"/>
+              <a:t>zeros_count</a:t>
+            </a:r>
+            <a:r>
+              <a:rPr lang="en-US" dirty="0"/>
+              <a:t> = 320 of 365</a:t>
+            </a:r>
+            <a:endParaRPr lang="ru-RU" dirty="0"/>
+          </a:p>
+        </p:txBody>
+      </p:sp>
+      <p:pic>
+        <p:nvPicPr>
+          <p:cNvPr id="8" name="Объект 7">
+            <a:extLst>
+              <a:ext uri="{FF2B5EF4-FFF2-40B4-BE49-F238E27FC236}">
+                <a16:creationId xmlns:a16="http://schemas.microsoft.com/office/drawing/2014/main" id="{F7F9AC74-3351-4E06-95C5-596EC1D50C2C}"/>
+              </a:ext>
+            </a:extLst>
+          </p:cNvPr>
+          <p:cNvPicPr>
+            <a:picLocks noGrp="1" noChangeAspect="1"/>
+          </p:cNvPicPr>
+          <p:nvPr>
+            <p:ph sz="half" idx="2"/>
+          </p:nvPr>
+        </p:nvPicPr>
+        <p:blipFill>
+          <a:blip r:embed="rId2"/>
+          <a:stretch>
+            <a:fillRect/>
+          </a:stretch>
+        </p:blipFill>
+        <p:spPr>
+          <a:xfrm>
+            <a:off x="1222132" y="2792413"/>
+            <a:ext cx="4359760" cy="3163887"/>
+          </a:xfrm>
+          <a:prstGeom prst="rect">
+            <a:avLst/>
+          </a:prstGeom>
+        </p:spPr>
+      </p:pic>
+      <p:sp>
+        <p:nvSpPr>
+          <p:cNvPr id="5" name="Текст 4">
+            <a:extLst>
+              <a:ext uri="{FF2B5EF4-FFF2-40B4-BE49-F238E27FC236}">
+                <a16:creationId xmlns:a16="http://schemas.microsoft.com/office/drawing/2014/main" id="{062CB68A-5B7D-4BC4-817A-B0A5923E1441}"/>
+              </a:ext>
+            </a:extLst>
+          </p:cNvPr>
+          <p:cNvSpPr>
+            <a:spLocks noGrp="1"/>
+          </p:cNvSpPr>
+          <p:nvPr>
+            <p:ph type="body" sz="quarter" idx="3"/>
+          </p:nvPr>
+        </p:nvSpPr>
+        <p:spPr/>
+        <p:txBody>
+          <a:bodyPr/>
+          <a:lstStyle/>
+          <a:p>
+            <a:r>
+              <a:rPr lang="en-US" dirty="0" err="1"/>
+              <a:t>zeros_count</a:t>
+            </a:r>
+            <a:r>
+              <a:rPr lang="en-US" dirty="0"/>
+              <a:t> = 340 of 365</a:t>
+            </a:r>
+            <a:endParaRPr lang="ru-RU" dirty="0"/>
+          </a:p>
+        </p:txBody>
+      </p:sp>
+      <p:pic>
+        <p:nvPicPr>
+          <p:cNvPr id="9" name="Объект 8">
+            <a:extLst>
+              <a:ext uri="{FF2B5EF4-FFF2-40B4-BE49-F238E27FC236}">
+                <a16:creationId xmlns:a16="http://schemas.microsoft.com/office/drawing/2014/main" id="{92890A38-B08A-43BC-B051-94821D0B6BFD}"/>
+              </a:ext>
+            </a:extLst>
+          </p:cNvPr>
+          <p:cNvPicPr>
+            <a:picLocks noGrp="1" noChangeAspect="1"/>
+          </p:cNvPicPr>
+          <p:nvPr>
+            <p:ph sz="quarter" idx="4"/>
+          </p:nvPr>
+        </p:nvPicPr>
+        <p:blipFill>
+          <a:blip r:embed="rId3"/>
+          <a:stretch>
+            <a:fillRect/>
+          </a:stretch>
+        </p:blipFill>
+        <p:spPr>
+          <a:xfrm>
+            <a:off x="6458712" y="2774554"/>
+            <a:ext cx="4105275" cy="3124200"/>
+          </a:xfrm>
+          <a:prstGeom prst="rect">
+            <a:avLst/>
+          </a:prstGeom>
+        </p:spPr>
+      </p:pic>
+    </p:spTree>
+    <p:extLst>
+      <p:ext uri="{BB962C8B-B14F-4D97-AF65-F5344CB8AC3E}">
+        <p14:creationId xmlns:p14="http://schemas.microsoft.com/office/powerpoint/2010/main" val="325413948"/>
+      </p:ext>
+    </p:extLst>
+  </p:cSld>
+  <p:clrMapOvr>
+    <a:masterClrMapping/>
+  </p:clrMapOvr>
+</p:sld>
+</file>
+
+<file path=ppt/slides/slide24.xml><?xml version="1.0" encoding="utf-8"?>
+<p:sld xmlns:a="http://schemas.openxmlformats.org/drawingml/2006/main" xmlns:r="http://schemas.openxmlformats.org/officeDocument/2006/relationships" xmlns:p="http://schemas.openxmlformats.org/presentationml/2006/main">
+  <p:cSld>
+    <p:spTree>
+      <p:nvGrpSpPr>
+        <p:cNvPr id="1" name=""/>
+        <p:cNvGrpSpPr/>
+        <p:nvPr/>
+      </p:nvGrpSpPr>
+      <p:grpSpPr>
+        <a:xfrm>
+          <a:off x="0" y="0"/>
+          <a:ext cx="0" cy="0"/>
+          <a:chOff x="0" y="0"/>
+          <a:chExt cx="0" cy="0"/>
+        </a:xfrm>
+      </p:grpSpPr>
+      <p:sp>
+        <p:nvSpPr>
+          <p:cNvPr id="2" name="Заголовок 1">
+            <a:extLst>
+              <a:ext uri="{FF2B5EF4-FFF2-40B4-BE49-F238E27FC236}">
+                <a16:creationId xmlns:a16="http://schemas.microsoft.com/office/drawing/2014/main" id="{63B7C31C-BCEB-4285-8FCA-006F24D3BDB7}"/>
+              </a:ext>
+            </a:extLst>
+          </p:cNvPr>
+          <p:cNvSpPr>
+            <a:spLocks noGrp="1"/>
+          </p:cNvSpPr>
+          <p:nvPr>
+            <p:ph type="title"/>
+          </p:nvPr>
+        </p:nvSpPr>
+        <p:spPr/>
+        <p:txBody>
+          <a:bodyPr/>
+          <a:lstStyle/>
+          <a:p>
+            <a:pPr algn="ctr"/>
+            <a:r>
+              <a:rPr lang="en-US" b="1" dirty="0" err="1"/>
+              <a:t>zeros_count</a:t>
+            </a:r>
+            <a:r>
+              <a:rPr lang="en-US" b="1" dirty="0"/>
+              <a:t> = 357 of 365</a:t>
+            </a:r>
+            <a:endParaRPr lang="ru-RU" b="1" dirty="0"/>
+          </a:p>
+        </p:txBody>
+      </p:sp>
+      <p:pic>
+        <p:nvPicPr>
+          <p:cNvPr id="4" name="Рисунок 3">
+            <a:extLst>
+              <a:ext uri="{FF2B5EF4-FFF2-40B4-BE49-F238E27FC236}">
+                <a16:creationId xmlns:a16="http://schemas.microsoft.com/office/drawing/2014/main" id="{1414A54B-DD05-4296-A14B-159747243089}"/>
+              </a:ext>
+            </a:extLst>
+          </p:cNvPr>
+          <p:cNvPicPr>
+            <a:picLocks noChangeAspect="1"/>
+          </p:cNvPicPr>
+          <p:nvPr/>
+        </p:nvPicPr>
+        <p:blipFill>
+          <a:blip r:embed="rId2"/>
+          <a:stretch>
+            <a:fillRect/>
+          </a:stretch>
+        </p:blipFill>
+        <p:spPr>
+          <a:xfrm>
+            <a:off x="4090987" y="2014194"/>
+            <a:ext cx="4010025" cy="3057525"/>
+          </a:xfrm>
+          <a:prstGeom prst="rect">
+            <a:avLst/>
+          </a:prstGeom>
+        </p:spPr>
+      </p:pic>
+    </p:spTree>
+    <p:extLst>
+      <p:ext uri="{BB962C8B-B14F-4D97-AF65-F5344CB8AC3E}">
+        <p14:creationId xmlns:p14="http://schemas.microsoft.com/office/powerpoint/2010/main" val="3692288750"/>
+      </p:ext>
+    </p:extLst>
+  </p:cSld>
+  <p:clrMapOvr>
+    <a:masterClrMapping/>
+  </p:clrMapOvr>
+</p:sld>
+</file>
+
+<file path=ppt/slides/slide25.xml><?xml version="1.0" encoding="utf-8"?>
+<p:sld xmlns:a="http://schemas.openxmlformats.org/drawingml/2006/main" xmlns:r="http://schemas.openxmlformats.org/officeDocument/2006/relationships" xmlns:p="http://schemas.openxmlformats.org/presentationml/2006/main">
+  <p:cSld>
+    <p:spTree>
+      <p:nvGrpSpPr>
+        <p:cNvPr id="1" name=""/>
+        <p:cNvGrpSpPr/>
+        <p:nvPr/>
+      </p:nvGrpSpPr>
+      <p:grpSpPr>
+        <a:xfrm>
+          <a:off x="0" y="0"/>
+          <a:ext cx="0" cy="0"/>
+          <a:chOff x="0" y="0"/>
+          <a:chExt cx="0" cy="0"/>
+        </a:xfrm>
+      </p:grpSpPr>
+      <p:sp>
+        <p:nvSpPr>
+          <p:cNvPr id="2" name="Заголовок 1">
+            <a:extLst>
+              <a:ext uri="{FF2B5EF4-FFF2-40B4-BE49-F238E27FC236}">
+                <a16:creationId xmlns:a16="http://schemas.microsoft.com/office/drawing/2014/main" id="{F7AA84E9-0932-4898-8A1B-4B2CF53B95D1}"/>
+              </a:ext>
+            </a:extLst>
+          </p:cNvPr>
+          <p:cNvSpPr>
+            <a:spLocks noGrp="1"/>
+          </p:cNvSpPr>
+          <p:nvPr>
+            <p:ph type="title"/>
+          </p:nvPr>
+        </p:nvSpPr>
+        <p:spPr>
+          <a:xfrm>
+            <a:off x="1066800" y="623544"/>
+            <a:ext cx="10058400" cy="1371600"/>
+          </a:xfrm>
+        </p:spPr>
+        <p:txBody>
+          <a:bodyPr/>
+          <a:lstStyle/>
+          <a:p>
+            <a:r>
+              <a:rPr lang="en-US" dirty="0"/>
+              <a:t>	What about changing values?</a:t>
+            </a:r>
+            <a:endParaRPr lang="ru-RU" dirty="0"/>
+          </a:p>
+        </p:txBody>
+      </p:sp>
+      <p:pic>
+        <p:nvPicPr>
+          <p:cNvPr id="5" name="Объект 4">
+            <a:extLst>
+              <a:ext uri="{FF2B5EF4-FFF2-40B4-BE49-F238E27FC236}">
+                <a16:creationId xmlns:a16="http://schemas.microsoft.com/office/drawing/2014/main" id="{A08CA00F-CFB7-44C9-A9FA-ED687A04DA29}"/>
+              </a:ext>
+            </a:extLst>
+          </p:cNvPr>
+          <p:cNvPicPr>
+            <a:picLocks noGrp="1" noChangeAspect="1"/>
+          </p:cNvPicPr>
+          <p:nvPr>
+            <p:ph idx="1"/>
+          </p:nvPr>
+        </p:nvPicPr>
+        <p:blipFill>
+          <a:blip r:embed="rId2"/>
+          <a:stretch>
+            <a:fillRect/>
+          </a:stretch>
+        </p:blipFill>
+        <p:spPr>
+          <a:xfrm>
+            <a:off x="785812" y="2433942"/>
+            <a:ext cx="3990975" cy="3181350"/>
+          </a:xfrm>
+          <a:prstGeom prst="rect">
+            <a:avLst/>
+          </a:prstGeom>
+        </p:spPr>
+      </p:pic>
+      <p:sp>
+        <p:nvSpPr>
+          <p:cNvPr id="6" name="TextBox 5">
+            <a:extLst>
+              <a:ext uri="{FF2B5EF4-FFF2-40B4-BE49-F238E27FC236}">
+                <a16:creationId xmlns:a16="http://schemas.microsoft.com/office/drawing/2014/main" id="{9B8CD6E0-A5DB-486A-8A86-BCE09CA0215C}"/>
+              </a:ext>
+            </a:extLst>
+          </p:cNvPr>
+          <p:cNvSpPr txBox="1"/>
+          <p:nvPr/>
+        </p:nvSpPr>
+        <p:spPr>
+          <a:xfrm>
+            <a:off x="863599" y="1828800"/>
+            <a:ext cx="3913187" cy="646331"/>
+          </a:xfrm>
+          <a:prstGeom prst="rect">
+            <a:avLst/>
+          </a:prstGeom>
+          <a:noFill/>
+        </p:spPr>
+        <p:txBody>
+          <a:bodyPr wrap="square" rtlCol="0">
+            <a:spAutoFit/>
+          </a:bodyPr>
+          <a:lstStyle/>
+          <a:p>
+            <a:r>
+              <a:rPr lang="en-US" dirty="0"/>
+              <a:t>Changed first singular value to 10 in all channels</a:t>
+            </a:r>
+            <a:endParaRPr lang="ru-RU" dirty="0"/>
+          </a:p>
+        </p:txBody>
+      </p:sp>
+      <p:pic>
+        <p:nvPicPr>
+          <p:cNvPr id="7" name="Рисунок 6">
+            <a:extLst>
+              <a:ext uri="{FF2B5EF4-FFF2-40B4-BE49-F238E27FC236}">
+                <a16:creationId xmlns:a16="http://schemas.microsoft.com/office/drawing/2014/main" id="{EAF769A4-93FD-47ED-B3D5-89228833D0C6}"/>
+              </a:ext>
+            </a:extLst>
+          </p:cNvPr>
+          <p:cNvPicPr>
+            <a:picLocks noChangeAspect="1"/>
+          </p:cNvPicPr>
+          <p:nvPr/>
+        </p:nvPicPr>
+        <p:blipFill>
+          <a:blip r:embed="rId3"/>
+          <a:stretch>
+            <a:fillRect/>
+          </a:stretch>
+        </p:blipFill>
+        <p:spPr>
+          <a:xfrm>
+            <a:off x="6316026" y="2414892"/>
+            <a:ext cx="4010025" cy="3200400"/>
+          </a:xfrm>
+          <a:prstGeom prst="rect">
+            <a:avLst/>
+          </a:prstGeom>
+        </p:spPr>
+      </p:pic>
+      <p:sp>
+        <p:nvSpPr>
+          <p:cNvPr id="8" name="TextBox 7">
+            <a:extLst>
+              <a:ext uri="{FF2B5EF4-FFF2-40B4-BE49-F238E27FC236}">
+                <a16:creationId xmlns:a16="http://schemas.microsoft.com/office/drawing/2014/main" id="{9898FEAF-AE7A-4503-AB67-204FA59F96F2}"/>
+              </a:ext>
+            </a:extLst>
+          </p:cNvPr>
+          <p:cNvSpPr txBox="1"/>
+          <p:nvPr/>
+        </p:nvSpPr>
+        <p:spPr>
+          <a:xfrm>
+            <a:off x="6316026" y="1787611"/>
+            <a:ext cx="3913187" cy="646331"/>
+          </a:xfrm>
+          <a:prstGeom prst="rect">
+            <a:avLst/>
+          </a:prstGeom>
+          <a:noFill/>
+        </p:spPr>
+        <p:txBody>
+          <a:bodyPr wrap="square" rtlCol="0">
+            <a:spAutoFit/>
+          </a:bodyPr>
+          <a:lstStyle/>
+          <a:p>
+            <a:r>
+              <a:rPr lang="en-US" dirty="0"/>
+              <a:t>Changed first singular value to 1000 in all channels</a:t>
+            </a:r>
+            <a:endParaRPr lang="ru-RU" dirty="0"/>
+          </a:p>
+        </p:txBody>
+      </p:sp>
+    </p:spTree>
+    <p:extLst>
+      <p:ext uri="{BB962C8B-B14F-4D97-AF65-F5344CB8AC3E}">
+        <p14:creationId xmlns:p14="http://schemas.microsoft.com/office/powerpoint/2010/main" val="2758789840"/>
+      </p:ext>
+    </p:extLst>
+  </p:cSld>
+  <p:clrMapOvr>
+    <a:masterClrMapping/>
+  </p:clrMapOvr>
+</p:sld>
+</file>
+
+<file path=ppt/slides/slide26.xml><?xml version="1.0" encoding="utf-8"?>
+<p:sld xmlns:a="http://schemas.openxmlformats.org/drawingml/2006/main" xmlns:r="http://schemas.openxmlformats.org/officeDocument/2006/relationships" xmlns:p="http://schemas.openxmlformats.org/presentationml/2006/main">
+  <p:cSld>
+    <p:spTree>
+      <p:nvGrpSpPr>
+        <p:cNvPr id="1" name=""/>
+        <p:cNvGrpSpPr/>
+        <p:nvPr/>
+      </p:nvGrpSpPr>
+      <p:grpSpPr>
+        <a:xfrm>
+          <a:off x="0" y="0"/>
+          <a:ext cx="0" cy="0"/>
+          <a:chOff x="0" y="0"/>
+          <a:chExt cx="0" cy="0"/>
+        </a:xfrm>
+      </p:grpSpPr>
+      <p:sp>
+        <p:nvSpPr>
+          <p:cNvPr id="2" name="Заголовок 1">
+            <a:extLst>
+              <a:ext uri="{FF2B5EF4-FFF2-40B4-BE49-F238E27FC236}">
+                <a16:creationId xmlns:a16="http://schemas.microsoft.com/office/drawing/2014/main" id="{932DEB51-2C9B-4402-A848-DF035FE6E83C}"/>
+              </a:ext>
+            </a:extLst>
+          </p:cNvPr>
+          <p:cNvSpPr>
+            <a:spLocks noGrp="1"/>
+          </p:cNvSpPr>
+          <p:nvPr>
+            <p:ph type="title"/>
+          </p:nvPr>
+        </p:nvSpPr>
+        <p:spPr/>
+        <p:txBody>
+          <a:bodyPr/>
+          <a:lstStyle/>
+          <a:p>
+            <a:pPr algn="ctr"/>
+            <a:r>
+              <a:rPr lang="en-US" dirty="0"/>
+              <a:t>What about changing values?</a:t>
+            </a:r>
+            <a:endParaRPr lang="ru-RU" dirty="0"/>
+          </a:p>
+        </p:txBody>
+      </p:sp>
+      <p:sp>
+        <p:nvSpPr>
+          <p:cNvPr id="7" name="TextBox 6">
+            <a:extLst>
+              <a:ext uri="{FF2B5EF4-FFF2-40B4-BE49-F238E27FC236}">
+                <a16:creationId xmlns:a16="http://schemas.microsoft.com/office/drawing/2014/main" id="{DEF995FD-967C-40E4-A971-AC1C1E707F57}"/>
+              </a:ext>
+            </a:extLst>
+          </p:cNvPr>
+          <p:cNvSpPr txBox="1"/>
+          <p:nvPr/>
+        </p:nvSpPr>
+        <p:spPr>
+          <a:xfrm>
+            <a:off x="7256794" y="2029970"/>
+            <a:ext cx="3190875" cy="369332"/>
+          </a:xfrm>
+          <a:prstGeom prst="rect">
+            <a:avLst/>
+          </a:prstGeom>
+          <a:noFill/>
+        </p:spPr>
+        <p:txBody>
+          <a:bodyPr wrap="square" rtlCol="0">
+            <a:spAutoFit/>
+          </a:bodyPr>
+          <a:lstStyle/>
+          <a:p>
+            <a:r>
+              <a:rPr lang="en-US" dirty="0"/>
+              <a:t>Changed 25th value to 10</a:t>
+            </a:r>
+            <a:endParaRPr lang="ru-RU" dirty="0"/>
+          </a:p>
+        </p:txBody>
+      </p:sp>
+      <p:pic>
+        <p:nvPicPr>
+          <p:cNvPr id="8" name="Рисунок 7">
+            <a:extLst>
+              <a:ext uri="{FF2B5EF4-FFF2-40B4-BE49-F238E27FC236}">
+                <a16:creationId xmlns:a16="http://schemas.microsoft.com/office/drawing/2014/main" id="{0F063FE3-3D94-4F42-9112-F698CEB145D4}"/>
+              </a:ext>
+            </a:extLst>
+          </p:cNvPr>
+          <p:cNvPicPr>
+            <a:picLocks noChangeAspect="1"/>
+          </p:cNvPicPr>
+          <p:nvPr/>
+        </p:nvPicPr>
+        <p:blipFill>
+          <a:blip r:embed="rId2"/>
+          <a:stretch>
+            <a:fillRect/>
+          </a:stretch>
+        </p:blipFill>
+        <p:spPr>
+          <a:xfrm>
+            <a:off x="1320164" y="2663468"/>
+            <a:ext cx="3190875" cy="2828925"/>
+          </a:xfrm>
+          <a:prstGeom prst="rect">
+            <a:avLst/>
+          </a:prstGeom>
+        </p:spPr>
+      </p:pic>
+      <p:pic>
+        <p:nvPicPr>
+          <p:cNvPr id="10" name="Рисунок 9">
+            <a:extLst>
+              <a:ext uri="{FF2B5EF4-FFF2-40B4-BE49-F238E27FC236}">
+                <a16:creationId xmlns:a16="http://schemas.microsoft.com/office/drawing/2014/main" id="{C3A033E3-9595-4BD5-B947-C1AF7C4DC0DA}"/>
+              </a:ext>
+            </a:extLst>
+          </p:cNvPr>
+          <p:cNvPicPr>
+            <a:picLocks noChangeAspect="1"/>
+          </p:cNvPicPr>
+          <p:nvPr/>
+        </p:nvPicPr>
+        <p:blipFill>
+          <a:blip r:embed="rId3"/>
+          <a:stretch>
+            <a:fillRect/>
+          </a:stretch>
+        </p:blipFill>
+        <p:spPr>
+          <a:xfrm>
+            <a:off x="7256794" y="2663468"/>
+            <a:ext cx="3190875" cy="2828925"/>
+          </a:xfrm>
+          <a:prstGeom prst="rect">
+            <a:avLst/>
+          </a:prstGeom>
+        </p:spPr>
+      </p:pic>
+      <p:sp>
+        <p:nvSpPr>
+          <p:cNvPr id="11" name="TextBox 10">
+            <a:extLst>
+              <a:ext uri="{FF2B5EF4-FFF2-40B4-BE49-F238E27FC236}">
+                <a16:creationId xmlns:a16="http://schemas.microsoft.com/office/drawing/2014/main" id="{5C0D3F17-DB05-42E5-A8A2-8EE06B898BA1}"/>
+              </a:ext>
+            </a:extLst>
+          </p:cNvPr>
+          <p:cNvSpPr txBox="1"/>
+          <p:nvPr/>
+        </p:nvSpPr>
+        <p:spPr>
+          <a:xfrm>
+            <a:off x="1442719" y="2029970"/>
+            <a:ext cx="3068320" cy="382012"/>
+          </a:xfrm>
+          <a:prstGeom prst="rect">
+            <a:avLst/>
+          </a:prstGeom>
+          <a:noFill/>
+        </p:spPr>
+        <p:txBody>
+          <a:bodyPr wrap="square" rtlCol="0">
+            <a:spAutoFit/>
+          </a:bodyPr>
+          <a:lstStyle/>
+          <a:p>
+            <a:r>
+              <a:rPr lang="en-US" dirty="0"/>
+              <a:t>Changed 5th value to 10</a:t>
+            </a:r>
+            <a:endParaRPr lang="ru-RU" dirty="0"/>
+          </a:p>
+        </p:txBody>
+      </p:sp>
+    </p:spTree>
+    <p:extLst>
+      <p:ext uri="{BB962C8B-B14F-4D97-AF65-F5344CB8AC3E}">
+        <p14:creationId xmlns:p14="http://schemas.microsoft.com/office/powerpoint/2010/main" val="1518756968"/>
+      </p:ext>
+    </p:extLst>
+  </p:cSld>
+  <p:clrMapOvr>
+    <a:masterClrMapping/>
+  </p:clrMapOvr>
+</p:sld>
+</file>
+
+<file path=ppt/slides/slide27.xml><?xml version="1.0" encoding="utf-8"?>
+<p:sld xmlns:a="http://schemas.openxmlformats.org/drawingml/2006/main" xmlns:r="http://schemas.openxmlformats.org/officeDocument/2006/relationships" xmlns:p="http://schemas.openxmlformats.org/presentationml/2006/main">
+  <p:cSld>
+    <p:spTree>
+      <p:nvGrpSpPr>
+        <p:cNvPr id="1" name=""/>
+        <p:cNvGrpSpPr/>
+        <p:nvPr/>
+      </p:nvGrpSpPr>
+      <p:grpSpPr>
+        <a:xfrm>
+          <a:off x="0" y="0"/>
+          <a:ext cx="0" cy="0"/>
+          <a:chOff x="0" y="0"/>
+          <a:chExt cx="0" cy="0"/>
+        </a:xfrm>
+      </p:grpSpPr>
+      <p:sp>
+        <p:nvSpPr>
+          <p:cNvPr id="2" name="Заголовок 1">
+            <a:extLst>
+              <a:ext uri="{FF2B5EF4-FFF2-40B4-BE49-F238E27FC236}">
+                <a16:creationId xmlns:a16="http://schemas.microsoft.com/office/drawing/2014/main" id="{BB2C11D6-6D3E-4A0B-A36D-3168D02E20C9}"/>
+              </a:ext>
+            </a:extLst>
+          </p:cNvPr>
+          <p:cNvSpPr>
+            <a:spLocks noGrp="1"/>
+          </p:cNvSpPr>
+          <p:nvPr>
+            <p:ph type="title"/>
+          </p:nvPr>
+        </p:nvSpPr>
+        <p:spPr/>
+        <p:txBody>
+          <a:bodyPr/>
+          <a:lstStyle/>
+          <a:p>
+            <a:pPr algn="ctr"/>
+            <a:r>
+              <a:rPr lang="en-US" dirty="0"/>
+              <a:t>Summary</a:t>
+            </a:r>
+            <a:endParaRPr lang="ru-RU" dirty="0"/>
+          </a:p>
+        </p:txBody>
+      </p:sp>
+      <p:sp>
+        <p:nvSpPr>
+          <p:cNvPr id="3" name="Объект 2">
+            <a:extLst>
+              <a:ext uri="{FF2B5EF4-FFF2-40B4-BE49-F238E27FC236}">
+                <a16:creationId xmlns:a16="http://schemas.microsoft.com/office/drawing/2014/main" id="{1E3D8EFE-422F-4295-BD6C-5B67AA09B5A3}"/>
+              </a:ext>
+            </a:extLst>
+          </p:cNvPr>
+          <p:cNvSpPr>
+            <a:spLocks noGrp="1"/>
+          </p:cNvSpPr>
+          <p:nvPr>
+            <p:ph idx="1"/>
+          </p:nvPr>
+        </p:nvSpPr>
+        <p:spPr/>
+        <p:txBody>
+          <a:bodyPr/>
+          <a:lstStyle/>
+          <a:p>
+            <a:r>
+              <a:rPr lang="en-US" sz="2000" dirty="0"/>
+              <a:t>The most important values are located in the beginning of sigma</a:t>
+            </a:r>
+          </a:p>
+          <a:p>
+            <a:r>
+              <a:rPr lang="en-US" sz="2000" dirty="0"/>
+              <a:t>We can truncate up to 90% of singular values and image still will be recognizable</a:t>
+            </a:r>
+          </a:p>
+          <a:p>
+            <a:endParaRPr lang="ru-RU" dirty="0"/>
+          </a:p>
+        </p:txBody>
+      </p:sp>
+    </p:spTree>
+    <p:extLst>
+      <p:ext uri="{BB962C8B-B14F-4D97-AF65-F5344CB8AC3E}">
+        <p14:creationId xmlns:p14="http://schemas.microsoft.com/office/powerpoint/2010/main" val="405211532"/>
+      </p:ext>
+    </p:extLst>
+  </p:cSld>
+  <p:clrMapOvr>
+    <a:masterClrMapping/>
+  </p:clrMapOvr>
+</p:sld>
+</file>
+
+<file path=ppt/slides/slide28.xml><?xml version="1.0" encoding="utf-8"?>
+<p:sld xmlns:a="http://schemas.openxmlformats.org/drawingml/2006/main" xmlns:r="http://schemas.openxmlformats.org/officeDocument/2006/relationships" xmlns:p="http://schemas.openxmlformats.org/presentationml/2006/main">
+  <p:cSld>
+    <p:spTree>
+      <p:nvGrpSpPr>
+        <p:cNvPr id="1" name=""/>
+        <p:cNvGrpSpPr/>
+        <p:nvPr/>
+      </p:nvGrpSpPr>
+      <p:grpSpPr>
+        <a:xfrm>
+          <a:off x="0" y="0"/>
+          <a:ext cx="0" cy="0"/>
+          <a:chOff x="0" y="0"/>
+          <a:chExt cx="0" cy="0"/>
+        </a:xfrm>
+      </p:grpSpPr>
+      <p:sp>
+        <p:nvSpPr>
+          <p:cNvPr id="2" name="Заголовок 1">
+            <a:extLst>
+              <a:ext uri="{FF2B5EF4-FFF2-40B4-BE49-F238E27FC236}">
+                <a16:creationId xmlns:a16="http://schemas.microsoft.com/office/drawing/2014/main" id="{B6F51F14-1D05-4A6F-A3F1-2E4DE9A727E0}"/>
+              </a:ext>
+            </a:extLst>
+          </p:cNvPr>
+          <p:cNvSpPr>
+            <a:spLocks noGrp="1"/>
+          </p:cNvSpPr>
+          <p:nvPr>
+            <p:ph type="title"/>
+          </p:nvPr>
+        </p:nvSpPr>
+        <p:spPr/>
+        <p:txBody>
+          <a:bodyPr/>
+          <a:lstStyle/>
+          <a:p>
+            <a:pPr algn="ctr"/>
+            <a:r>
+              <a:rPr lang="en-US" dirty="0"/>
+              <a:t>Seems we came to the end…</a:t>
+            </a:r>
+            <a:br>
+              <a:rPr lang="en-US" dirty="0"/>
+            </a:br>
+            <a:r>
+              <a:rPr lang="en-US" dirty="0"/>
+              <a:t>Thanks for your attention!</a:t>
+            </a:r>
+            <a:endParaRPr lang="ru-RU" dirty="0"/>
+          </a:p>
+        </p:txBody>
+      </p:sp>
+      <p:pic>
+        <p:nvPicPr>
+          <p:cNvPr id="4098" name="Picture 2">
+            <a:extLst>
+              <a:ext uri="{FF2B5EF4-FFF2-40B4-BE49-F238E27FC236}">
+                <a16:creationId xmlns:a16="http://schemas.microsoft.com/office/drawing/2014/main" id="{2E5D5F28-D24A-47E5-B32F-B0E6D1800C67}"/>
+              </a:ext>
+            </a:extLst>
+          </p:cNvPr>
+          <p:cNvPicPr>
+            <a:picLocks noChangeAspect="1" noChangeArrowheads="1"/>
+          </p:cNvPicPr>
+          <p:nvPr/>
+        </p:nvPicPr>
+        <p:blipFill>
+          <a:blip r:embed="rId2">
+            <a:extLst>
+              <a:ext uri="{28A0092B-C50C-407E-A947-70E740481C1C}">
+                <a14:useLocalDpi xmlns:a14="http://schemas.microsoft.com/office/drawing/2010/main" val="0"/>
+              </a:ext>
+            </a:extLst>
+          </a:blip>
+          <a:srcRect/>
+          <a:stretch>
+            <a:fillRect/>
+          </a:stretch>
+        </p:blipFill>
+        <p:spPr bwMode="auto">
+          <a:xfrm>
+            <a:off x="2247900" y="2014194"/>
+            <a:ext cx="7696200" cy="4242931"/>
+          </a:xfrm>
+          <a:prstGeom prst="rect">
+            <a:avLst/>
+          </a:prstGeom>
+          <a:noFill/>
+          <a:extLst>
+            <a:ext uri="{909E8E84-426E-40DD-AFC4-6F175D3DCCD1}">
+              <a14:hiddenFill xmlns:a14="http://schemas.microsoft.com/office/drawing/2010/main">
+                <a:solidFill>
+                  <a:srgbClr val="FFFFFF"/>
+                </a:solidFill>
+              </a14:hiddenFill>
+            </a:ext>
+          </a:extLst>
+        </p:spPr>
+      </p:pic>
+    </p:spTree>
+    <p:extLst>
+      <p:ext uri="{BB962C8B-B14F-4D97-AF65-F5344CB8AC3E}">
+        <p14:creationId xmlns:p14="http://schemas.microsoft.com/office/powerpoint/2010/main" val="3437572053"/>
+      </p:ext>
+    </p:extLst>
+  </p:cSld>
+  <p:clrMapOvr>
+    <a:masterClrMapping/>
+  </p:clrMapOvr>
+</p:sld>
+</file>
+
+<file path=ppt/slides/slide3.xml><?xml version="1.0" encoding="utf-8"?>
+<p:sld xmlns:a="http://schemas.openxmlformats.org/drawingml/2006/main" xmlns:r="http://schemas.openxmlformats.org/officeDocument/2006/relationships" xmlns:p="http://schemas.openxmlformats.org/presentationml/2006/main">
+  <p:cSld>
+    <p:spTree>
+      <p:nvGrpSpPr>
+        <p:cNvPr id="1" name=""/>
+        <p:cNvGrpSpPr/>
+        <p:nvPr/>
+      </p:nvGrpSpPr>
+      <p:grpSpPr>
+        <a:xfrm>
+          <a:off x="0" y="0"/>
+          <a:ext cx="0" cy="0"/>
+          <a:chOff x="0" y="0"/>
+          <a:chExt cx="0" cy="0"/>
+        </a:xfrm>
+      </p:grpSpPr>
+      <p:sp>
+        <p:nvSpPr>
+          <p:cNvPr id="2" name="Заголовок 1">
+            <a:extLst>
+              <a:ext uri="{FF2B5EF4-FFF2-40B4-BE49-F238E27FC236}">
+                <a16:creationId xmlns:a16="http://schemas.microsoft.com/office/drawing/2014/main" id="{7A4919D0-F177-4BBA-9A0B-DBA69E2ED764}"/>
+              </a:ext>
+            </a:extLst>
+          </p:cNvPr>
+          <p:cNvSpPr>
+            <a:spLocks noGrp="1"/>
+          </p:cNvSpPr>
+          <p:nvPr>
+            <p:ph type="title"/>
+          </p:nvPr>
+        </p:nvSpPr>
+        <p:spPr>
+          <a:xfrm>
+            <a:off x="8458200" y="607392"/>
+            <a:ext cx="3161963" cy="1645920"/>
+          </a:xfrm>
+        </p:spPr>
+        <p:txBody>
+          <a:bodyPr rtlCol="0" anchor="b">
+            <a:normAutofit/>
+          </a:bodyPr>
+          <a:lstStyle/>
+          <a:p>
+            <a:r>
+              <a:rPr lang="en-US" dirty="0"/>
+              <a:t>Our tasks:</a:t>
+            </a:r>
+            <a:endParaRPr lang="ru" dirty="0"/>
+          </a:p>
+        </p:txBody>
+      </p:sp>
+      <mc:AlternateContent xmlns:mc="http://schemas.openxmlformats.org/markup-compatibility/2006" xmlns:a14="http://schemas.microsoft.com/office/drawing/2010/main">
+        <mc:Choice Requires="a14">
+          <p:graphicFrame>
+            <p:nvGraphicFramePr>
+              <p:cNvPr id="6" name="Объект 3">
+                <a:extLst>
+                  <a:ext uri="{FF2B5EF4-FFF2-40B4-BE49-F238E27FC236}">
+                    <a16:creationId xmlns:a16="http://schemas.microsoft.com/office/drawing/2014/main" id="{B77C9A78-9ED8-4E2A-A668-1CA589222A7A}"/>
+                  </a:ext>
+                </a:extLst>
+              </p:cNvPr>
+              <p:cNvGraphicFramePr>
+                <a:graphicFrameLocks noGrp="1"/>
+              </p:cNvGraphicFramePr>
+              <p:nvPr>
+                <p:ph idx="1"/>
+                <p:extLst>
+                  <p:ext uri="{D42A27DB-BD31-4B8C-83A1-F6EECF244321}">
+                    <p14:modId xmlns:p14="http://schemas.microsoft.com/office/powerpoint/2010/main" val="1079017195"/>
+                  </p:ext>
+                </p:extLst>
+              </p:nvPr>
+            </p:nvGraphicFramePr>
+            <p:xfrm>
+              <a:off x="685800" y="609600"/>
+              <a:ext cx="6858000" cy="5334000"/>
+            </p:xfrm>
+            <a:graphic>
+              <a:graphicData uri="http://schemas.openxmlformats.org/drawingml/2006/diagram">
+                <dgm:relIds xmlns:dgm="http://schemas.openxmlformats.org/drawingml/2006/diagram" xmlns:r="http://schemas.openxmlformats.org/officeDocument/2006/relationships" r:dm="rId2" r:lo="rId3" r:qs="rId4" r:cs="rId5"/>
+              </a:graphicData>
+            </a:graphic>
+          </p:graphicFrame>
+        </mc:Choice>
+        <mc:Fallback xmlns="">
+          <p:graphicFrame>
+            <p:nvGraphicFramePr>
+              <p:cNvPr id="6" name="Объект 3">
+                <a:extLst>
+                  <a:ext uri="{FF2B5EF4-FFF2-40B4-BE49-F238E27FC236}">
+                    <a16:creationId xmlns:a16="http://schemas.microsoft.com/office/drawing/2014/main" id="{B77C9A78-9ED8-4E2A-A668-1CA589222A7A}"/>
+                  </a:ext>
+                </a:extLst>
+              </p:cNvPr>
+              <p:cNvGraphicFramePr>
+                <a:graphicFrameLocks noGrp="1"/>
+              </p:cNvGraphicFramePr>
+              <p:nvPr>
+                <p:ph idx="1"/>
+                <p:extLst>
+                  <p:ext uri="{D42A27DB-BD31-4B8C-83A1-F6EECF244321}">
+                    <p14:modId xmlns:p14="http://schemas.microsoft.com/office/powerpoint/2010/main" val="1079017195"/>
+                  </p:ext>
+                </p:extLst>
+              </p:nvPr>
+            </p:nvGraphicFramePr>
+            <p:xfrm>
+              <a:off x="685800" y="609600"/>
+              <a:ext cx="6858000" cy="5334000"/>
+            </p:xfrm>
+            <a:graphic>
+              <a:graphicData uri="http://schemas.openxmlformats.org/drawingml/2006/diagram">
+                <dgm:relIds xmlns:dgm="http://schemas.openxmlformats.org/drawingml/2006/diagram" xmlns:r="http://schemas.openxmlformats.org/officeDocument/2006/relationships" r:dm="rId7" r:lo="rId8" r:qs="rId9" r:cs="rId10"/>
+              </a:graphicData>
+            </a:graphic>
+          </p:graphicFrame>
+        </mc:Fallback>
+      </mc:AlternateContent>
+    </p:spTree>
+    <p:extLst>
+      <p:ext uri="{BB962C8B-B14F-4D97-AF65-F5344CB8AC3E}">
+        <p14:creationId xmlns:p14="http://schemas.microsoft.com/office/powerpoint/2010/main" val="183243182"/>
+      </p:ext>
+    </p:extLst>
+  </p:cSld>
+  <p:clrMapOvr>
+    <a:masterClrMapping/>
+  </p:clrMapOvr>
+</p:sld>
+</file>
+
+<file path=ppt/slides/slide4.xml><?xml version="1.0" encoding="utf-8"?>
+<p:sld xmlns:a="http://schemas.openxmlformats.org/drawingml/2006/main" xmlns:r="http://schemas.openxmlformats.org/officeDocument/2006/relationships" xmlns:p="http://schemas.openxmlformats.org/presentationml/2006/main">
+  <p:cSld>
+    <p:spTree>
+      <p:nvGrpSpPr>
+        <p:cNvPr id="1" name=""/>
+        <p:cNvGrpSpPr/>
+        <p:nvPr/>
+      </p:nvGrpSpPr>
+      <p:grpSpPr>
+        <a:xfrm>
+          <a:off x="0" y="0"/>
+          <a:ext cx="0" cy="0"/>
+          <a:chOff x="0" y="0"/>
+          <a:chExt cx="0" cy="0"/>
+        </a:xfrm>
+      </p:grpSpPr>
+      <p:sp>
+        <p:nvSpPr>
+          <p:cNvPr id="2" name="Заголовок 1">
+            <a:extLst>
+              <a:ext uri="{FF2B5EF4-FFF2-40B4-BE49-F238E27FC236}">
+                <a16:creationId xmlns:a16="http://schemas.microsoft.com/office/drawing/2014/main" id="{86443FDB-B310-4AC3-AB38-B9A86F11F4E6}"/>
+              </a:ext>
+            </a:extLst>
+          </p:cNvPr>
+          <p:cNvSpPr>
+            <a:spLocks noGrp="1"/>
+          </p:cNvSpPr>
+          <p:nvPr>
+            <p:ph type="title"/>
+          </p:nvPr>
+        </p:nvSpPr>
+        <p:spPr>
+          <a:xfrm>
+            <a:off x="1066800" y="2257399"/>
+            <a:ext cx="10058400" cy="1371600"/>
+          </a:xfrm>
+        </p:spPr>
+        <p:txBody>
+          <a:bodyPr/>
+          <a:lstStyle/>
+          <a:p>
+            <a:r>
+              <a:rPr lang="en-US" u="sng" dirty="0">
+                <a:solidFill>
+                  <a:schemeClr val="accent3"/>
+                </a:solidFill>
+              </a:rPr>
+              <a:t>https://github.com/Zhekuson/SVDFaces</a:t>
+            </a:r>
+            <a:endParaRPr lang="ru-RU" u="sng" dirty="0">
+              <a:solidFill>
+                <a:schemeClr val="accent3"/>
+              </a:solidFill>
+            </a:endParaRPr>
+          </a:p>
+        </p:txBody>
+      </p:sp>
+    </p:spTree>
+    <p:extLst>
+      <p:ext uri="{BB962C8B-B14F-4D97-AF65-F5344CB8AC3E}">
+        <p14:creationId xmlns:p14="http://schemas.microsoft.com/office/powerpoint/2010/main" val="3905127469"/>
+      </p:ext>
+    </p:extLst>
+  </p:cSld>
+  <p:clrMapOvr>
+    <a:masterClrMapping/>
+  </p:clrMapOvr>
+</p:sld>
+</file>
+
+<file path=ppt/slides/slide5.xml><?xml version="1.0" encoding="utf-8"?>
+<p:sld xmlns:a="http://schemas.openxmlformats.org/drawingml/2006/main" xmlns:r="http://schemas.openxmlformats.org/officeDocument/2006/relationships" xmlns:p="http://schemas.openxmlformats.org/presentationml/2006/main">
+  <p:cSld>
+    <p:spTree>
+      <p:nvGrpSpPr>
+        <p:cNvPr id="1" name=""/>
+        <p:cNvGrpSpPr/>
+        <p:nvPr/>
+      </p:nvGrpSpPr>
+      <p:grpSpPr>
+        <a:xfrm>
+          <a:off x="0" y="0"/>
+          <a:ext cx="0" cy="0"/>
+          <a:chOff x="0" y="0"/>
+          <a:chExt cx="0" cy="0"/>
+        </a:xfrm>
+      </p:grpSpPr>
+      <p:sp>
+        <p:nvSpPr>
+          <p:cNvPr id="2" name="Заголовок 1">
+            <a:extLst>
+              <a:ext uri="{FF2B5EF4-FFF2-40B4-BE49-F238E27FC236}">
+                <a16:creationId xmlns:a16="http://schemas.microsoft.com/office/drawing/2014/main" id="{6F89B14E-A5B9-4118-8861-D4F18CA28DDB}"/>
+              </a:ext>
+            </a:extLst>
+          </p:cNvPr>
+          <p:cNvSpPr>
+            <a:spLocks noGrp="1"/>
+          </p:cNvSpPr>
+          <p:nvPr>
+            <p:ph type="title"/>
+          </p:nvPr>
+        </p:nvSpPr>
+        <p:spPr>
+          <a:xfrm>
+            <a:off x="1280795" y="311287"/>
+            <a:ext cx="10058400" cy="1371600"/>
+          </a:xfrm>
+        </p:spPr>
+        <p:txBody>
+          <a:bodyPr/>
+          <a:lstStyle/>
+          <a:p>
+            <a:r>
+              <a:rPr lang="en-US" dirty="0"/>
+              <a:t>1) Implementation of SVD</a:t>
+            </a:r>
+            <a:endParaRPr lang="ru-RU" dirty="0"/>
+          </a:p>
+        </p:txBody>
+      </p:sp>
+      <p:sp>
+        <p:nvSpPr>
+          <p:cNvPr id="7" name="TextBox 6">
+            <a:extLst>
+              <a:ext uri="{FF2B5EF4-FFF2-40B4-BE49-F238E27FC236}">
+                <a16:creationId xmlns:a16="http://schemas.microsoft.com/office/drawing/2014/main" id="{76EA5B31-FFB4-4793-ABE6-22760FF92DA2}"/>
+              </a:ext>
+            </a:extLst>
+          </p:cNvPr>
+          <p:cNvSpPr txBox="1"/>
+          <p:nvPr/>
+        </p:nvSpPr>
+        <p:spPr>
+          <a:xfrm>
+            <a:off x="1652419" y="1682887"/>
+            <a:ext cx="4443581" cy="923330"/>
+          </a:xfrm>
+          <a:prstGeom prst="rect">
+            <a:avLst/>
+          </a:prstGeom>
+          <a:noFill/>
+        </p:spPr>
+        <p:txBody>
+          <a:bodyPr wrap="square" rtlCol="0">
+            <a:spAutoFit/>
+          </a:bodyPr>
+          <a:lstStyle/>
+          <a:p>
+            <a:r>
+              <a:rPr lang="en-US" dirty="0"/>
+              <a:t>Just following our usual algo</a:t>
+            </a:r>
+          </a:p>
+          <a:p>
+            <a:r>
+              <a:rPr lang="en-US" dirty="0"/>
+              <a:t>We also used some functions from </a:t>
+            </a:r>
+            <a:r>
+              <a:rPr lang="en-US" dirty="0" err="1"/>
+              <a:t>numpy</a:t>
+            </a:r>
+            <a:endParaRPr lang="ru-RU" dirty="0"/>
+          </a:p>
+        </p:txBody>
+      </p:sp>
+      <p:pic>
+        <p:nvPicPr>
+          <p:cNvPr id="13" name="Рисунок 12">
+            <a:extLst>
+              <a:ext uri="{FF2B5EF4-FFF2-40B4-BE49-F238E27FC236}">
+                <a16:creationId xmlns:a16="http://schemas.microsoft.com/office/drawing/2014/main" id="{7F8CF007-A1B4-4E68-A877-A3118D85B894}"/>
+              </a:ext>
+            </a:extLst>
+          </p:cNvPr>
+          <p:cNvPicPr>
+            <a:picLocks noChangeAspect="1"/>
+          </p:cNvPicPr>
+          <p:nvPr/>
+        </p:nvPicPr>
+        <p:blipFill>
+          <a:blip r:embed="rId2"/>
+          <a:stretch>
+            <a:fillRect/>
+          </a:stretch>
+        </p:blipFill>
+        <p:spPr>
+          <a:xfrm>
+            <a:off x="7365446" y="1625439"/>
+            <a:ext cx="2324100" cy="1038225"/>
+          </a:xfrm>
+          <a:prstGeom prst="rect">
+            <a:avLst/>
+          </a:prstGeom>
+        </p:spPr>
+      </p:pic>
+    </p:spTree>
+    <p:extLst>
+      <p:ext uri="{BB962C8B-B14F-4D97-AF65-F5344CB8AC3E}">
+        <p14:creationId xmlns:p14="http://schemas.microsoft.com/office/powerpoint/2010/main" val="1963400368"/>
+      </p:ext>
+    </p:extLst>
+  </p:cSld>
+  <p:clrMapOvr>
+    <a:masterClrMapping/>
+  </p:clrMapOvr>
+</p:sld>
+</file>
+
+<file path=ppt/slides/slide6.xml><?xml version="1.0" encoding="utf-8"?>
+<p:sld xmlns:a="http://schemas.openxmlformats.org/drawingml/2006/main" xmlns:r="http://schemas.openxmlformats.org/officeDocument/2006/relationships" xmlns:p="http://schemas.openxmlformats.org/presentationml/2006/main">
+  <p:cSld>
+    <p:spTree>
+      <p:nvGrpSpPr>
+        <p:cNvPr id="1" name=""/>
+        <p:cNvGrpSpPr/>
+        <p:nvPr/>
+      </p:nvGrpSpPr>
+      <p:grpSpPr>
+        <a:xfrm>
+          <a:off x="0" y="0"/>
+          <a:ext cx="0" cy="0"/>
+          <a:chOff x="0" y="0"/>
+          <a:chExt cx="0" cy="0"/>
+        </a:xfrm>
+      </p:grpSpPr>
+      <p:sp>
+        <p:nvSpPr>
+          <p:cNvPr id="2" name="Заголовок 1">
+            <a:extLst>
+              <a:ext uri="{FF2B5EF4-FFF2-40B4-BE49-F238E27FC236}">
+                <a16:creationId xmlns:a16="http://schemas.microsoft.com/office/drawing/2014/main" id="{8B723105-F466-4C14-94FD-AC65340C8670}"/>
+              </a:ext>
+            </a:extLst>
+          </p:cNvPr>
+          <p:cNvSpPr>
+            <a:spLocks noGrp="1"/>
+          </p:cNvSpPr>
+          <p:nvPr>
+            <p:ph type="title"/>
+          </p:nvPr>
+        </p:nvSpPr>
+        <p:spPr/>
+        <p:txBody>
+          <a:bodyPr/>
+          <a:lstStyle/>
+          <a:p>
+            <a:r>
+              <a:rPr lang="en-US" dirty="0"/>
+              <a:t>2) Test our SVD (using </a:t>
+            </a:r>
+            <a:r>
+              <a:rPr lang="en-US" dirty="0" err="1"/>
+              <a:t>np.linalg.svd</a:t>
+            </a:r>
+            <a:r>
+              <a:rPr lang="en-US" dirty="0"/>
+              <a:t> to check)</a:t>
+            </a:r>
+            <a:endParaRPr lang="ru-RU" dirty="0"/>
+          </a:p>
+        </p:txBody>
+      </p:sp>
+      <p:sp>
+        <p:nvSpPr>
+          <p:cNvPr id="4" name="Объект 3">
+            <a:extLst>
+              <a:ext uri="{FF2B5EF4-FFF2-40B4-BE49-F238E27FC236}">
+                <a16:creationId xmlns:a16="http://schemas.microsoft.com/office/drawing/2014/main" id="{5B137801-7CDD-48B1-AA99-FFC659F25249}"/>
+              </a:ext>
+            </a:extLst>
+          </p:cNvPr>
+          <p:cNvSpPr>
+            <a:spLocks noGrp="1"/>
+          </p:cNvSpPr>
+          <p:nvPr>
+            <p:ph idx="1"/>
+          </p:nvPr>
+        </p:nvSpPr>
+        <p:spPr/>
+        <p:txBody>
+          <a:bodyPr/>
+          <a:lstStyle/>
+          <a:p>
+            <a:r>
+              <a:rPr lang="en-US" dirty="0"/>
+              <a:t>Take a look at our demonstration…</a:t>
+            </a:r>
+          </a:p>
+        </p:txBody>
+      </p:sp>
+    </p:spTree>
+    <p:extLst>
+      <p:ext uri="{BB962C8B-B14F-4D97-AF65-F5344CB8AC3E}">
+        <p14:creationId xmlns:p14="http://schemas.microsoft.com/office/powerpoint/2010/main" val="1519489590"/>
+      </p:ext>
+    </p:extLst>
+  </p:cSld>
+  <p:clrMapOvr>
+    <a:masterClrMapping/>
+  </p:clrMapOvr>
+</p:sld>
+</file>
+
+<file path=ppt/slides/slide7.xml><?xml version="1.0" encoding="utf-8"?>
+<p:sld xmlns:a="http://schemas.openxmlformats.org/drawingml/2006/main" xmlns:r="http://schemas.openxmlformats.org/officeDocument/2006/relationships" xmlns:p="http://schemas.openxmlformats.org/presentationml/2006/main">
+  <p:cSld>
+    <p:spTree>
+      <p:nvGrpSpPr>
+        <p:cNvPr id="1" name=""/>
+        <p:cNvGrpSpPr/>
+        <p:nvPr/>
+      </p:nvGrpSpPr>
+      <p:grpSpPr>
+        <a:xfrm>
+          <a:off x="0" y="0"/>
+          <a:ext cx="0" cy="0"/>
+          <a:chOff x="0" y="0"/>
+          <a:chExt cx="0" cy="0"/>
+        </a:xfrm>
+      </p:grpSpPr>
+      <p:sp>
+        <p:nvSpPr>
+          <p:cNvPr id="2" name="Заголовок 1">
+            <a:extLst>
+              <a:ext uri="{FF2B5EF4-FFF2-40B4-BE49-F238E27FC236}">
+                <a16:creationId xmlns:a16="http://schemas.microsoft.com/office/drawing/2014/main" id="{9123A8C8-F95C-4477-AD09-83DA7D54EE12}"/>
+              </a:ext>
+            </a:extLst>
+          </p:cNvPr>
+          <p:cNvSpPr>
+            <a:spLocks noGrp="1"/>
+          </p:cNvSpPr>
+          <p:nvPr>
+            <p:ph type="title"/>
+          </p:nvPr>
+        </p:nvSpPr>
+        <p:spPr/>
+        <p:txBody>
+          <a:bodyPr/>
+          <a:lstStyle/>
+          <a:p>
+            <a:r>
+              <a:rPr lang="en-US" dirty="0"/>
+              <a:t>3) Face recognition problem</a:t>
+            </a:r>
+            <a:endParaRPr lang="ru-RU" dirty="0"/>
+          </a:p>
+        </p:txBody>
+      </p:sp>
+      <p:sp>
+        <p:nvSpPr>
+          <p:cNvPr id="3" name="Объект 2">
+            <a:extLst>
+              <a:ext uri="{FF2B5EF4-FFF2-40B4-BE49-F238E27FC236}">
+                <a16:creationId xmlns:a16="http://schemas.microsoft.com/office/drawing/2014/main" id="{09EA36E5-9718-454C-BD2D-C65EE503FC07}"/>
+              </a:ext>
+            </a:extLst>
+          </p:cNvPr>
+          <p:cNvSpPr>
+            <a:spLocks noGrp="1"/>
+          </p:cNvSpPr>
+          <p:nvPr>
+            <p:ph idx="1"/>
+          </p:nvPr>
+        </p:nvSpPr>
+        <p:spPr/>
+        <p:txBody>
+          <a:bodyPr/>
+          <a:lstStyle/>
+          <a:p>
+            <a:r>
+              <a:rPr lang="en-US" sz="2000" dirty="0"/>
+              <a:t>Some experiments (before us, eigenfaces, etc.) showed that one</a:t>
+            </a:r>
+            <a:r>
+              <a:rPr lang="en-US" sz="2000" b="1" dirty="0"/>
+              <a:t> condition </a:t>
+            </a:r>
+            <a:r>
+              <a:rPr lang="en-US" sz="2000" dirty="0"/>
+              <a:t>should be held: faces on images must be located on the same place and images must be the same size</a:t>
+            </a:r>
+          </a:p>
+          <a:p>
+            <a:r>
+              <a:rPr lang="en-US" sz="2000" dirty="0"/>
+              <a:t>That’s the reason we take an example ORL Faces dataset (little grayscale images in .</a:t>
+            </a:r>
+            <a:r>
+              <a:rPr lang="en-US" sz="2000" dirty="0" err="1"/>
+              <a:t>pgm</a:t>
+            </a:r>
+            <a:r>
+              <a:rPr lang="en-US" sz="2000" dirty="0"/>
+              <a:t> format)</a:t>
+            </a:r>
+          </a:p>
+          <a:p>
+            <a:r>
+              <a:rPr lang="en-US" sz="2000" dirty="0"/>
+              <a:t>We also tried face recognition on different datasets (without holding</a:t>
+            </a:r>
+            <a:r>
+              <a:rPr lang="en-US" sz="2000" b="1" dirty="0"/>
+              <a:t> condition</a:t>
+            </a:r>
+            <a:r>
+              <a:rPr lang="en-US" sz="2000" dirty="0"/>
+              <a:t>), and later we will show you the results </a:t>
+            </a:r>
+            <a:endParaRPr lang="ru-RU" sz="2000" dirty="0"/>
+          </a:p>
+          <a:p>
+            <a:endParaRPr lang="en-US" sz="1600" dirty="0"/>
+          </a:p>
+          <a:p>
+            <a:endParaRPr lang="ru-RU" dirty="0"/>
+          </a:p>
+        </p:txBody>
+      </p:sp>
+    </p:spTree>
+    <p:extLst>
+      <p:ext uri="{BB962C8B-B14F-4D97-AF65-F5344CB8AC3E}">
+        <p14:creationId xmlns:p14="http://schemas.microsoft.com/office/powerpoint/2010/main" val="742536116"/>
+      </p:ext>
+    </p:extLst>
+  </p:cSld>
+  <p:clrMapOvr>
+    <a:masterClrMapping/>
+  </p:clrMapOvr>
+</p:sld>
+</file>
+
+<file path=ppt/slides/slide8.xml><?xml version="1.0" encoding="utf-8"?>
+<p:sld xmlns:a="http://schemas.openxmlformats.org/drawingml/2006/main" xmlns:r="http://schemas.openxmlformats.org/officeDocument/2006/relationships" xmlns:p="http://schemas.openxmlformats.org/presentationml/2006/main">
+  <p:cSld>
+    <p:spTree>
+      <p:nvGrpSpPr>
+        <p:cNvPr id="1" name=""/>
+        <p:cNvGrpSpPr/>
+        <p:nvPr/>
+      </p:nvGrpSpPr>
+      <p:grpSpPr>
+        <a:xfrm>
+          <a:off x="0" y="0"/>
+          <a:ext cx="0" cy="0"/>
+          <a:chOff x="0" y="0"/>
+          <a:chExt cx="0" cy="0"/>
+        </a:xfrm>
+      </p:grpSpPr>
       <p:sp>
         <p:nvSpPr>
           <p:cNvPr id="2" name="Заголовок 1">
@@ -8925,8 +12288,8 @@
           </a:p>
         </p:txBody>
       </p:sp>
-      <mc:AlternateContent xmlns:mc="http://schemas.openxmlformats.org/markup-compatibility/2006">
-        <mc:Choice xmlns:a14="http://schemas.microsoft.com/office/drawing/2010/main" Requires="a14">
+      <mc:AlternateContent xmlns:mc="http://schemas.openxmlformats.org/markup-compatibility/2006" xmlns:a14="http://schemas.microsoft.com/office/drawing/2010/main">
+        <mc:Choice Requires="a14">
           <p:sp>
             <p:nvSpPr>
               <p:cNvPr id="3" name="Объект 2">
@@ -9101,7 +12464,7 @@
             </p:txBody>
           </p:sp>
         </mc:Choice>
-        <mc:Fallback>
+        <mc:Fallback xmlns="">
           <p:sp>
             <p:nvSpPr>
               <p:cNvPr id="3" name="Объект 2">
@@ -9154,3847 +12517,6 @@
 </p:sld>
 </file>
 
-<file path=ppt/slides/slide11.xml><?xml version="1.0" encoding="utf-8"?>
-<p:sld xmlns:a="http://schemas.openxmlformats.org/drawingml/2006/main" xmlns:r="http://schemas.openxmlformats.org/officeDocument/2006/relationships" xmlns:p="http://schemas.openxmlformats.org/presentationml/2006/main">
-  <p:cSld>
-    <p:spTree>
-      <p:nvGrpSpPr>
-        <p:cNvPr id="1" name=""/>
-        <p:cNvGrpSpPr/>
-        <p:nvPr/>
-      </p:nvGrpSpPr>
-      <p:grpSpPr>
-        <a:xfrm>
-          <a:off x="0" y="0"/>
-          <a:ext cx="0" cy="0"/>
-          <a:chOff x="0" y="0"/>
-          <a:chExt cx="0" cy="0"/>
-        </a:xfrm>
-      </p:grpSpPr>
-      <p:sp>
-        <p:nvSpPr>
-          <p:cNvPr id="2" name="Заголовок 1">
-            <a:extLst>
-              <a:ext uri="{FF2B5EF4-FFF2-40B4-BE49-F238E27FC236}">
-                <a16:creationId xmlns:a16="http://schemas.microsoft.com/office/drawing/2014/main" id="{459B06AE-BD55-419B-99DE-F0486CDB8977}"/>
-              </a:ext>
-            </a:extLst>
-          </p:cNvPr>
-          <p:cNvSpPr>
-            <a:spLocks noGrp="1"/>
-          </p:cNvSpPr>
-          <p:nvPr>
-            <p:ph type="title"/>
-          </p:nvPr>
-        </p:nvSpPr>
-        <p:spPr/>
-        <p:txBody>
-          <a:bodyPr/>
-          <a:lstStyle/>
-          <a:p>
-            <a:pPr algn="ctr"/>
-            <a:r>
-              <a:rPr lang="en-US" dirty="0"/>
-              <a:t>Remark: Our method != Eigenfaces </a:t>
-            </a:r>
-            <a:endParaRPr lang="ru-RU" dirty="0"/>
-          </a:p>
-        </p:txBody>
-      </p:sp>
-      <p:sp>
-        <p:nvSpPr>
-          <p:cNvPr id="3" name="Текст 2">
-            <a:extLst>
-              <a:ext uri="{FF2B5EF4-FFF2-40B4-BE49-F238E27FC236}">
-                <a16:creationId xmlns:a16="http://schemas.microsoft.com/office/drawing/2014/main" id="{5FBA40D0-87A3-4228-991A-2F35EF4B01DF}"/>
-              </a:ext>
-            </a:extLst>
-          </p:cNvPr>
-          <p:cNvSpPr>
-            <a:spLocks noGrp="1"/>
-          </p:cNvSpPr>
-          <p:nvPr>
-            <p:ph type="body" idx="1"/>
-          </p:nvPr>
-        </p:nvSpPr>
-        <p:spPr/>
-        <p:txBody>
-          <a:bodyPr/>
-          <a:lstStyle/>
-          <a:p>
-            <a:r>
-              <a:rPr lang="en-US" dirty="0"/>
-              <a:t>Eigenfaces approach</a:t>
-            </a:r>
-            <a:endParaRPr lang="ru-RU" dirty="0"/>
-          </a:p>
-        </p:txBody>
-      </p:sp>
-      <p:sp>
-        <p:nvSpPr>
-          <p:cNvPr id="4" name="Объект 3">
-            <a:extLst>
-              <a:ext uri="{FF2B5EF4-FFF2-40B4-BE49-F238E27FC236}">
-                <a16:creationId xmlns:a16="http://schemas.microsoft.com/office/drawing/2014/main" id="{E4048932-CD3F-4E99-B27D-8BFBA4798BFA}"/>
-              </a:ext>
-            </a:extLst>
-          </p:cNvPr>
-          <p:cNvSpPr>
-            <a:spLocks noGrp="1"/>
-          </p:cNvSpPr>
-          <p:nvPr>
-            <p:ph sz="half" idx="2"/>
-          </p:nvPr>
-        </p:nvSpPr>
-        <p:spPr>
-          <a:xfrm>
-            <a:off x="1066800" y="2811263"/>
-            <a:ext cx="4663440" cy="3163825"/>
-          </a:xfrm>
-        </p:spPr>
-        <p:txBody>
-          <a:bodyPr/>
-          <a:lstStyle/>
-          <a:p>
-            <a:r>
-              <a:rPr lang="en-US" dirty="0"/>
-              <a:t>Projections on several subspaces, more data to store</a:t>
-            </a:r>
-          </a:p>
-          <a:p>
-            <a:r>
-              <a:rPr lang="en-US" dirty="0"/>
-              <a:t>Also, not easy to implement </a:t>
-            </a:r>
-            <a:endParaRPr lang="ru-RU" dirty="0"/>
-          </a:p>
-        </p:txBody>
-      </p:sp>
-      <p:sp>
-        <p:nvSpPr>
-          <p:cNvPr id="5" name="Текст 4">
-            <a:extLst>
-              <a:ext uri="{FF2B5EF4-FFF2-40B4-BE49-F238E27FC236}">
-                <a16:creationId xmlns:a16="http://schemas.microsoft.com/office/drawing/2014/main" id="{FA101C7D-D61E-45C9-AEAE-D5736C106F99}"/>
-              </a:ext>
-            </a:extLst>
-          </p:cNvPr>
-          <p:cNvSpPr>
-            <a:spLocks noGrp="1"/>
-          </p:cNvSpPr>
-          <p:nvPr>
-            <p:ph type="body" sz="quarter" idx="3"/>
-          </p:nvPr>
-        </p:nvSpPr>
-        <p:spPr/>
-        <p:txBody>
-          <a:bodyPr/>
-          <a:lstStyle/>
-          <a:p>
-            <a:r>
-              <a:rPr lang="en-US" dirty="0"/>
-              <a:t>Our approach</a:t>
-            </a:r>
-            <a:endParaRPr lang="ru-RU" dirty="0"/>
-          </a:p>
-        </p:txBody>
-      </p:sp>
-      <p:sp>
-        <p:nvSpPr>
-          <p:cNvPr id="6" name="Объект 5">
-            <a:extLst>
-              <a:ext uri="{FF2B5EF4-FFF2-40B4-BE49-F238E27FC236}">
-                <a16:creationId xmlns:a16="http://schemas.microsoft.com/office/drawing/2014/main" id="{81AC4AB7-3596-46D6-B552-F204EB265B42}"/>
-              </a:ext>
-            </a:extLst>
-          </p:cNvPr>
-          <p:cNvSpPr>
-            <a:spLocks noGrp="1"/>
-          </p:cNvSpPr>
-          <p:nvPr>
-            <p:ph sz="quarter" idx="4"/>
-          </p:nvPr>
-        </p:nvSpPr>
-        <p:spPr/>
-        <p:txBody>
-          <a:bodyPr/>
-          <a:lstStyle/>
-          <a:p>
-            <a:r>
-              <a:rPr lang="en-US" dirty="0"/>
-              <a:t>Save only sigma vector values (several of them) = low memory use</a:t>
-            </a:r>
-          </a:p>
-          <a:p>
-            <a:r>
-              <a:rPr lang="en-US" dirty="0"/>
-              <a:t>Several lines of code using 2 packages</a:t>
-            </a:r>
-            <a:endParaRPr lang="ru-RU" dirty="0"/>
-          </a:p>
-        </p:txBody>
-      </p:sp>
-    </p:spTree>
-    <p:extLst>
-      <p:ext uri="{BB962C8B-B14F-4D97-AF65-F5344CB8AC3E}">
-        <p14:creationId xmlns:p14="http://schemas.microsoft.com/office/powerpoint/2010/main" val="2116335915"/>
-      </p:ext>
-    </p:extLst>
-  </p:cSld>
-  <p:clrMapOvr>
-    <a:masterClrMapping/>
-  </p:clrMapOvr>
-</p:sld>
-</file>
-
-<file path=ppt/slides/slide12.xml><?xml version="1.0" encoding="utf-8"?>
-<p:sld xmlns:a="http://schemas.openxmlformats.org/drawingml/2006/main" xmlns:r="http://schemas.openxmlformats.org/officeDocument/2006/relationships" xmlns:p="http://schemas.openxmlformats.org/presentationml/2006/main">
-  <p:cSld>
-    <p:spTree>
-      <p:nvGrpSpPr>
-        <p:cNvPr id="1" name=""/>
-        <p:cNvGrpSpPr/>
-        <p:nvPr/>
-      </p:nvGrpSpPr>
-      <p:grpSpPr>
-        <a:xfrm>
-          <a:off x="0" y="0"/>
-          <a:ext cx="0" cy="0"/>
-          <a:chOff x="0" y="0"/>
-          <a:chExt cx="0" cy="0"/>
-        </a:xfrm>
-      </p:grpSpPr>
-      <p:pic>
-        <p:nvPicPr>
-          <p:cNvPr id="6" name="Объект 5">
-            <a:extLst>
-              <a:ext uri="{FF2B5EF4-FFF2-40B4-BE49-F238E27FC236}">
-                <a16:creationId xmlns:a16="http://schemas.microsoft.com/office/drawing/2014/main" id="{B9D6A617-2512-44AA-AC34-F26478CBB928}"/>
-              </a:ext>
-            </a:extLst>
-          </p:cNvPr>
-          <p:cNvPicPr>
-            <a:picLocks noGrp="1" noChangeAspect="1"/>
-          </p:cNvPicPr>
-          <p:nvPr>
-            <p:ph sz="half" idx="1"/>
-          </p:nvPr>
-        </p:nvPicPr>
-        <p:blipFill>
-          <a:blip r:embed="rId2"/>
-          <a:stretch>
-            <a:fillRect/>
-          </a:stretch>
-        </p:blipFill>
-        <p:spPr>
-          <a:xfrm>
-            <a:off x="677807" y="1790699"/>
-            <a:ext cx="4664075" cy="3042580"/>
-          </a:xfrm>
-          <a:prstGeom prst="rect">
-            <a:avLst/>
-          </a:prstGeom>
-        </p:spPr>
-      </p:pic>
-      <p:pic>
-        <p:nvPicPr>
-          <p:cNvPr id="7" name="Рисунок 6">
-            <a:extLst>
-              <a:ext uri="{FF2B5EF4-FFF2-40B4-BE49-F238E27FC236}">
-                <a16:creationId xmlns:a16="http://schemas.microsoft.com/office/drawing/2014/main" id="{7C40BE47-8B62-4E8D-89A2-0A73BC77345F}"/>
-              </a:ext>
-            </a:extLst>
-          </p:cNvPr>
-          <p:cNvPicPr>
-            <a:picLocks noChangeAspect="1"/>
-          </p:cNvPicPr>
-          <p:nvPr/>
-        </p:nvPicPr>
-        <p:blipFill>
-          <a:blip r:embed="rId3"/>
-          <a:stretch>
-            <a:fillRect/>
-          </a:stretch>
-        </p:blipFill>
-        <p:spPr>
-          <a:xfrm>
-            <a:off x="5604633" y="1790699"/>
-            <a:ext cx="6061960" cy="3042580"/>
-          </a:xfrm>
-          <a:prstGeom prst="rect">
-            <a:avLst/>
-          </a:prstGeom>
-        </p:spPr>
-      </p:pic>
-    </p:spTree>
-    <p:extLst>
-      <p:ext uri="{BB962C8B-B14F-4D97-AF65-F5344CB8AC3E}">
-        <p14:creationId xmlns:p14="http://schemas.microsoft.com/office/powerpoint/2010/main" val="4153561383"/>
-      </p:ext>
-    </p:extLst>
-  </p:cSld>
-  <p:clrMapOvr>
-    <a:masterClrMapping/>
-  </p:clrMapOvr>
-</p:sld>
-</file>
-
-<file path=ppt/slides/slide13.xml><?xml version="1.0" encoding="utf-8"?>
-<p:sld xmlns:a="http://schemas.openxmlformats.org/drawingml/2006/main" xmlns:r="http://schemas.openxmlformats.org/officeDocument/2006/relationships" xmlns:p="http://schemas.openxmlformats.org/presentationml/2006/main">
-  <p:cSld>
-    <p:spTree>
-      <p:nvGrpSpPr>
-        <p:cNvPr id="1" name=""/>
-        <p:cNvGrpSpPr/>
-        <p:nvPr/>
-      </p:nvGrpSpPr>
-      <p:grpSpPr>
-        <a:xfrm>
-          <a:off x="0" y="0"/>
-          <a:ext cx="0" cy="0"/>
-          <a:chOff x="0" y="0"/>
-          <a:chExt cx="0" cy="0"/>
-        </a:xfrm>
-      </p:grpSpPr>
-      <p:pic>
-        <p:nvPicPr>
-          <p:cNvPr id="2050" name="Picture 2">
-            <a:extLst>
-              <a:ext uri="{FF2B5EF4-FFF2-40B4-BE49-F238E27FC236}">
-                <a16:creationId xmlns:a16="http://schemas.microsoft.com/office/drawing/2014/main" id="{429FD6EF-5B70-41EC-B3FF-5299C7FC4AC4}"/>
-              </a:ext>
-            </a:extLst>
-          </p:cNvPr>
-          <p:cNvPicPr>
-            <a:picLocks noGrp="1" noChangeAspect="1" noChangeArrowheads="1"/>
-          </p:cNvPicPr>
-          <p:nvPr>
-            <p:ph type="pic" idx="1"/>
-          </p:nvPr>
-        </p:nvPicPr>
-        <p:blipFill rotWithShape="1">
-          <a:blip r:embed="rId2">
-            <a:extLst>
-              <a:ext uri="{28A0092B-C50C-407E-A947-70E740481C1C}">
-                <a14:useLocalDpi xmlns:a14="http://schemas.microsoft.com/office/drawing/2010/main" val="0"/>
-              </a:ext>
-            </a:extLst>
-          </a:blip>
-          <a:stretch/>
-        </p:blipFill>
-        <p:spPr bwMode="auto">
-          <a:xfrm>
-            <a:off x="1236482" y="237744"/>
-            <a:ext cx="5680435" cy="6382512"/>
-          </a:xfrm>
-          <a:prstGeom prst="rect">
-            <a:avLst/>
-          </a:prstGeom>
-          <a:solidFill>
-            <a:srgbClr val="FFFFFF"/>
-          </a:solidFill>
-          <a:extLst>
-            <a:ext uri="{909E8E84-426E-40DD-AFC4-6F175D3DCCD1}">
-              <a14:hiddenFill xmlns:a14="http://schemas.microsoft.com/office/drawing/2010/main">
-                <a:solidFill>
-                  <a:srgbClr val="FFFFFF"/>
-                </a:solidFill>
-              </a14:hiddenFill>
-            </a:ext>
-          </a:extLst>
-        </p:spPr>
-      </p:pic>
-      <p:sp>
-        <p:nvSpPr>
-          <p:cNvPr id="2" name="Заголовок 1">
-            <a:extLst>
-              <a:ext uri="{FF2B5EF4-FFF2-40B4-BE49-F238E27FC236}">
-                <a16:creationId xmlns:a16="http://schemas.microsoft.com/office/drawing/2014/main" id="{86F90C26-2494-4A9E-B74A-5FE349890148}"/>
-              </a:ext>
-            </a:extLst>
-          </p:cNvPr>
-          <p:cNvSpPr>
-            <a:spLocks noGrp="1"/>
-          </p:cNvSpPr>
-          <p:nvPr>
-            <p:ph type="title"/>
-          </p:nvPr>
-        </p:nvSpPr>
-        <p:spPr>
-          <a:xfrm>
-            <a:off x="8477250" y="603504"/>
-            <a:ext cx="3144774" cy="1645920"/>
-          </a:xfrm>
-        </p:spPr>
-        <p:txBody>
-          <a:bodyPr anchor="b">
-            <a:normAutofit/>
-          </a:bodyPr>
-          <a:lstStyle/>
-          <a:p>
-            <a:r>
-              <a:rPr lang="en-US" dirty="0"/>
-              <a:t>KNN classifier</a:t>
-            </a:r>
-            <a:endParaRPr lang="ru-RU" dirty="0"/>
-          </a:p>
-        </p:txBody>
-      </p:sp>
-    </p:spTree>
-    <p:extLst>
-      <p:ext uri="{BB962C8B-B14F-4D97-AF65-F5344CB8AC3E}">
-        <p14:creationId xmlns:p14="http://schemas.microsoft.com/office/powerpoint/2010/main" val="2926674509"/>
-      </p:ext>
-    </p:extLst>
-  </p:cSld>
-  <p:clrMapOvr>
-    <a:masterClrMapping/>
-  </p:clrMapOvr>
-</p:sld>
-</file>
-
-<file path=ppt/slides/slide14.xml><?xml version="1.0" encoding="utf-8"?>
-<p:sld xmlns:a="http://schemas.openxmlformats.org/drawingml/2006/main" xmlns:r="http://schemas.openxmlformats.org/officeDocument/2006/relationships" xmlns:p="http://schemas.openxmlformats.org/presentationml/2006/main">
-  <p:cSld>
-    <p:spTree>
-      <p:nvGrpSpPr>
-        <p:cNvPr id="1" name=""/>
-        <p:cNvGrpSpPr/>
-        <p:nvPr/>
-      </p:nvGrpSpPr>
-      <p:grpSpPr>
-        <a:xfrm>
-          <a:off x="0" y="0"/>
-          <a:ext cx="0" cy="0"/>
-          <a:chOff x="0" y="0"/>
-          <a:chExt cx="0" cy="0"/>
-        </a:xfrm>
-      </p:grpSpPr>
-      <p:sp>
-        <p:nvSpPr>
-          <p:cNvPr id="2" name="Заголовок 1">
-            <a:extLst>
-              <a:ext uri="{FF2B5EF4-FFF2-40B4-BE49-F238E27FC236}">
-                <a16:creationId xmlns:a16="http://schemas.microsoft.com/office/drawing/2014/main" id="{55963A89-55B1-42C2-AE4C-65D783687865}"/>
-              </a:ext>
-            </a:extLst>
-          </p:cNvPr>
-          <p:cNvSpPr>
-            <a:spLocks noGrp="1"/>
-          </p:cNvSpPr>
-          <p:nvPr>
-            <p:ph type="title"/>
-          </p:nvPr>
-        </p:nvSpPr>
-        <p:spPr/>
-        <p:txBody>
-          <a:bodyPr/>
-          <a:lstStyle/>
-          <a:p>
-            <a:r>
-              <a:rPr lang="en-US" dirty="0"/>
-              <a:t>Experiment results</a:t>
-            </a:r>
-            <a:endParaRPr lang="ru-RU" dirty="0"/>
-          </a:p>
-        </p:txBody>
-      </p:sp>
-      <p:pic>
-        <p:nvPicPr>
-          <p:cNvPr id="5" name="Объект 4">
-            <a:extLst>
-              <a:ext uri="{FF2B5EF4-FFF2-40B4-BE49-F238E27FC236}">
-                <a16:creationId xmlns:a16="http://schemas.microsoft.com/office/drawing/2014/main" id="{23D1D70B-254E-4146-A316-554F871B2EEF}"/>
-              </a:ext>
-            </a:extLst>
-          </p:cNvPr>
-          <p:cNvPicPr>
-            <a:picLocks noGrp="1" noChangeAspect="1"/>
-          </p:cNvPicPr>
-          <p:nvPr>
-            <p:ph idx="1"/>
-          </p:nvPr>
-        </p:nvPicPr>
-        <p:blipFill>
-          <a:blip r:embed="rId2"/>
-          <a:stretch>
-            <a:fillRect/>
-          </a:stretch>
-        </p:blipFill>
-        <p:spPr>
-          <a:xfrm>
-            <a:off x="504825" y="1595782"/>
-            <a:ext cx="7620000" cy="3248025"/>
-          </a:xfrm>
-          <a:prstGeom prst="rect">
-            <a:avLst/>
-          </a:prstGeom>
-        </p:spPr>
-      </p:pic>
-      <p:pic>
-        <p:nvPicPr>
-          <p:cNvPr id="6" name="Рисунок 5">
-            <a:extLst>
-              <a:ext uri="{FF2B5EF4-FFF2-40B4-BE49-F238E27FC236}">
-                <a16:creationId xmlns:a16="http://schemas.microsoft.com/office/drawing/2014/main" id="{1F7CE0E2-D367-413D-9A3B-75DBD4DA8743}"/>
-              </a:ext>
-            </a:extLst>
-          </p:cNvPr>
-          <p:cNvPicPr>
-            <a:picLocks noChangeAspect="1"/>
-          </p:cNvPicPr>
-          <p:nvPr/>
-        </p:nvPicPr>
-        <p:blipFill>
-          <a:blip r:embed="rId3"/>
-          <a:stretch>
-            <a:fillRect/>
-          </a:stretch>
-        </p:blipFill>
-        <p:spPr>
-          <a:xfrm>
-            <a:off x="4991100" y="2371991"/>
-            <a:ext cx="6819900" cy="2990850"/>
-          </a:xfrm>
-          <a:prstGeom prst="rect">
-            <a:avLst/>
-          </a:prstGeom>
-        </p:spPr>
-      </p:pic>
-      <p:sp>
-        <p:nvSpPr>
-          <p:cNvPr id="7" name="TextBox 6">
-            <a:extLst>
-              <a:ext uri="{FF2B5EF4-FFF2-40B4-BE49-F238E27FC236}">
-                <a16:creationId xmlns:a16="http://schemas.microsoft.com/office/drawing/2014/main" id="{3EF255A7-2B0D-4FA8-B61E-C452092DDEFC}"/>
-              </a:ext>
-            </a:extLst>
-          </p:cNvPr>
-          <p:cNvSpPr txBox="1"/>
-          <p:nvPr/>
-        </p:nvSpPr>
-        <p:spPr>
-          <a:xfrm>
-            <a:off x="685800" y="5048250"/>
-            <a:ext cx="3067050" cy="1384995"/>
-          </a:xfrm>
-          <a:prstGeom prst="rect">
-            <a:avLst/>
-          </a:prstGeom>
-          <a:noFill/>
-        </p:spPr>
-        <p:txBody>
-          <a:bodyPr wrap="square" rtlCol="0">
-            <a:spAutoFit/>
-          </a:bodyPr>
-          <a:lstStyle/>
-          <a:p>
-            <a:r>
-              <a:rPr lang="en-US" sz="2800" dirty="0"/>
-              <a:t>ACCURACY 0.95</a:t>
-            </a:r>
-          </a:p>
-          <a:p>
-            <a:endParaRPr lang="en-US" sz="2800" dirty="0"/>
-          </a:p>
-          <a:p>
-            <a:r>
-              <a:rPr lang="en-US" sz="2800" dirty="0"/>
-              <a:t>Woah!</a:t>
-            </a:r>
-            <a:endParaRPr lang="ru-RU" sz="2800" dirty="0"/>
-          </a:p>
-        </p:txBody>
-      </p:sp>
-    </p:spTree>
-    <p:extLst>
-      <p:ext uri="{BB962C8B-B14F-4D97-AF65-F5344CB8AC3E}">
-        <p14:creationId xmlns:p14="http://schemas.microsoft.com/office/powerpoint/2010/main" val="1989812183"/>
-      </p:ext>
-    </p:extLst>
-  </p:cSld>
-  <p:clrMapOvr>
-    <a:masterClrMapping/>
-  </p:clrMapOvr>
-</p:sld>
-</file>
-
-<file path=ppt/slides/slide15.xml><?xml version="1.0" encoding="utf-8"?>
-<p:sld xmlns:a="http://schemas.openxmlformats.org/drawingml/2006/main" xmlns:r="http://schemas.openxmlformats.org/officeDocument/2006/relationships" xmlns:p="http://schemas.openxmlformats.org/presentationml/2006/main">
-  <p:cSld>
-    <p:spTree>
-      <p:nvGrpSpPr>
-        <p:cNvPr id="1" name=""/>
-        <p:cNvGrpSpPr/>
-        <p:nvPr/>
-      </p:nvGrpSpPr>
-      <p:grpSpPr>
-        <a:xfrm>
-          <a:off x="0" y="0"/>
-          <a:ext cx="0" cy="0"/>
-          <a:chOff x="0" y="0"/>
-          <a:chExt cx="0" cy="0"/>
-        </a:xfrm>
-      </p:grpSpPr>
-      <p:sp>
-        <p:nvSpPr>
-          <p:cNvPr id="2" name="Заголовок 1">
-            <a:extLst>
-              <a:ext uri="{FF2B5EF4-FFF2-40B4-BE49-F238E27FC236}">
-                <a16:creationId xmlns:a16="http://schemas.microsoft.com/office/drawing/2014/main" id="{17E2DDA4-9B7B-4BC7-96F2-6A3746574E12}"/>
-              </a:ext>
-            </a:extLst>
-          </p:cNvPr>
-          <p:cNvSpPr>
-            <a:spLocks noGrp="1"/>
-          </p:cNvSpPr>
-          <p:nvPr>
-            <p:ph type="title"/>
-          </p:nvPr>
-        </p:nvSpPr>
-        <p:spPr/>
-        <p:txBody>
-          <a:bodyPr/>
-          <a:lstStyle/>
-          <a:p>
-            <a:pPr algn="ctr"/>
-            <a:r>
-              <a:rPr lang="en-US" dirty="0"/>
-              <a:t>Actually, that was not full ORL</a:t>
-            </a:r>
-            <a:endParaRPr lang="ru-RU" dirty="0"/>
-          </a:p>
-        </p:txBody>
-      </p:sp>
-      <p:pic>
-        <p:nvPicPr>
-          <p:cNvPr id="5" name="Рисунок 4">
-            <a:extLst>
-              <a:ext uri="{FF2B5EF4-FFF2-40B4-BE49-F238E27FC236}">
-                <a16:creationId xmlns:a16="http://schemas.microsoft.com/office/drawing/2014/main" id="{3D0FC3EB-4313-4648-8CBC-F2578B37DF8D}"/>
-              </a:ext>
-            </a:extLst>
-          </p:cNvPr>
-          <p:cNvPicPr>
-            <a:picLocks noChangeAspect="1"/>
-          </p:cNvPicPr>
-          <p:nvPr/>
-        </p:nvPicPr>
-        <p:blipFill>
-          <a:blip r:embed="rId2"/>
-          <a:stretch>
-            <a:fillRect/>
-          </a:stretch>
-        </p:blipFill>
-        <p:spPr>
-          <a:xfrm>
-            <a:off x="1745615" y="2322957"/>
-            <a:ext cx="2724150" cy="3409950"/>
-          </a:xfrm>
-          <a:prstGeom prst="rect">
-            <a:avLst/>
-          </a:prstGeom>
-        </p:spPr>
-      </p:pic>
-      <p:sp>
-        <p:nvSpPr>
-          <p:cNvPr id="6" name="TextBox 5">
-            <a:extLst>
-              <a:ext uri="{FF2B5EF4-FFF2-40B4-BE49-F238E27FC236}">
-                <a16:creationId xmlns:a16="http://schemas.microsoft.com/office/drawing/2014/main" id="{22526612-2596-4C7B-BC7A-AE083EE16C59}"/>
-              </a:ext>
-            </a:extLst>
-          </p:cNvPr>
-          <p:cNvSpPr txBox="1"/>
-          <p:nvPr/>
-        </p:nvSpPr>
-        <p:spPr>
-          <a:xfrm>
-            <a:off x="5323840" y="3101287"/>
-            <a:ext cx="5476240" cy="923330"/>
-          </a:xfrm>
-          <a:prstGeom prst="rect">
-            <a:avLst/>
-          </a:prstGeom>
-          <a:noFill/>
-        </p:spPr>
-        <p:txBody>
-          <a:bodyPr wrap="square" rtlCol="0">
-            <a:spAutoFit/>
-          </a:bodyPr>
-          <a:lstStyle/>
-          <a:p>
-            <a:r>
-              <a:rPr lang="ru-RU" dirty="0"/>
-              <a:t>7 </a:t>
-            </a:r>
-            <a:r>
-              <a:rPr lang="en-US" dirty="0"/>
-              <a:t>classes</a:t>
-            </a:r>
-          </a:p>
-          <a:p>
-            <a:r>
-              <a:rPr lang="en-US" dirty="0"/>
-              <a:t>21 test images </a:t>
-            </a:r>
-          </a:p>
-          <a:p>
-            <a:r>
-              <a:rPr lang="en-US" dirty="0"/>
-              <a:t>49 train images</a:t>
-            </a:r>
-            <a:endParaRPr lang="ru-RU" dirty="0"/>
-          </a:p>
-        </p:txBody>
-      </p:sp>
-    </p:spTree>
-    <p:extLst>
-      <p:ext uri="{BB962C8B-B14F-4D97-AF65-F5344CB8AC3E}">
-        <p14:creationId xmlns:p14="http://schemas.microsoft.com/office/powerpoint/2010/main" val="3738713298"/>
-      </p:ext>
-    </p:extLst>
-  </p:cSld>
-  <p:clrMapOvr>
-    <a:masterClrMapping/>
-  </p:clrMapOvr>
-</p:sld>
-</file>
-
-<file path=ppt/slides/slide16.xml><?xml version="1.0" encoding="utf-8"?>
-<p:sld xmlns:a="http://schemas.openxmlformats.org/drawingml/2006/main" xmlns:r="http://schemas.openxmlformats.org/officeDocument/2006/relationships" xmlns:p="http://schemas.openxmlformats.org/presentationml/2006/main">
-  <p:cSld>
-    <p:spTree>
-      <p:nvGrpSpPr>
-        <p:cNvPr id="1" name=""/>
-        <p:cNvGrpSpPr/>
-        <p:nvPr/>
-      </p:nvGrpSpPr>
-      <p:grpSpPr>
-        <a:xfrm>
-          <a:off x="0" y="0"/>
-          <a:ext cx="0" cy="0"/>
-          <a:chOff x="0" y="0"/>
-          <a:chExt cx="0" cy="0"/>
-        </a:xfrm>
-      </p:grpSpPr>
-      <p:sp>
-        <p:nvSpPr>
-          <p:cNvPr id="2" name="Заголовок 1">
-            <a:extLst>
-              <a:ext uri="{FF2B5EF4-FFF2-40B4-BE49-F238E27FC236}">
-                <a16:creationId xmlns:a16="http://schemas.microsoft.com/office/drawing/2014/main" id="{3D3D75E1-4CC1-42E8-8704-029F864B7B02}"/>
-              </a:ext>
-            </a:extLst>
-          </p:cNvPr>
-          <p:cNvSpPr>
-            <a:spLocks noGrp="1"/>
-          </p:cNvSpPr>
-          <p:nvPr>
-            <p:ph type="title"/>
-          </p:nvPr>
-        </p:nvSpPr>
-        <p:spPr/>
-        <p:txBody>
-          <a:bodyPr/>
-          <a:lstStyle/>
-          <a:p>
-            <a:pPr algn="ctr"/>
-            <a:r>
-              <a:rPr lang="en-US" dirty="0"/>
-              <a:t>Now with full ORL</a:t>
-            </a:r>
-            <a:endParaRPr lang="ru-RU" dirty="0"/>
-          </a:p>
-        </p:txBody>
-      </p:sp>
-      <p:pic>
-        <p:nvPicPr>
-          <p:cNvPr id="5" name="Объект 4">
-            <a:extLst>
-              <a:ext uri="{FF2B5EF4-FFF2-40B4-BE49-F238E27FC236}">
-                <a16:creationId xmlns:a16="http://schemas.microsoft.com/office/drawing/2014/main" id="{DF92ECD5-51FA-4306-9363-370CD226FE22}"/>
-              </a:ext>
-            </a:extLst>
-          </p:cNvPr>
-          <p:cNvPicPr>
-            <a:picLocks noGrp="1" noChangeAspect="1"/>
-          </p:cNvPicPr>
-          <p:nvPr>
-            <p:ph idx="1"/>
-          </p:nvPr>
-        </p:nvPicPr>
-        <p:blipFill>
-          <a:blip r:embed="rId2"/>
-          <a:stretch>
-            <a:fillRect/>
-          </a:stretch>
-        </p:blipFill>
-        <p:spPr>
-          <a:xfrm>
-            <a:off x="599122" y="2221349"/>
-            <a:ext cx="6104916" cy="2829613"/>
-          </a:xfrm>
-          <a:prstGeom prst="rect">
-            <a:avLst/>
-          </a:prstGeom>
-        </p:spPr>
-      </p:pic>
-      <p:pic>
-        <p:nvPicPr>
-          <p:cNvPr id="6" name="Рисунок 5">
-            <a:extLst>
-              <a:ext uri="{FF2B5EF4-FFF2-40B4-BE49-F238E27FC236}">
-                <a16:creationId xmlns:a16="http://schemas.microsoft.com/office/drawing/2014/main" id="{132B2243-DAA5-4B09-B889-F57F046D6F4F}"/>
-              </a:ext>
-            </a:extLst>
-          </p:cNvPr>
-          <p:cNvPicPr>
-            <a:picLocks noChangeAspect="1"/>
-          </p:cNvPicPr>
-          <p:nvPr/>
-        </p:nvPicPr>
-        <p:blipFill>
-          <a:blip r:embed="rId3"/>
-          <a:stretch>
-            <a:fillRect/>
-          </a:stretch>
-        </p:blipFill>
-        <p:spPr>
-          <a:xfrm>
-            <a:off x="7284720" y="2221349"/>
-            <a:ext cx="4033838" cy="2835818"/>
-          </a:xfrm>
-          <a:prstGeom prst="rect">
-            <a:avLst/>
-          </a:prstGeom>
-        </p:spPr>
-      </p:pic>
-    </p:spTree>
-    <p:extLst>
-      <p:ext uri="{BB962C8B-B14F-4D97-AF65-F5344CB8AC3E}">
-        <p14:creationId xmlns:p14="http://schemas.microsoft.com/office/powerpoint/2010/main" val="1917905306"/>
-      </p:ext>
-    </p:extLst>
-  </p:cSld>
-  <p:clrMapOvr>
-    <a:masterClrMapping/>
-  </p:clrMapOvr>
-</p:sld>
-</file>
-
-<file path=ppt/slides/slide17.xml><?xml version="1.0" encoding="utf-8"?>
-<p:sld xmlns:a="http://schemas.openxmlformats.org/drawingml/2006/main" xmlns:r="http://schemas.openxmlformats.org/officeDocument/2006/relationships" xmlns:p="http://schemas.openxmlformats.org/presentationml/2006/main">
-  <p:cSld>
-    <p:spTree>
-      <p:nvGrpSpPr>
-        <p:cNvPr id="1" name=""/>
-        <p:cNvGrpSpPr/>
-        <p:nvPr/>
-      </p:nvGrpSpPr>
-      <p:grpSpPr>
-        <a:xfrm>
-          <a:off x="0" y="0"/>
-          <a:ext cx="0" cy="0"/>
-          <a:chOff x="0" y="0"/>
-          <a:chExt cx="0" cy="0"/>
-        </a:xfrm>
-      </p:grpSpPr>
-      <p:sp>
-        <p:nvSpPr>
-          <p:cNvPr id="2" name="Заголовок 1">
-            <a:extLst>
-              <a:ext uri="{FF2B5EF4-FFF2-40B4-BE49-F238E27FC236}">
-                <a16:creationId xmlns:a16="http://schemas.microsoft.com/office/drawing/2014/main" id="{EACBEA25-50C7-4D7C-8D0A-8DAED2F1B046}"/>
-              </a:ext>
-            </a:extLst>
-          </p:cNvPr>
-          <p:cNvSpPr>
-            <a:spLocks noGrp="1"/>
-          </p:cNvSpPr>
-          <p:nvPr>
-            <p:ph type="title"/>
-          </p:nvPr>
-        </p:nvSpPr>
-        <p:spPr>
-          <a:xfrm>
-            <a:off x="1190625" y="2547594"/>
-            <a:ext cx="10058400" cy="1371600"/>
-          </a:xfrm>
-        </p:spPr>
-        <p:txBody>
-          <a:bodyPr/>
-          <a:lstStyle/>
-          <a:p>
-            <a:pPr algn="ctr"/>
-            <a:r>
-              <a:rPr lang="en-US" dirty="0"/>
-              <a:t>And what about other datasets?</a:t>
-            </a:r>
-            <a:endParaRPr lang="ru-RU" dirty="0"/>
-          </a:p>
-        </p:txBody>
-      </p:sp>
-    </p:spTree>
-    <p:extLst>
-      <p:ext uri="{BB962C8B-B14F-4D97-AF65-F5344CB8AC3E}">
-        <p14:creationId xmlns:p14="http://schemas.microsoft.com/office/powerpoint/2010/main" val="1410355977"/>
-      </p:ext>
-    </p:extLst>
-  </p:cSld>
-  <p:clrMapOvr>
-    <a:masterClrMapping/>
-  </p:clrMapOvr>
-</p:sld>
-</file>
-
-<file path=ppt/slides/slide18.xml><?xml version="1.0" encoding="utf-8"?>
-<p:sld xmlns:a="http://schemas.openxmlformats.org/drawingml/2006/main" xmlns:r="http://schemas.openxmlformats.org/officeDocument/2006/relationships" xmlns:p="http://schemas.openxmlformats.org/presentationml/2006/main">
-  <p:cSld>
-    <p:spTree>
-      <p:nvGrpSpPr>
-        <p:cNvPr id="1" name=""/>
-        <p:cNvGrpSpPr/>
-        <p:nvPr/>
-      </p:nvGrpSpPr>
-      <p:grpSpPr>
-        <a:xfrm>
-          <a:off x="0" y="0"/>
-          <a:ext cx="0" cy="0"/>
-          <a:chOff x="0" y="0"/>
-          <a:chExt cx="0" cy="0"/>
-        </a:xfrm>
-      </p:grpSpPr>
-      <p:sp>
-        <p:nvSpPr>
-          <p:cNvPr id="2" name="Заголовок 1">
-            <a:extLst>
-              <a:ext uri="{FF2B5EF4-FFF2-40B4-BE49-F238E27FC236}">
-                <a16:creationId xmlns:a16="http://schemas.microsoft.com/office/drawing/2014/main" id="{58A44A54-6E79-4BBC-80DE-81C5D7442716}"/>
-              </a:ext>
-            </a:extLst>
-          </p:cNvPr>
-          <p:cNvSpPr>
-            <a:spLocks noGrp="1"/>
-          </p:cNvSpPr>
-          <p:nvPr>
-            <p:ph type="title"/>
-          </p:nvPr>
-        </p:nvSpPr>
-        <p:spPr/>
-        <p:txBody>
-          <a:bodyPr/>
-          <a:lstStyle/>
-          <a:p>
-            <a:pPr algn="ctr"/>
-            <a:r>
-              <a:rPr lang="en-US" dirty="0"/>
-              <a:t>Dataset vgg_face2(little part)</a:t>
-            </a:r>
-            <a:endParaRPr lang="ru-RU" dirty="0"/>
-          </a:p>
-        </p:txBody>
-      </p:sp>
-      <p:pic>
-        <p:nvPicPr>
-          <p:cNvPr id="5" name="Объект 4">
-            <a:extLst>
-              <a:ext uri="{FF2B5EF4-FFF2-40B4-BE49-F238E27FC236}">
-                <a16:creationId xmlns:a16="http://schemas.microsoft.com/office/drawing/2014/main" id="{CFAFB407-AF47-47F7-BA49-A33369D12C1D}"/>
-              </a:ext>
-            </a:extLst>
-          </p:cNvPr>
-          <p:cNvPicPr>
-            <a:picLocks noGrp="1" noChangeAspect="1"/>
-          </p:cNvPicPr>
-          <p:nvPr>
-            <p:ph idx="1"/>
-          </p:nvPr>
-        </p:nvPicPr>
-        <p:blipFill>
-          <a:blip r:embed="rId2"/>
-          <a:stretch>
-            <a:fillRect/>
-          </a:stretch>
-        </p:blipFill>
-        <p:spPr>
-          <a:xfrm>
-            <a:off x="541035" y="1895476"/>
-            <a:ext cx="5204310" cy="2948331"/>
-          </a:xfrm>
-          <a:prstGeom prst="rect">
-            <a:avLst/>
-          </a:prstGeom>
-        </p:spPr>
-      </p:pic>
-      <p:pic>
-        <p:nvPicPr>
-          <p:cNvPr id="7" name="Рисунок 6" descr="Изображение выглядит как мужчина, человек, внутренний, сидит&#10;&#10;Автоматически созданное описание">
-            <a:extLst>
-              <a:ext uri="{FF2B5EF4-FFF2-40B4-BE49-F238E27FC236}">
-                <a16:creationId xmlns:a16="http://schemas.microsoft.com/office/drawing/2014/main" id="{0C11CD2B-BEFB-4CCF-9831-164C91E41EB4}"/>
-              </a:ext>
-            </a:extLst>
-          </p:cNvPr>
-          <p:cNvPicPr>
-            <a:picLocks noChangeAspect="1"/>
-          </p:cNvPicPr>
-          <p:nvPr/>
-        </p:nvPicPr>
-        <p:blipFill>
-          <a:blip r:embed="rId3">
-            <a:extLst>
-              <a:ext uri="{28A0092B-C50C-407E-A947-70E740481C1C}">
-                <a14:useLocalDpi xmlns:a14="http://schemas.microsoft.com/office/drawing/2010/main" val="0"/>
-              </a:ext>
-            </a:extLst>
-          </a:blip>
-          <a:stretch>
-            <a:fillRect/>
-          </a:stretch>
-        </p:blipFill>
-        <p:spPr>
-          <a:xfrm>
-            <a:off x="5992110" y="1800225"/>
-            <a:ext cx="3048000" cy="2657475"/>
-          </a:xfrm>
-          <a:prstGeom prst="rect">
-            <a:avLst/>
-          </a:prstGeom>
-        </p:spPr>
-      </p:pic>
-      <p:pic>
-        <p:nvPicPr>
-          <p:cNvPr id="9" name="Рисунок 8" descr="Изображение выглядит как мужчина, фотография, улыбается, носит&#10;&#10;Автоматически созданное описание">
-            <a:extLst>
-              <a:ext uri="{FF2B5EF4-FFF2-40B4-BE49-F238E27FC236}">
-                <a16:creationId xmlns:a16="http://schemas.microsoft.com/office/drawing/2014/main" id="{FE2F4E72-CCEA-4E8F-9376-22DE61B28C73}"/>
-              </a:ext>
-            </a:extLst>
-          </p:cNvPr>
-          <p:cNvPicPr>
-            <a:picLocks noChangeAspect="1"/>
-          </p:cNvPicPr>
-          <p:nvPr/>
-        </p:nvPicPr>
-        <p:blipFill>
-          <a:blip r:embed="rId4">
-            <a:extLst>
-              <a:ext uri="{28A0092B-C50C-407E-A947-70E740481C1C}">
-                <a14:useLocalDpi xmlns:a14="http://schemas.microsoft.com/office/drawing/2010/main" val="0"/>
-              </a:ext>
-            </a:extLst>
-          </a:blip>
-          <a:stretch>
-            <a:fillRect/>
-          </a:stretch>
-        </p:blipFill>
-        <p:spPr>
-          <a:xfrm>
-            <a:off x="9153525" y="3228975"/>
-            <a:ext cx="2152650" cy="2457450"/>
-          </a:xfrm>
-          <a:prstGeom prst="rect">
-            <a:avLst/>
-          </a:prstGeom>
-        </p:spPr>
-      </p:pic>
-    </p:spTree>
-    <p:extLst>
-      <p:ext uri="{BB962C8B-B14F-4D97-AF65-F5344CB8AC3E}">
-        <p14:creationId xmlns:p14="http://schemas.microsoft.com/office/powerpoint/2010/main" val="2831351372"/>
-      </p:ext>
-    </p:extLst>
-  </p:cSld>
-  <p:clrMapOvr>
-    <a:masterClrMapping/>
-  </p:clrMapOvr>
-</p:sld>
-</file>
-
-<file path=ppt/slides/slide19.xml><?xml version="1.0" encoding="utf-8"?>
-<p:sld xmlns:a="http://schemas.openxmlformats.org/drawingml/2006/main" xmlns:r="http://schemas.openxmlformats.org/officeDocument/2006/relationships" xmlns:p="http://schemas.openxmlformats.org/presentationml/2006/main">
-  <p:cSld>
-    <p:spTree>
-      <p:nvGrpSpPr>
-        <p:cNvPr id="1" name=""/>
-        <p:cNvGrpSpPr/>
-        <p:nvPr/>
-      </p:nvGrpSpPr>
-      <p:grpSpPr>
-        <a:xfrm>
-          <a:off x="0" y="0"/>
-          <a:ext cx="0" cy="0"/>
-          <a:chOff x="0" y="0"/>
-          <a:chExt cx="0" cy="0"/>
-        </a:xfrm>
-      </p:grpSpPr>
-      <p:sp>
-        <p:nvSpPr>
-          <p:cNvPr id="2" name="Заголовок 1">
-            <a:extLst>
-              <a:ext uri="{FF2B5EF4-FFF2-40B4-BE49-F238E27FC236}">
-                <a16:creationId xmlns:a16="http://schemas.microsoft.com/office/drawing/2014/main" id="{4AFDD8A2-DAA8-4BE5-8792-4380B41CD4F0}"/>
-              </a:ext>
-            </a:extLst>
-          </p:cNvPr>
-          <p:cNvSpPr>
-            <a:spLocks noGrp="1"/>
-          </p:cNvSpPr>
-          <p:nvPr>
-            <p:ph type="title"/>
-          </p:nvPr>
-        </p:nvSpPr>
-        <p:spPr>
-          <a:xfrm>
-            <a:off x="866872" y="481773"/>
-            <a:ext cx="10058400" cy="1371600"/>
-          </a:xfrm>
-        </p:spPr>
-        <p:txBody>
-          <a:bodyPr/>
-          <a:lstStyle/>
-          <a:p>
-            <a:pPr algn="ctr"/>
-            <a:r>
-              <a:rPr lang="en-US" dirty="0"/>
-              <a:t>FULL vgg_face2</a:t>
-            </a:r>
-            <a:endParaRPr lang="ru-RU" dirty="0"/>
-          </a:p>
-        </p:txBody>
-      </p:sp>
-      <p:pic>
-        <p:nvPicPr>
-          <p:cNvPr id="5" name="Объект 4">
-            <a:extLst>
-              <a:ext uri="{FF2B5EF4-FFF2-40B4-BE49-F238E27FC236}">
-                <a16:creationId xmlns:a16="http://schemas.microsoft.com/office/drawing/2014/main" id="{AF74BDBF-0C78-4D75-9FDF-5BE6C1393449}"/>
-              </a:ext>
-            </a:extLst>
-          </p:cNvPr>
-          <p:cNvPicPr>
-            <a:picLocks noGrp="1" noChangeAspect="1"/>
-          </p:cNvPicPr>
-          <p:nvPr>
-            <p:ph idx="1"/>
-          </p:nvPr>
-        </p:nvPicPr>
-        <p:blipFill>
-          <a:blip r:embed="rId2"/>
-          <a:stretch>
-            <a:fillRect/>
-          </a:stretch>
-        </p:blipFill>
-        <p:spPr>
-          <a:xfrm rot="21341272">
-            <a:off x="1532132" y="2501044"/>
-            <a:ext cx="4090670" cy="801323"/>
-          </a:xfrm>
-          <a:prstGeom prst="rect">
-            <a:avLst/>
-          </a:prstGeom>
-        </p:spPr>
-      </p:pic>
-      <p:pic>
-        <p:nvPicPr>
-          <p:cNvPr id="3074" name="Picture 2">
-            <a:extLst>
-              <a:ext uri="{FF2B5EF4-FFF2-40B4-BE49-F238E27FC236}">
-                <a16:creationId xmlns:a16="http://schemas.microsoft.com/office/drawing/2014/main" id="{5BF560DD-3E83-46E8-8440-9EB7F1101897}"/>
-              </a:ext>
-            </a:extLst>
-          </p:cNvPr>
-          <p:cNvPicPr>
-            <a:picLocks noChangeAspect="1" noChangeArrowheads="1"/>
-          </p:cNvPicPr>
-          <p:nvPr/>
-        </p:nvPicPr>
-        <p:blipFill>
-          <a:blip r:embed="rId3">
-            <a:extLst>
-              <a:ext uri="{28A0092B-C50C-407E-A947-70E740481C1C}">
-                <a14:useLocalDpi xmlns:a14="http://schemas.microsoft.com/office/drawing/2010/main" val="0"/>
-              </a:ext>
-            </a:extLst>
-          </a:blip>
-          <a:srcRect/>
-          <a:stretch>
-            <a:fillRect/>
-          </a:stretch>
-        </p:blipFill>
-        <p:spPr bwMode="auto">
-          <a:xfrm rot="679555">
-            <a:off x="1931305" y="4576639"/>
-            <a:ext cx="3695700" cy="571500"/>
-          </a:xfrm>
-          <a:prstGeom prst="rect">
-            <a:avLst/>
-          </a:prstGeom>
-          <a:noFill/>
-          <a:extLst>
-            <a:ext uri="{909E8E84-426E-40DD-AFC4-6F175D3DCCD1}">
-              <a14:hiddenFill xmlns:a14="http://schemas.microsoft.com/office/drawing/2010/main">
-                <a:solidFill>
-                  <a:srgbClr val="FFFFFF"/>
-                </a:solidFill>
-              </a14:hiddenFill>
-            </a:ext>
-          </a:extLst>
-        </p:spPr>
-      </p:pic>
-      <p:pic>
-        <p:nvPicPr>
-          <p:cNvPr id="6" name="Рисунок 5">
-            <a:extLst>
-              <a:ext uri="{FF2B5EF4-FFF2-40B4-BE49-F238E27FC236}">
-                <a16:creationId xmlns:a16="http://schemas.microsoft.com/office/drawing/2014/main" id="{3913EDCE-8DA7-4009-9B56-17353E5F5657}"/>
-              </a:ext>
-            </a:extLst>
-          </p:cNvPr>
-          <p:cNvPicPr>
-            <a:picLocks noChangeAspect="1"/>
-          </p:cNvPicPr>
-          <p:nvPr/>
-        </p:nvPicPr>
-        <p:blipFill>
-          <a:blip r:embed="rId4"/>
-          <a:stretch>
-            <a:fillRect/>
-          </a:stretch>
-        </p:blipFill>
-        <p:spPr>
-          <a:xfrm>
-            <a:off x="6650618" y="1581668"/>
-            <a:ext cx="4023932" cy="2421327"/>
-          </a:xfrm>
-          <a:prstGeom prst="rect">
-            <a:avLst/>
-          </a:prstGeom>
-        </p:spPr>
-      </p:pic>
-      <p:pic>
-        <p:nvPicPr>
-          <p:cNvPr id="7" name="Рисунок 6">
-            <a:extLst>
-              <a:ext uri="{FF2B5EF4-FFF2-40B4-BE49-F238E27FC236}">
-                <a16:creationId xmlns:a16="http://schemas.microsoft.com/office/drawing/2014/main" id="{CEA14FE4-5169-4B0E-861E-958614564F43}"/>
-              </a:ext>
-            </a:extLst>
-          </p:cNvPr>
-          <p:cNvPicPr>
-            <a:picLocks noChangeAspect="1"/>
-          </p:cNvPicPr>
-          <p:nvPr/>
-        </p:nvPicPr>
-        <p:blipFill>
-          <a:blip r:embed="rId5"/>
-          <a:stretch>
-            <a:fillRect/>
-          </a:stretch>
-        </p:blipFill>
-        <p:spPr>
-          <a:xfrm>
-            <a:off x="6650617" y="4132864"/>
-            <a:ext cx="4023933" cy="2384756"/>
-          </a:xfrm>
-          <a:prstGeom prst="rect">
-            <a:avLst/>
-          </a:prstGeom>
-        </p:spPr>
-      </p:pic>
-    </p:spTree>
-    <p:extLst>
-      <p:ext uri="{BB962C8B-B14F-4D97-AF65-F5344CB8AC3E}">
-        <p14:creationId xmlns:p14="http://schemas.microsoft.com/office/powerpoint/2010/main" val="2570695336"/>
-      </p:ext>
-    </p:extLst>
-  </p:cSld>
-  <p:clrMapOvr>
-    <a:masterClrMapping/>
-  </p:clrMapOvr>
-</p:sld>
-</file>
-
-<file path=ppt/slides/slide2.xml><?xml version="1.0" encoding="utf-8"?>
-<p:sld xmlns:a="http://schemas.openxmlformats.org/drawingml/2006/main" xmlns:r="http://schemas.openxmlformats.org/officeDocument/2006/relationships" xmlns:p="http://schemas.openxmlformats.org/presentationml/2006/main">
-  <p:cSld>
-    <p:spTree>
-      <p:nvGrpSpPr>
-        <p:cNvPr id="1" name=""/>
-        <p:cNvGrpSpPr/>
-        <p:nvPr/>
-      </p:nvGrpSpPr>
-      <p:grpSpPr>
-        <a:xfrm>
-          <a:off x="0" y="0"/>
-          <a:ext cx="0" cy="0"/>
-          <a:chOff x="0" y="0"/>
-          <a:chExt cx="0" cy="0"/>
-        </a:xfrm>
-      </p:grpSpPr>
-      <p:pic>
-        <p:nvPicPr>
-          <p:cNvPr id="5" name="Рисунок 4">
-            <a:extLst>
-              <a:ext uri="{FF2B5EF4-FFF2-40B4-BE49-F238E27FC236}">
-                <a16:creationId xmlns:a16="http://schemas.microsoft.com/office/drawing/2014/main" id="{9A69FA94-BEE1-4833-BE55-4095198BE203}"/>
-              </a:ext>
-            </a:extLst>
-          </p:cNvPr>
-          <p:cNvPicPr>
-            <a:picLocks noChangeAspect="1"/>
-          </p:cNvPicPr>
-          <p:nvPr/>
-        </p:nvPicPr>
-        <p:blipFill>
-          <a:blip r:embed="rId2"/>
-          <a:stretch>
-            <a:fillRect/>
-          </a:stretch>
-        </p:blipFill>
-        <p:spPr>
-          <a:xfrm>
-            <a:off x="147319" y="603504"/>
-            <a:ext cx="7696201" cy="1481517"/>
-          </a:xfrm>
-          <a:prstGeom prst="rect">
-            <a:avLst/>
-          </a:prstGeom>
-          <a:noFill/>
-          <a:ln>
-            <a:noFill/>
-          </a:ln>
-        </p:spPr>
-      </p:pic>
-      <p:sp>
-        <p:nvSpPr>
-          <p:cNvPr id="2" name="Заголовок 1">
-            <a:extLst>
-              <a:ext uri="{FF2B5EF4-FFF2-40B4-BE49-F238E27FC236}">
-                <a16:creationId xmlns:a16="http://schemas.microsoft.com/office/drawing/2014/main" id="{D2F18456-F6D0-4839-9CC4-09F475BD8C5A}"/>
-              </a:ext>
-            </a:extLst>
-          </p:cNvPr>
-          <p:cNvSpPr>
-            <a:spLocks noGrp="1"/>
-          </p:cNvSpPr>
-          <p:nvPr>
-            <p:ph type="title"/>
-          </p:nvPr>
-        </p:nvSpPr>
-        <p:spPr>
-          <a:xfrm>
-            <a:off x="8477250" y="603504"/>
-            <a:ext cx="3144774" cy="1645920"/>
-          </a:xfrm>
-        </p:spPr>
-        <p:txBody>
-          <a:bodyPr anchor="b">
-            <a:normAutofit/>
-          </a:bodyPr>
-          <a:lstStyle/>
-          <a:p>
-            <a:r>
-              <a:rPr lang="en-US" dirty="0"/>
-              <a:t>SVD - ?</a:t>
-            </a:r>
-            <a:endParaRPr lang="ru-RU"/>
-          </a:p>
-        </p:txBody>
-      </p:sp>
-      <p:sp>
-        <p:nvSpPr>
-          <p:cNvPr id="3" name="Объект 2">
-            <a:extLst>
-              <a:ext uri="{FF2B5EF4-FFF2-40B4-BE49-F238E27FC236}">
-                <a16:creationId xmlns:a16="http://schemas.microsoft.com/office/drawing/2014/main" id="{2D3528EC-64FB-435D-8861-276D7470411C}"/>
-              </a:ext>
-            </a:extLst>
-          </p:cNvPr>
-          <p:cNvSpPr>
-            <a:spLocks noGrp="1"/>
-          </p:cNvSpPr>
-          <p:nvPr>
-            <p:ph type="body" sz="half" idx="2"/>
-          </p:nvPr>
-        </p:nvSpPr>
-        <p:spPr>
-          <a:xfrm>
-            <a:off x="8477250" y="2386584"/>
-            <a:ext cx="3144774" cy="3511296"/>
-          </a:xfrm>
-        </p:spPr>
-        <p:txBody>
-          <a:bodyPr>
-            <a:normAutofit/>
-          </a:bodyPr>
-          <a:lstStyle/>
-          <a:p>
-            <a:r>
-              <a:rPr lang="en-US" dirty="0"/>
-              <a:t>WHAT IS IT? Just to remind</a:t>
-            </a:r>
-          </a:p>
-          <a:p>
-            <a:endParaRPr lang="ru-RU" b="1" dirty="0"/>
-          </a:p>
-        </p:txBody>
-      </p:sp>
-      <p:pic>
-        <p:nvPicPr>
-          <p:cNvPr id="6" name="Рисунок 5">
-            <a:extLst>
-              <a:ext uri="{FF2B5EF4-FFF2-40B4-BE49-F238E27FC236}">
-                <a16:creationId xmlns:a16="http://schemas.microsoft.com/office/drawing/2014/main" id="{685AEFBE-5C7C-4B2A-B481-97233D339CF6}"/>
-              </a:ext>
-            </a:extLst>
-          </p:cNvPr>
-          <p:cNvPicPr>
-            <a:picLocks noChangeAspect="1"/>
-          </p:cNvPicPr>
-          <p:nvPr/>
-        </p:nvPicPr>
-        <p:blipFill>
-          <a:blip r:embed="rId3"/>
-          <a:stretch>
-            <a:fillRect/>
-          </a:stretch>
-        </p:blipFill>
-        <p:spPr>
-          <a:xfrm>
-            <a:off x="4448884" y="3133946"/>
-            <a:ext cx="3063093" cy="1179576"/>
-          </a:xfrm>
-          <a:prstGeom prst="rect">
-            <a:avLst/>
-          </a:prstGeom>
-        </p:spPr>
-      </p:pic>
-      <p:pic>
-        <p:nvPicPr>
-          <p:cNvPr id="1026" name="Picture 2">
-            <a:extLst>
-              <a:ext uri="{FF2B5EF4-FFF2-40B4-BE49-F238E27FC236}">
-                <a16:creationId xmlns:a16="http://schemas.microsoft.com/office/drawing/2014/main" id="{03ECAA59-CC20-45E0-8344-AD835B11922C}"/>
-              </a:ext>
-            </a:extLst>
-          </p:cNvPr>
-          <p:cNvPicPr>
-            <a:picLocks noChangeAspect="1" noChangeArrowheads="1"/>
-          </p:cNvPicPr>
-          <p:nvPr/>
-        </p:nvPicPr>
-        <p:blipFill>
-          <a:blip r:embed="rId4">
-            <a:extLst>
-              <a:ext uri="{28A0092B-C50C-407E-A947-70E740481C1C}">
-                <a14:useLocalDpi xmlns:a14="http://schemas.microsoft.com/office/drawing/2010/main" val="0"/>
-              </a:ext>
-            </a:extLst>
-          </a:blip>
-          <a:srcRect/>
-          <a:stretch>
-            <a:fillRect/>
-          </a:stretch>
-        </p:blipFill>
-        <p:spPr bwMode="auto">
-          <a:xfrm>
-            <a:off x="623045" y="2249424"/>
-            <a:ext cx="3508974" cy="4092540"/>
-          </a:xfrm>
-          <a:prstGeom prst="rect">
-            <a:avLst/>
-          </a:prstGeom>
-          <a:noFill/>
-          <a:extLst>
-            <a:ext uri="{909E8E84-426E-40DD-AFC4-6F175D3DCCD1}">
-              <a14:hiddenFill xmlns:a14="http://schemas.microsoft.com/office/drawing/2010/main">
-                <a:solidFill>
-                  <a:srgbClr val="FFFFFF"/>
-                </a:solidFill>
-              </a14:hiddenFill>
-            </a:ext>
-          </a:extLst>
-        </p:spPr>
-      </p:pic>
-    </p:spTree>
-    <p:extLst>
-      <p:ext uri="{BB962C8B-B14F-4D97-AF65-F5344CB8AC3E}">
-        <p14:creationId xmlns:p14="http://schemas.microsoft.com/office/powerpoint/2010/main" val="461905464"/>
-      </p:ext>
-    </p:extLst>
-  </p:cSld>
-  <p:clrMapOvr>
-    <a:masterClrMapping/>
-  </p:clrMapOvr>
-</p:sld>
-</file>
-
-<file path=ppt/slides/slide20.xml><?xml version="1.0" encoding="utf-8"?>
-<p:sld xmlns:a="http://schemas.openxmlformats.org/drawingml/2006/main" xmlns:r="http://schemas.openxmlformats.org/officeDocument/2006/relationships" xmlns:p="http://schemas.openxmlformats.org/presentationml/2006/main">
-  <p:cSld>
-    <p:spTree>
-      <p:nvGrpSpPr>
-        <p:cNvPr id="1" name=""/>
-        <p:cNvGrpSpPr/>
-        <p:nvPr/>
-      </p:nvGrpSpPr>
-      <p:grpSpPr>
-        <a:xfrm>
-          <a:off x="0" y="0"/>
-          <a:ext cx="0" cy="0"/>
-          <a:chOff x="0" y="0"/>
-          <a:chExt cx="0" cy="0"/>
-        </a:xfrm>
-      </p:grpSpPr>
-      <p:sp>
-        <p:nvSpPr>
-          <p:cNvPr id="2" name="Заголовок 1">
-            <a:extLst>
-              <a:ext uri="{FF2B5EF4-FFF2-40B4-BE49-F238E27FC236}">
-                <a16:creationId xmlns:a16="http://schemas.microsoft.com/office/drawing/2014/main" id="{197DB0AD-C9DA-4A4C-A837-241AC1CE6FDC}"/>
-              </a:ext>
-            </a:extLst>
-          </p:cNvPr>
-          <p:cNvSpPr>
-            <a:spLocks noGrp="1"/>
-          </p:cNvSpPr>
-          <p:nvPr>
-            <p:ph type="title"/>
-          </p:nvPr>
-        </p:nvSpPr>
-        <p:spPr/>
-        <p:txBody>
-          <a:bodyPr/>
-          <a:lstStyle/>
-          <a:p>
-            <a:pPr algn="ctr"/>
-            <a:r>
-              <a:rPr lang="en-US" dirty="0"/>
-              <a:t>Also, linear models, etc.</a:t>
-            </a:r>
-            <a:endParaRPr lang="ru-RU" dirty="0"/>
-          </a:p>
-        </p:txBody>
-      </p:sp>
-      <p:pic>
-        <p:nvPicPr>
-          <p:cNvPr id="5" name="Объект 4">
-            <a:extLst>
-              <a:ext uri="{FF2B5EF4-FFF2-40B4-BE49-F238E27FC236}">
-                <a16:creationId xmlns:a16="http://schemas.microsoft.com/office/drawing/2014/main" id="{56D371A2-9B30-426A-BD62-D3D4E54EDD18}"/>
-              </a:ext>
-            </a:extLst>
-          </p:cNvPr>
-          <p:cNvPicPr>
-            <a:picLocks noGrp="1" noChangeAspect="1"/>
-          </p:cNvPicPr>
-          <p:nvPr>
-            <p:ph idx="1"/>
-          </p:nvPr>
-        </p:nvPicPr>
-        <p:blipFill>
-          <a:blip r:embed="rId2"/>
-          <a:stretch>
-            <a:fillRect/>
-          </a:stretch>
-        </p:blipFill>
-        <p:spPr>
-          <a:xfrm>
-            <a:off x="1066800" y="2014194"/>
-            <a:ext cx="6743700" cy="1209675"/>
-          </a:xfrm>
-          <a:prstGeom prst="rect">
-            <a:avLst/>
-          </a:prstGeom>
-        </p:spPr>
-      </p:pic>
-      <p:pic>
-        <p:nvPicPr>
-          <p:cNvPr id="6" name="Рисунок 5">
-            <a:extLst>
-              <a:ext uri="{FF2B5EF4-FFF2-40B4-BE49-F238E27FC236}">
-                <a16:creationId xmlns:a16="http://schemas.microsoft.com/office/drawing/2014/main" id="{2E71A351-0CC1-4D9A-9CD2-38E2CBD0CEA2}"/>
-              </a:ext>
-            </a:extLst>
-          </p:cNvPr>
-          <p:cNvPicPr>
-            <a:picLocks noChangeAspect="1"/>
-          </p:cNvPicPr>
-          <p:nvPr/>
-        </p:nvPicPr>
-        <p:blipFill>
-          <a:blip r:embed="rId3"/>
-          <a:stretch>
-            <a:fillRect/>
-          </a:stretch>
-        </p:blipFill>
-        <p:spPr>
-          <a:xfrm>
-            <a:off x="4810125" y="3920490"/>
-            <a:ext cx="4705350" cy="904875"/>
-          </a:xfrm>
-          <a:prstGeom prst="rect">
-            <a:avLst/>
-          </a:prstGeom>
-        </p:spPr>
-      </p:pic>
-    </p:spTree>
-    <p:extLst>
-      <p:ext uri="{BB962C8B-B14F-4D97-AF65-F5344CB8AC3E}">
-        <p14:creationId xmlns:p14="http://schemas.microsoft.com/office/powerpoint/2010/main" val="606133883"/>
-      </p:ext>
-    </p:extLst>
-  </p:cSld>
-  <p:clrMapOvr>
-    <a:masterClrMapping/>
-  </p:clrMapOvr>
-</p:sld>
-</file>
-
-<file path=ppt/slides/slide21.xml><?xml version="1.0" encoding="utf-8"?>
-<p:sld xmlns:a="http://schemas.openxmlformats.org/drawingml/2006/main" xmlns:r="http://schemas.openxmlformats.org/officeDocument/2006/relationships" xmlns:p="http://schemas.openxmlformats.org/presentationml/2006/main">
-  <p:cSld>
-    <p:spTree>
-      <p:nvGrpSpPr>
-        <p:cNvPr id="1" name=""/>
-        <p:cNvGrpSpPr/>
-        <p:nvPr/>
-      </p:nvGrpSpPr>
-      <p:grpSpPr>
-        <a:xfrm>
-          <a:off x="0" y="0"/>
-          <a:ext cx="0" cy="0"/>
-          <a:chOff x="0" y="0"/>
-          <a:chExt cx="0" cy="0"/>
-        </a:xfrm>
-      </p:grpSpPr>
-      <p:sp>
-        <p:nvSpPr>
-          <p:cNvPr id="2" name="Заголовок 1">
-            <a:extLst>
-              <a:ext uri="{FF2B5EF4-FFF2-40B4-BE49-F238E27FC236}">
-                <a16:creationId xmlns:a16="http://schemas.microsoft.com/office/drawing/2014/main" id="{70017D51-487A-4D1D-8721-F5483110D1F1}"/>
-              </a:ext>
-            </a:extLst>
-          </p:cNvPr>
-          <p:cNvSpPr>
-            <a:spLocks noGrp="1"/>
-          </p:cNvSpPr>
-          <p:nvPr>
-            <p:ph type="title"/>
-          </p:nvPr>
-        </p:nvSpPr>
-        <p:spPr/>
-        <p:txBody>
-          <a:bodyPr/>
-          <a:lstStyle/>
-          <a:p>
-            <a:pPr algn="ctr"/>
-            <a:r>
-              <a:rPr lang="en-US" dirty="0"/>
-              <a:t>Summary</a:t>
-            </a:r>
-            <a:endParaRPr lang="ru-RU" dirty="0"/>
-          </a:p>
-        </p:txBody>
-      </p:sp>
-      <p:sp>
-        <p:nvSpPr>
-          <p:cNvPr id="3" name="Объект 2">
-            <a:extLst>
-              <a:ext uri="{FF2B5EF4-FFF2-40B4-BE49-F238E27FC236}">
-                <a16:creationId xmlns:a16="http://schemas.microsoft.com/office/drawing/2014/main" id="{A35F8C2C-5EC5-4AFF-AE51-A1034E229DE1}"/>
-              </a:ext>
-            </a:extLst>
-          </p:cNvPr>
-          <p:cNvSpPr>
-            <a:spLocks noGrp="1"/>
-          </p:cNvSpPr>
-          <p:nvPr>
-            <p:ph idx="1"/>
-          </p:nvPr>
-        </p:nvSpPr>
-        <p:spPr/>
-        <p:txBody>
-          <a:bodyPr>
-            <a:normAutofit/>
-          </a:bodyPr>
-          <a:lstStyle/>
-          <a:p>
-            <a:r>
-              <a:rPr lang="en-US" sz="2000" dirty="0"/>
-              <a:t>This approach only works on images with same size and same face location</a:t>
-            </a:r>
-          </a:p>
-          <a:p>
-            <a:r>
-              <a:rPr lang="en-US" sz="2000" dirty="0"/>
-              <a:t>But on these images definitely works great (so cheap to store data and easy to implement)</a:t>
-            </a:r>
-            <a:endParaRPr lang="ru-RU" sz="2000" dirty="0"/>
-          </a:p>
-        </p:txBody>
-      </p:sp>
-    </p:spTree>
-    <p:extLst>
-      <p:ext uri="{BB962C8B-B14F-4D97-AF65-F5344CB8AC3E}">
-        <p14:creationId xmlns:p14="http://schemas.microsoft.com/office/powerpoint/2010/main" val="142579054"/>
-      </p:ext>
-    </p:extLst>
-  </p:cSld>
-  <p:clrMapOvr>
-    <a:masterClrMapping/>
-  </p:clrMapOvr>
-</p:sld>
-</file>
-
-<file path=ppt/slides/slide22.xml><?xml version="1.0" encoding="utf-8"?>
-<p:sld xmlns:a="http://schemas.openxmlformats.org/drawingml/2006/main" xmlns:r="http://schemas.openxmlformats.org/officeDocument/2006/relationships" xmlns:p="http://schemas.openxmlformats.org/presentationml/2006/main">
-  <p:cSld>
-    <p:spTree>
-      <p:nvGrpSpPr>
-        <p:cNvPr id="1" name=""/>
-        <p:cNvGrpSpPr/>
-        <p:nvPr/>
-      </p:nvGrpSpPr>
-      <p:grpSpPr>
-        <a:xfrm>
-          <a:off x="0" y="0"/>
-          <a:ext cx="0" cy="0"/>
-          <a:chOff x="0" y="0"/>
-          <a:chExt cx="0" cy="0"/>
-        </a:xfrm>
-      </p:grpSpPr>
-      <p:sp>
-        <p:nvSpPr>
-          <p:cNvPr id="2" name="Заголовок 1">
-            <a:extLst>
-              <a:ext uri="{FF2B5EF4-FFF2-40B4-BE49-F238E27FC236}">
-                <a16:creationId xmlns:a16="http://schemas.microsoft.com/office/drawing/2014/main" id="{C233E2CD-54EE-4770-A314-93B75251176A}"/>
-              </a:ext>
-            </a:extLst>
-          </p:cNvPr>
-          <p:cNvSpPr>
-            <a:spLocks noGrp="1"/>
-          </p:cNvSpPr>
-          <p:nvPr>
-            <p:ph type="title"/>
-          </p:nvPr>
-        </p:nvSpPr>
-        <p:spPr/>
-        <p:txBody>
-          <a:bodyPr/>
-          <a:lstStyle/>
-          <a:p>
-            <a:r>
-              <a:rPr lang="en-US" dirty="0"/>
-              <a:t>4) Let’s play with eigenvalues</a:t>
-            </a:r>
-            <a:endParaRPr lang="ru-RU" dirty="0"/>
-          </a:p>
-        </p:txBody>
-      </p:sp>
-      <p:pic>
-        <p:nvPicPr>
-          <p:cNvPr id="6" name="Объект 5">
-            <a:extLst>
-              <a:ext uri="{FF2B5EF4-FFF2-40B4-BE49-F238E27FC236}">
-                <a16:creationId xmlns:a16="http://schemas.microsoft.com/office/drawing/2014/main" id="{86D525F8-B147-4772-AAE7-8128689F2584}"/>
-              </a:ext>
-            </a:extLst>
-          </p:cNvPr>
-          <p:cNvPicPr>
-            <a:picLocks noGrp="1" noChangeAspect="1"/>
-          </p:cNvPicPr>
-          <p:nvPr>
-            <p:ph idx="1"/>
-          </p:nvPr>
-        </p:nvPicPr>
-        <p:blipFill>
-          <a:blip r:embed="rId2"/>
-          <a:stretch>
-            <a:fillRect/>
-          </a:stretch>
-        </p:blipFill>
-        <p:spPr>
-          <a:xfrm>
-            <a:off x="664845" y="2311717"/>
-            <a:ext cx="7448550" cy="3514725"/>
-          </a:xfrm>
-          <a:prstGeom prst="rect">
-            <a:avLst/>
-          </a:prstGeom>
-        </p:spPr>
-      </p:pic>
-      <p:pic>
-        <p:nvPicPr>
-          <p:cNvPr id="5" name="Рисунок 4">
-            <a:extLst>
-              <a:ext uri="{FF2B5EF4-FFF2-40B4-BE49-F238E27FC236}">
-                <a16:creationId xmlns:a16="http://schemas.microsoft.com/office/drawing/2014/main" id="{30E70085-DEA7-49C3-AE48-9F15BF26CF6E}"/>
-              </a:ext>
-            </a:extLst>
-          </p:cNvPr>
-          <p:cNvPicPr>
-            <a:picLocks noChangeAspect="1"/>
-          </p:cNvPicPr>
-          <p:nvPr/>
-        </p:nvPicPr>
-        <p:blipFill>
-          <a:blip r:embed="rId3"/>
-          <a:stretch>
-            <a:fillRect/>
-          </a:stretch>
-        </p:blipFill>
-        <p:spPr>
-          <a:xfrm>
-            <a:off x="7256794" y="2335636"/>
-            <a:ext cx="4342537" cy="3490806"/>
-          </a:xfrm>
-          <a:prstGeom prst="rect">
-            <a:avLst/>
-          </a:prstGeom>
-        </p:spPr>
-      </p:pic>
-    </p:spTree>
-    <p:extLst>
-      <p:ext uri="{BB962C8B-B14F-4D97-AF65-F5344CB8AC3E}">
-        <p14:creationId xmlns:p14="http://schemas.microsoft.com/office/powerpoint/2010/main" val="1317972420"/>
-      </p:ext>
-    </p:extLst>
-  </p:cSld>
-  <p:clrMapOvr>
-    <a:masterClrMapping/>
-  </p:clrMapOvr>
-</p:sld>
-</file>
-
-<file path=ppt/slides/slide23.xml><?xml version="1.0" encoding="utf-8"?>
-<p:sld xmlns:a="http://schemas.openxmlformats.org/drawingml/2006/main" xmlns:r="http://schemas.openxmlformats.org/officeDocument/2006/relationships" xmlns:p="http://schemas.openxmlformats.org/presentationml/2006/main">
-  <p:cSld>
-    <p:spTree>
-      <p:nvGrpSpPr>
-        <p:cNvPr id="1" name=""/>
-        <p:cNvGrpSpPr/>
-        <p:nvPr/>
-      </p:nvGrpSpPr>
-      <p:grpSpPr>
-        <a:xfrm>
-          <a:off x="0" y="0"/>
-          <a:ext cx="0" cy="0"/>
-          <a:chOff x="0" y="0"/>
-          <a:chExt cx="0" cy="0"/>
-        </a:xfrm>
-      </p:grpSpPr>
-      <p:sp>
-        <p:nvSpPr>
-          <p:cNvPr id="2" name="Заголовок 1">
-            <a:extLst>
-              <a:ext uri="{FF2B5EF4-FFF2-40B4-BE49-F238E27FC236}">
-                <a16:creationId xmlns:a16="http://schemas.microsoft.com/office/drawing/2014/main" id="{9C918B0F-BAB5-4156-984C-73F32353D73D}"/>
-              </a:ext>
-            </a:extLst>
-          </p:cNvPr>
-          <p:cNvSpPr>
-            <a:spLocks noGrp="1"/>
-          </p:cNvSpPr>
-          <p:nvPr>
-            <p:ph type="title"/>
-          </p:nvPr>
-        </p:nvSpPr>
-        <p:spPr/>
-        <p:txBody>
-          <a:bodyPr/>
-          <a:lstStyle/>
-          <a:p>
-            <a:pPr algn="ctr"/>
-            <a:r>
-              <a:rPr lang="en-US" dirty="0"/>
-              <a:t>Let’s play with eigenvalues</a:t>
-            </a:r>
-            <a:endParaRPr lang="ru-RU" dirty="0"/>
-          </a:p>
-        </p:txBody>
-      </p:sp>
-      <p:sp>
-        <p:nvSpPr>
-          <p:cNvPr id="3" name="Объект 2">
-            <a:extLst>
-              <a:ext uri="{FF2B5EF4-FFF2-40B4-BE49-F238E27FC236}">
-                <a16:creationId xmlns:a16="http://schemas.microsoft.com/office/drawing/2014/main" id="{66B31960-B17B-43D2-991D-AE569FD61878}"/>
-              </a:ext>
-            </a:extLst>
-          </p:cNvPr>
-          <p:cNvSpPr>
-            <a:spLocks noGrp="1"/>
-          </p:cNvSpPr>
-          <p:nvPr>
-            <p:ph idx="1"/>
-          </p:nvPr>
-        </p:nvSpPr>
-        <p:spPr/>
-        <p:txBody>
-          <a:bodyPr>
-            <a:normAutofit/>
-          </a:bodyPr>
-          <a:lstStyle/>
-          <a:p>
-            <a:r>
-              <a:rPr lang="en-US" sz="2000" dirty="0"/>
-              <a:t>Put some zeros, starting from the end of sigma matrix</a:t>
-            </a:r>
-          </a:p>
-          <a:p>
-            <a:r>
-              <a:rPr lang="en-US" sz="2000" dirty="0"/>
-              <a:t>Let’s call count of zeros as “</a:t>
-            </a:r>
-            <a:r>
-              <a:rPr lang="en-US" sz="2000" b="1" dirty="0" err="1"/>
-              <a:t>zeros_count</a:t>
-            </a:r>
-            <a:r>
-              <a:rPr lang="en-US" sz="2000" b="1" dirty="0"/>
-              <a:t>”</a:t>
-            </a:r>
-          </a:p>
-        </p:txBody>
-      </p:sp>
-    </p:spTree>
-    <p:extLst>
-      <p:ext uri="{BB962C8B-B14F-4D97-AF65-F5344CB8AC3E}">
-        <p14:creationId xmlns:p14="http://schemas.microsoft.com/office/powerpoint/2010/main" val="161254341"/>
-      </p:ext>
-    </p:extLst>
-  </p:cSld>
-  <p:clrMapOvr>
-    <a:masterClrMapping/>
-  </p:clrMapOvr>
-</p:sld>
-</file>
-
-<file path=ppt/slides/slide24.xml><?xml version="1.0" encoding="utf-8"?>
-<p:sld xmlns:a="http://schemas.openxmlformats.org/drawingml/2006/main" xmlns:r="http://schemas.openxmlformats.org/officeDocument/2006/relationships" xmlns:p="http://schemas.openxmlformats.org/presentationml/2006/main">
-  <p:cSld>
-    <p:spTree>
-      <p:nvGrpSpPr>
-        <p:cNvPr id="1" name=""/>
-        <p:cNvGrpSpPr/>
-        <p:nvPr/>
-      </p:nvGrpSpPr>
-      <p:grpSpPr>
-        <a:xfrm>
-          <a:off x="0" y="0"/>
-          <a:ext cx="0" cy="0"/>
-          <a:chOff x="0" y="0"/>
-          <a:chExt cx="0" cy="0"/>
-        </a:xfrm>
-      </p:grpSpPr>
-      <p:sp>
-        <p:nvSpPr>
-          <p:cNvPr id="2" name="Заголовок 1">
-            <a:extLst>
-              <a:ext uri="{FF2B5EF4-FFF2-40B4-BE49-F238E27FC236}">
-                <a16:creationId xmlns:a16="http://schemas.microsoft.com/office/drawing/2014/main" id="{D7B77D36-48A5-4DB3-A3EA-B53930EDEB4A}"/>
-              </a:ext>
-            </a:extLst>
-          </p:cNvPr>
-          <p:cNvSpPr>
-            <a:spLocks noGrp="1"/>
-          </p:cNvSpPr>
-          <p:nvPr>
-            <p:ph type="title"/>
-          </p:nvPr>
-        </p:nvSpPr>
-        <p:spPr/>
-        <p:txBody>
-          <a:bodyPr/>
-          <a:lstStyle/>
-          <a:p>
-            <a:pPr algn="ctr"/>
-            <a:r>
-              <a:rPr lang="en-US" dirty="0"/>
-              <a:t>Compare and see</a:t>
-            </a:r>
-            <a:endParaRPr lang="ru-RU" dirty="0"/>
-          </a:p>
-        </p:txBody>
-      </p:sp>
-      <p:sp>
-        <p:nvSpPr>
-          <p:cNvPr id="3" name="Текст 2">
-            <a:extLst>
-              <a:ext uri="{FF2B5EF4-FFF2-40B4-BE49-F238E27FC236}">
-                <a16:creationId xmlns:a16="http://schemas.microsoft.com/office/drawing/2014/main" id="{C9722BB1-F8D9-4377-9CB5-0EFA2D635C67}"/>
-              </a:ext>
-            </a:extLst>
-          </p:cNvPr>
-          <p:cNvSpPr>
-            <a:spLocks noGrp="1"/>
-          </p:cNvSpPr>
-          <p:nvPr>
-            <p:ph type="body" idx="1"/>
-          </p:nvPr>
-        </p:nvSpPr>
-        <p:spPr/>
-        <p:txBody>
-          <a:bodyPr/>
-          <a:lstStyle/>
-          <a:p>
-            <a:r>
-              <a:rPr lang="en-US" dirty="0" err="1"/>
-              <a:t>zeros_count</a:t>
-            </a:r>
-            <a:r>
-              <a:rPr lang="en-US" dirty="0"/>
-              <a:t> = 0</a:t>
-            </a:r>
-            <a:endParaRPr lang="ru-RU" dirty="0"/>
-          </a:p>
-        </p:txBody>
-      </p:sp>
-      <p:pic>
-        <p:nvPicPr>
-          <p:cNvPr id="8" name="Объект 7">
-            <a:extLst>
-              <a:ext uri="{FF2B5EF4-FFF2-40B4-BE49-F238E27FC236}">
-                <a16:creationId xmlns:a16="http://schemas.microsoft.com/office/drawing/2014/main" id="{6F31003D-D50D-4AD6-8941-93967E3EEF18}"/>
-              </a:ext>
-            </a:extLst>
-          </p:cNvPr>
-          <p:cNvPicPr>
-            <a:picLocks noGrp="1" noChangeAspect="1"/>
-          </p:cNvPicPr>
-          <p:nvPr>
-            <p:ph sz="half" idx="2"/>
-          </p:nvPr>
-        </p:nvPicPr>
-        <p:blipFill>
-          <a:blip r:embed="rId2"/>
-          <a:stretch>
-            <a:fillRect/>
-          </a:stretch>
-        </p:blipFill>
-        <p:spPr>
-          <a:xfrm>
-            <a:off x="1289597" y="2792413"/>
-            <a:ext cx="4224831" cy="3163887"/>
-          </a:xfrm>
-          <a:prstGeom prst="rect">
-            <a:avLst/>
-          </a:prstGeom>
-        </p:spPr>
-      </p:pic>
-      <p:sp>
-        <p:nvSpPr>
-          <p:cNvPr id="5" name="Текст 4">
-            <a:extLst>
-              <a:ext uri="{FF2B5EF4-FFF2-40B4-BE49-F238E27FC236}">
-                <a16:creationId xmlns:a16="http://schemas.microsoft.com/office/drawing/2014/main" id="{0EDA89D7-4474-4E7F-9EA4-EEE0E0A5851E}"/>
-              </a:ext>
-            </a:extLst>
-          </p:cNvPr>
-          <p:cNvSpPr>
-            <a:spLocks noGrp="1"/>
-          </p:cNvSpPr>
-          <p:nvPr>
-            <p:ph type="body" sz="quarter" idx="3"/>
-          </p:nvPr>
-        </p:nvSpPr>
-        <p:spPr/>
-        <p:txBody>
-          <a:bodyPr/>
-          <a:lstStyle/>
-          <a:p>
-            <a:r>
-              <a:rPr lang="en-US" dirty="0" err="1"/>
-              <a:t>zeros_count</a:t>
-            </a:r>
-            <a:r>
-              <a:rPr lang="en-US" dirty="0"/>
-              <a:t> = 200 </a:t>
-            </a:r>
-            <a:endParaRPr lang="ru-RU" dirty="0"/>
-          </a:p>
-        </p:txBody>
-      </p:sp>
-      <p:pic>
-        <p:nvPicPr>
-          <p:cNvPr id="12" name="Объект 11">
-            <a:extLst>
-              <a:ext uri="{FF2B5EF4-FFF2-40B4-BE49-F238E27FC236}">
-                <a16:creationId xmlns:a16="http://schemas.microsoft.com/office/drawing/2014/main" id="{5B9DE200-CF26-4045-BCB0-E9C17E72B194}"/>
-              </a:ext>
-            </a:extLst>
-          </p:cNvPr>
-          <p:cNvPicPr>
-            <a:picLocks noGrp="1" noChangeAspect="1"/>
-          </p:cNvPicPr>
-          <p:nvPr>
-            <p:ph sz="quarter" idx="4"/>
-          </p:nvPr>
-        </p:nvPicPr>
-        <p:blipFill>
-          <a:blip r:embed="rId3"/>
-          <a:stretch>
-            <a:fillRect/>
-          </a:stretch>
-        </p:blipFill>
-        <p:spPr>
-          <a:xfrm>
-            <a:off x="6458712" y="2762251"/>
-            <a:ext cx="3802297" cy="3163887"/>
-          </a:xfrm>
-          <a:prstGeom prst="rect">
-            <a:avLst/>
-          </a:prstGeom>
-        </p:spPr>
-      </p:pic>
-    </p:spTree>
-    <p:extLst>
-      <p:ext uri="{BB962C8B-B14F-4D97-AF65-F5344CB8AC3E}">
-        <p14:creationId xmlns:p14="http://schemas.microsoft.com/office/powerpoint/2010/main" val="3310418451"/>
-      </p:ext>
-    </p:extLst>
-  </p:cSld>
-  <p:clrMapOvr>
-    <a:masterClrMapping/>
-  </p:clrMapOvr>
-</p:sld>
-</file>
-
-<file path=ppt/slides/slide25.xml><?xml version="1.0" encoding="utf-8"?>
-<p:sld xmlns:a="http://schemas.openxmlformats.org/drawingml/2006/main" xmlns:r="http://schemas.openxmlformats.org/officeDocument/2006/relationships" xmlns:p="http://schemas.openxmlformats.org/presentationml/2006/main">
-  <p:cSld>
-    <p:spTree>
-      <p:nvGrpSpPr>
-        <p:cNvPr id="1" name=""/>
-        <p:cNvGrpSpPr/>
-        <p:nvPr/>
-      </p:nvGrpSpPr>
-      <p:grpSpPr>
-        <a:xfrm>
-          <a:off x="0" y="0"/>
-          <a:ext cx="0" cy="0"/>
-          <a:chOff x="0" y="0"/>
-          <a:chExt cx="0" cy="0"/>
-        </a:xfrm>
-      </p:grpSpPr>
-      <p:sp>
-        <p:nvSpPr>
-          <p:cNvPr id="2" name="Заголовок 1">
-            <a:extLst>
-              <a:ext uri="{FF2B5EF4-FFF2-40B4-BE49-F238E27FC236}">
-                <a16:creationId xmlns:a16="http://schemas.microsoft.com/office/drawing/2014/main" id="{49040668-3F31-423F-ACB5-4A2AE1635AA7}"/>
-              </a:ext>
-            </a:extLst>
-          </p:cNvPr>
-          <p:cNvSpPr>
-            <a:spLocks noGrp="1"/>
-          </p:cNvSpPr>
-          <p:nvPr>
-            <p:ph type="title"/>
-          </p:nvPr>
-        </p:nvSpPr>
-        <p:spPr/>
-        <p:txBody>
-          <a:bodyPr/>
-          <a:lstStyle/>
-          <a:p>
-            <a:pPr algn="ctr"/>
-            <a:r>
-              <a:rPr lang="en-US" dirty="0"/>
-              <a:t>Compare and see</a:t>
-            </a:r>
-            <a:endParaRPr lang="ru-RU" dirty="0"/>
-          </a:p>
-        </p:txBody>
-      </p:sp>
-      <p:sp>
-        <p:nvSpPr>
-          <p:cNvPr id="3" name="Текст 2">
-            <a:extLst>
-              <a:ext uri="{FF2B5EF4-FFF2-40B4-BE49-F238E27FC236}">
-                <a16:creationId xmlns:a16="http://schemas.microsoft.com/office/drawing/2014/main" id="{3DF8A005-0B70-4217-BE8D-7B98D7C4B533}"/>
-              </a:ext>
-            </a:extLst>
-          </p:cNvPr>
-          <p:cNvSpPr>
-            <a:spLocks noGrp="1"/>
-          </p:cNvSpPr>
-          <p:nvPr>
-            <p:ph type="body" idx="1"/>
-          </p:nvPr>
-        </p:nvSpPr>
-        <p:spPr/>
-        <p:txBody>
-          <a:bodyPr/>
-          <a:lstStyle/>
-          <a:p>
-            <a:r>
-              <a:rPr lang="en-US" dirty="0" err="1"/>
-              <a:t>zeros_count</a:t>
-            </a:r>
-            <a:r>
-              <a:rPr lang="en-US" dirty="0"/>
-              <a:t> = 320</a:t>
-            </a:r>
-            <a:endParaRPr lang="ru-RU" dirty="0"/>
-          </a:p>
-        </p:txBody>
-      </p:sp>
-      <p:pic>
-        <p:nvPicPr>
-          <p:cNvPr id="8" name="Объект 7">
-            <a:extLst>
-              <a:ext uri="{FF2B5EF4-FFF2-40B4-BE49-F238E27FC236}">
-                <a16:creationId xmlns:a16="http://schemas.microsoft.com/office/drawing/2014/main" id="{F7F9AC74-3351-4E06-95C5-596EC1D50C2C}"/>
-              </a:ext>
-            </a:extLst>
-          </p:cNvPr>
-          <p:cNvPicPr>
-            <a:picLocks noGrp="1" noChangeAspect="1"/>
-          </p:cNvPicPr>
-          <p:nvPr>
-            <p:ph sz="half" idx="2"/>
-          </p:nvPr>
-        </p:nvPicPr>
-        <p:blipFill>
-          <a:blip r:embed="rId2"/>
-          <a:stretch>
-            <a:fillRect/>
-          </a:stretch>
-        </p:blipFill>
-        <p:spPr>
-          <a:xfrm>
-            <a:off x="1222132" y="2792413"/>
-            <a:ext cx="4359760" cy="3163887"/>
-          </a:xfrm>
-          <a:prstGeom prst="rect">
-            <a:avLst/>
-          </a:prstGeom>
-        </p:spPr>
-      </p:pic>
-      <p:sp>
-        <p:nvSpPr>
-          <p:cNvPr id="5" name="Текст 4">
-            <a:extLst>
-              <a:ext uri="{FF2B5EF4-FFF2-40B4-BE49-F238E27FC236}">
-                <a16:creationId xmlns:a16="http://schemas.microsoft.com/office/drawing/2014/main" id="{062CB68A-5B7D-4BC4-817A-B0A5923E1441}"/>
-              </a:ext>
-            </a:extLst>
-          </p:cNvPr>
-          <p:cNvSpPr>
-            <a:spLocks noGrp="1"/>
-          </p:cNvSpPr>
-          <p:nvPr>
-            <p:ph type="body" sz="quarter" idx="3"/>
-          </p:nvPr>
-        </p:nvSpPr>
-        <p:spPr/>
-        <p:txBody>
-          <a:bodyPr/>
-          <a:lstStyle/>
-          <a:p>
-            <a:r>
-              <a:rPr lang="en-US" dirty="0" err="1"/>
-              <a:t>zeros_count</a:t>
-            </a:r>
-            <a:r>
-              <a:rPr lang="en-US" dirty="0"/>
-              <a:t> = 340</a:t>
-            </a:r>
-            <a:endParaRPr lang="ru-RU" dirty="0"/>
-          </a:p>
-        </p:txBody>
-      </p:sp>
-      <p:pic>
-        <p:nvPicPr>
-          <p:cNvPr id="9" name="Объект 8">
-            <a:extLst>
-              <a:ext uri="{FF2B5EF4-FFF2-40B4-BE49-F238E27FC236}">
-                <a16:creationId xmlns:a16="http://schemas.microsoft.com/office/drawing/2014/main" id="{92890A38-B08A-43BC-B051-94821D0B6BFD}"/>
-              </a:ext>
-            </a:extLst>
-          </p:cNvPr>
-          <p:cNvPicPr>
-            <a:picLocks noGrp="1" noChangeAspect="1"/>
-          </p:cNvPicPr>
-          <p:nvPr>
-            <p:ph sz="quarter" idx="4"/>
-          </p:nvPr>
-        </p:nvPicPr>
-        <p:blipFill>
-          <a:blip r:embed="rId3"/>
-          <a:stretch>
-            <a:fillRect/>
-          </a:stretch>
-        </p:blipFill>
-        <p:spPr>
-          <a:xfrm>
-            <a:off x="6458712" y="2774554"/>
-            <a:ext cx="4105275" cy="3124200"/>
-          </a:xfrm>
-          <a:prstGeom prst="rect">
-            <a:avLst/>
-          </a:prstGeom>
-        </p:spPr>
-      </p:pic>
-    </p:spTree>
-    <p:extLst>
-      <p:ext uri="{BB962C8B-B14F-4D97-AF65-F5344CB8AC3E}">
-        <p14:creationId xmlns:p14="http://schemas.microsoft.com/office/powerpoint/2010/main" val="325413948"/>
-      </p:ext>
-    </p:extLst>
-  </p:cSld>
-  <p:clrMapOvr>
-    <a:masterClrMapping/>
-  </p:clrMapOvr>
-</p:sld>
-</file>
-
-<file path=ppt/slides/slide26.xml><?xml version="1.0" encoding="utf-8"?>
-<p:sld xmlns:a="http://schemas.openxmlformats.org/drawingml/2006/main" xmlns:r="http://schemas.openxmlformats.org/officeDocument/2006/relationships" xmlns:p="http://schemas.openxmlformats.org/presentationml/2006/main">
-  <p:cSld>
-    <p:spTree>
-      <p:nvGrpSpPr>
-        <p:cNvPr id="1" name=""/>
-        <p:cNvGrpSpPr/>
-        <p:nvPr/>
-      </p:nvGrpSpPr>
-      <p:grpSpPr>
-        <a:xfrm>
-          <a:off x="0" y="0"/>
-          <a:ext cx="0" cy="0"/>
-          <a:chOff x="0" y="0"/>
-          <a:chExt cx="0" cy="0"/>
-        </a:xfrm>
-      </p:grpSpPr>
-      <p:sp>
-        <p:nvSpPr>
-          <p:cNvPr id="2" name="Заголовок 1">
-            <a:extLst>
-              <a:ext uri="{FF2B5EF4-FFF2-40B4-BE49-F238E27FC236}">
-                <a16:creationId xmlns:a16="http://schemas.microsoft.com/office/drawing/2014/main" id="{63B7C31C-BCEB-4285-8FCA-006F24D3BDB7}"/>
-              </a:ext>
-            </a:extLst>
-          </p:cNvPr>
-          <p:cNvSpPr>
-            <a:spLocks noGrp="1"/>
-          </p:cNvSpPr>
-          <p:nvPr>
-            <p:ph type="title"/>
-          </p:nvPr>
-        </p:nvSpPr>
-        <p:spPr/>
-        <p:txBody>
-          <a:bodyPr/>
-          <a:lstStyle/>
-          <a:p>
-            <a:pPr algn="ctr"/>
-            <a:r>
-              <a:rPr lang="en-US" dirty="0" err="1"/>
-              <a:t>zeros_count</a:t>
-            </a:r>
-            <a:r>
-              <a:rPr lang="en-US" dirty="0"/>
-              <a:t> = 357 </a:t>
-            </a:r>
-            <a:endParaRPr lang="ru-RU" dirty="0"/>
-          </a:p>
-        </p:txBody>
-      </p:sp>
-      <p:pic>
-        <p:nvPicPr>
-          <p:cNvPr id="4" name="Рисунок 3">
-            <a:extLst>
-              <a:ext uri="{FF2B5EF4-FFF2-40B4-BE49-F238E27FC236}">
-                <a16:creationId xmlns:a16="http://schemas.microsoft.com/office/drawing/2014/main" id="{1414A54B-DD05-4296-A14B-159747243089}"/>
-              </a:ext>
-            </a:extLst>
-          </p:cNvPr>
-          <p:cNvPicPr>
-            <a:picLocks noChangeAspect="1"/>
-          </p:cNvPicPr>
-          <p:nvPr/>
-        </p:nvPicPr>
-        <p:blipFill>
-          <a:blip r:embed="rId2"/>
-          <a:stretch>
-            <a:fillRect/>
-          </a:stretch>
-        </p:blipFill>
-        <p:spPr>
-          <a:xfrm>
-            <a:off x="4090987" y="2014194"/>
-            <a:ext cx="4010025" cy="3057525"/>
-          </a:xfrm>
-          <a:prstGeom prst="rect">
-            <a:avLst/>
-          </a:prstGeom>
-        </p:spPr>
-      </p:pic>
-    </p:spTree>
-    <p:extLst>
-      <p:ext uri="{BB962C8B-B14F-4D97-AF65-F5344CB8AC3E}">
-        <p14:creationId xmlns:p14="http://schemas.microsoft.com/office/powerpoint/2010/main" val="3692288750"/>
-      </p:ext>
-    </p:extLst>
-  </p:cSld>
-  <p:clrMapOvr>
-    <a:masterClrMapping/>
-  </p:clrMapOvr>
-</p:sld>
-</file>
-
-<file path=ppt/slides/slide27.xml><?xml version="1.0" encoding="utf-8"?>
-<p:sld xmlns:a="http://schemas.openxmlformats.org/drawingml/2006/main" xmlns:r="http://schemas.openxmlformats.org/officeDocument/2006/relationships" xmlns:p="http://schemas.openxmlformats.org/presentationml/2006/main">
-  <p:cSld>
-    <p:spTree>
-      <p:nvGrpSpPr>
-        <p:cNvPr id="1" name=""/>
-        <p:cNvGrpSpPr/>
-        <p:nvPr/>
-      </p:nvGrpSpPr>
-      <p:grpSpPr>
-        <a:xfrm>
-          <a:off x="0" y="0"/>
-          <a:ext cx="0" cy="0"/>
-          <a:chOff x="0" y="0"/>
-          <a:chExt cx="0" cy="0"/>
-        </a:xfrm>
-      </p:grpSpPr>
-      <p:sp>
-        <p:nvSpPr>
-          <p:cNvPr id="2" name="Заголовок 1">
-            <a:extLst>
-              <a:ext uri="{FF2B5EF4-FFF2-40B4-BE49-F238E27FC236}">
-                <a16:creationId xmlns:a16="http://schemas.microsoft.com/office/drawing/2014/main" id="{F7AA84E9-0932-4898-8A1B-4B2CF53B95D1}"/>
-              </a:ext>
-            </a:extLst>
-          </p:cNvPr>
-          <p:cNvSpPr>
-            <a:spLocks noGrp="1"/>
-          </p:cNvSpPr>
-          <p:nvPr>
-            <p:ph type="title"/>
-          </p:nvPr>
-        </p:nvSpPr>
-        <p:spPr>
-          <a:xfrm>
-            <a:off x="1066800" y="623544"/>
-            <a:ext cx="10058400" cy="1371600"/>
-          </a:xfrm>
-        </p:spPr>
-        <p:txBody>
-          <a:bodyPr/>
-          <a:lstStyle/>
-          <a:p>
-            <a:r>
-              <a:rPr lang="en-US" dirty="0"/>
-              <a:t>	What about changing values?</a:t>
-            </a:r>
-            <a:endParaRPr lang="ru-RU" dirty="0"/>
-          </a:p>
-        </p:txBody>
-      </p:sp>
-      <p:pic>
-        <p:nvPicPr>
-          <p:cNvPr id="5" name="Объект 4">
-            <a:extLst>
-              <a:ext uri="{FF2B5EF4-FFF2-40B4-BE49-F238E27FC236}">
-                <a16:creationId xmlns:a16="http://schemas.microsoft.com/office/drawing/2014/main" id="{A08CA00F-CFB7-44C9-A9FA-ED687A04DA29}"/>
-              </a:ext>
-            </a:extLst>
-          </p:cNvPr>
-          <p:cNvPicPr>
-            <a:picLocks noGrp="1" noChangeAspect="1"/>
-          </p:cNvPicPr>
-          <p:nvPr>
-            <p:ph idx="1"/>
-          </p:nvPr>
-        </p:nvPicPr>
-        <p:blipFill>
-          <a:blip r:embed="rId2"/>
-          <a:stretch>
-            <a:fillRect/>
-          </a:stretch>
-        </p:blipFill>
-        <p:spPr>
-          <a:xfrm>
-            <a:off x="785812" y="2433942"/>
-            <a:ext cx="3990975" cy="3181350"/>
-          </a:xfrm>
-          <a:prstGeom prst="rect">
-            <a:avLst/>
-          </a:prstGeom>
-        </p:spPr>
-      </p:pic>
-      <p:sp>
-        <p:nvSpPr>
-          <p:cNvPr id="6" name="TextBox 5">
-            <a:extLst>
-              <a:ext uri="{FF2B5EF4-FFF2-40B4-BE49-F238E27FC236}">
-                <a16:creationId xmlns:a16="http://schemas.microsoft.com/office/drawing/2014/main" id="{9B8CD6E0-A5DB-486A-8A86-BCE09CA0215C}"/>
-              </a:ext>
-            </a:extLst>
-          </p:cNvPr>
-          <p:cNvSpPr txBox="1"/>
-          <p:nvPr/>
-        </p:nvSpPr>
-        <p:spPr>
-          <a:xfrm>
-            <a:off x="863599" y="1828800"/>
-            <a:ext cx="3913187" cy="646331"/>
-          </a:xfrm>
-          <a:prstGeom prst="rect">
-            <a:avLst/>
-          </a:prstGeom>
-          <a:noFill/>
-        </p:spPr>
-        <p:txBody>
-          <a:bodyPr wrap="square" rtlCol="0">
-            <a:spAutoFit/>
-          </a:bodyPr>
-          <a:lstStyle/>
-          <a:p>
-            <a:r>
-              <a:rPr lang="en-US" dirty="0"/>
-              <a:t>Changed first singular value to 10 in all channels</a:t>
-            </a:r>
-            <a:endParaRPr lang="ru-RU" dirty="0"/>
-          </a:p>
-        </p:txBody>
-      </p:sp>
-      <p:pic>
-        <p:nvPicPr>
-          <p:cNvPr id="7" name="Рисунок 6">
-            <a:extLst>
-              <a:ext uri="{FF2B5EF4-FFF2-40B4-BE49-F238E27FC236}">
-                <a16:creationId xmlns:a16="http://schemas.microsoft.com/office/drawing/2014/main" id="{EAF769A4-93FD-47ED-B3D5-89228833D0C6}"/>
-              </a:ext>
-            </a:extLst>
-          </p:cNvPr>
-          <p:cNvPicPr>
-            <a:picLocks noChangeAspect="1"/>
-          </p:cNvPicPr>
-          <p:nvPr/>
-        </p:nvPicPr>
-        <p:blipFill>
-          <a:blip r:embed="rId3"/>
-          <a:stretch>
-            <a:fillRect/>
-          </a:stretch>
-        </p:blipFill>
-        <p:spPr>
-          <a:xfrm>
-            <a:off x="6316026" y="2414892"/>
-            <a:ext cx="4010025" cy="3200400"/>
-          </a:xfrm>
-          <a:prstGeom prst="rect">
-            <a:avLst/>
-          </a:prstGeom>
-        </p:spPr>
-      </p:pic>
-      <p:sp>
-        <p:nvSpPr>
-          <p:cNvPr id="8" name="TextBox 7">
-            <a:extLst>
-              <a:ext uri="{FF2B5EF4-FFF2-40B4-BE49-F238E27FC236}">
-                <a16:creationId xmlns:a16="http://schemas.microsoft.com/office/drawing/2014/main" id="{9898FEAF-AE7A-4503-AB67-204FA59F96F2}"/>
-              </a:ext>
-            </a:extLst>
-          </p:cNvPr>
-          <p:cNvSpPr txBox="1"/>
-          <p:nvPr/>
-        </p:nvSpPr>
-        <p:spPr>
-          <a:xfrm>
-            <a:off x="6316026" y="1787611"/>
-            <a:ext cx="3913187" cy="646331"/>
-          </a:xfrm>
-          <a:prstGeom prst="rect">
-            <a:avLst/>
-          </a:prstGeom>
-          <a:noFill/>
-        </p:spPr>
-        <p:txBody>
-          <a:bodyPr wrap="square" rtlCol="0">
-            <a:spAutoFit/>
-          </a:bodyPr>
-          <a:lstStyle/>
-          <a:p>
-            <a:r>
-              <a:rPr lang="en-US" dirty="0"/>
-              <a:t>Changed first singular value to 1000 in all channels</a:t>
-            </a:r>
-            <a:endParaRPr lang="ru-RU" dirty="0"/>
-          </a:p>
-        </p:txBody>
-      </p:sp>
-    </p:spTree>
-    <p:extLst>
-      <p:ext uri="{BB962C8B-B14F-4D97-AF65-F5344CB8AC3E}">
-        <p14:creationId xmlns:p14="http://schemas.microsoft.com/office/powerpoint/2010/main" val="2758789840"/>
-      </p:ext>
-    </p:extLst>
-  </p:cSld>
-  <p:clrMapOvr>
-    <a:masterClrMapping/>
-  </p:clrMapOvr>
-</p:sld>
-</file>
-
-<file path=ppt/slides/slide28.xml><?xml version="1.0" encoding="utf-8"?>
-<p:sld xmlns:a="http://schemas.openxmlformats.org/drawingml/2006/main" xmlns:r="http://schemas.openxmlformats.org/officeDocument/2006/relationships" xmlns:p="http://schemas.openxmlformats.org/presentationml/2006/main">
-  <p:cSld>
-    <p:spTree>
-      <p:nvGrpSpPr>
-        <p:cNvPr id="1" name=""/>
-        <p:cNvGrpSpPr/>
-        <p:nvPr/>
-      </p:nvGrpSpPr>
-      <p:grpSpPr>
-        <a:xfrm>
-          <a:off x="0" y="0"/>
-          <a:ext cx="0" cy="0"/>
-          <a:chOff x="0" y="0"/>
-          <a:chExt cx="0" cy="0"/>
-        </a:xfrm>
-      </p:grpSpPr>
-      <p:sp>
-        <p:nvSpPr>
-          <p:cNvPr id="2" name="Заголовок 1">
-            <a:extLst>
-              <a:ext uri="{FF2B5EF4-FFF2-40B4-BE49-F238E27FC236}">
-                <a16:creationId xmlns:a16="http://schemas.microsoft.com/office/drawing/2014/main" id="{932DEB51-2C9B-4402-A848-DF035FE6E83C}"/>
-              </a:ext>
-            </a:extLst>
-          </p:cNvPr>
-          <p:cNvSpPr>
-            <a:spLocks noGrp="1"/>
-          </p:cNvSpPr>
-          <p:nvPr>
-            <p:ph type="title"/>
-          </p:nvPr>
-        </p:nvSpPr>
-        <p:spPr/>
-        <p:txBody>
-          <a:bodyPr/>
-          <a:lstStyle/>
-          <a:p>
-            <a:pPr algn="ctr"/>
-            <a:r>
-              <a:rPr lang="en-US" dirty="0"/>
-              <a:t>What about changing values?</a:t>
-            </a:r>
-            <a:endParaRPr lang="ru-RU" dirty="0"/>
-          </a:p>
-        </p:txBody>
-      </p:sp>
-      <p:sp>
-        <p:nvSpPr>
-          <p:cNvPr id="7" name="TextBox 6">
-            <a:extLst>
-              <a:ext uri="{FF2B5EF4-FFF2-40B4-BE49-F238E27FC236}">
-                <a16:creationId xmlns:a16="http://schemas.microsoft.com/office/drawing/2014/main" id="{DEF995FD-967C-40E4-A971-AC1C1E707F57}"/>
-              </a:ext>
-            </a:extLst>
-          </p:cNvPr>
-          <p:cNvSpPr txBox="1"/>
-          <p:nvPr/>
-        </p:nvSpPr>
-        <p:spPr>
-          <a:xfrm>
-            <a:off x="7256794" y="2029970"/>
-            <a:ext cx="3190875" cy="369332"/>
-          </a:xfrm>
-          <a:prstGeom prst="rect">
-            <a:avLst/>
-          </a:prstGeom>
-          <a:noFill/>
-        </p:spPr>
-        <p:txBody>
-          <a:bodyPr wrap="square" rtlCol="0">
-            <a:spAutoFit/>
-          </a:bodyPr>
-          <a:lstStyle/>
-          <a:p>
-            <a:r>
-              <a:rPr lang="en-US" dirty="0"/>
-              <a:t>Changed 25th value to 10</a:t>
-            </a:r>
-            <a:endParaRPr lang="ru-RU" dirty="0"/>
-          </a:p>
-        </p:txBody>
-      </p:sp>
-      <p:pic>
-        <p:nvPicPr>
-          <p:cNvPr id="8" name="Рисунок 7">
-            <a:extLst>
-              <a:ext uri="{FF2B5EF4-FFF2-40B4-BE49-F238E27FC236}">
-                <a16:creationId xmlns:a16="http://schemas.microsoft.com/office/drawing/2014/main" id="{0F063FE3-3D94-4F42-9112-F698CEB145D4}"/>
-              </a:ext>
-            </a:extLst>
-          </p:cNvPr>
-          <p:cNvPicPr>
-            <a:picLocks noChangeAspect="1"/>
-          </p:cNvPicPr>
-          <p:nvPr/>
-        </p:nvPicPr>
-        <p:blipFill>
-          <a:blip r:embed="rId2"/>
-          <a:stretch>
-            <a:fillRect/>
-          </a:stretch>
-        </p:blipFill>
-        <p:spPr>
-          <a:xfrm>
-            <a:off x="1320164" y="2663468"/>
-            <a:ext cx="3190875" cy="2828925"/>
-          </a:xfrm>
-          <a:prstGeom prst="rect">
-            <a:avLst/>
-          </a:prstGeom>
-        </p:spPr>
-      </p:pic>
-      <p:pic>
-        <p:nvPicPr>
-          <p:cNvPr id="10" name="Рисунок 9">
-            <a:extLst>
-              <a:ext uri="{FF2B5EF4-FFF2-40B4-BE49-F238E27FC236}">
-                <a16:creationId xmlns:a16="http://schemas.microsoft.com/office/drawing/2014/main" id="{C3A033E3-9595-4BD5-B947-C1AF7C4DC0DA}"/>
-              </a:ext>
-            </a:extLst>
-          </p:cNvPr>
-          <p:cNvPicPr>
-            <a:picLocks noChangeAspect="1"/>
-          </p:cNvPicPr>
-          <p:nvPr/>
-        </p:nvPicPr>
-        <p:blipFill>
-          <a:blip r:embed="rId3"/>
-          <a:stretch>
-            <a:fillRect/>
-          </a:stretch>
-        </p:blipFill>
-        <p:spPr>
-          <a:xfrm>
-            <a:off x="7256794" y="2663468"/>
-            <a:ext cx="3190875" cy="2828925"/>
-          </a:xfrm>
-          <a:prstGeom prst="rect">
-            <a:avLst/>
-          </a:prstGeom>
-        </p:spPr>
-      </p:pic>
-      <p:sp>
-        <p:nvSpPr>
-          <p:cNvPr id="11" name="TextBox 10">
-            <a:extLst>
-              <a:ext uri="{FF2B5EF4-FFF2-40B4-BE49-F238E27FC236}">
-                <a16:creationId xmlns:a16="http://schemas.microsoft.com/office/drawing/2014/main" id="{5C0D3F17-DB05-42E5-A8A2-8EE06B898BA1}"/>
-              </a:ext>
-            </a:extLst>
-          </p:cNvPr>
-          <p:cNvSpPr txBox="1"/>
-          <p:nvPr/>
-        </p:nvSpPr>
-        <p:spPr>
-          <a:xfrm>
-            <a:off x="1442719" y="2029970"/>
-            <a:ext cx="3068320" cy="382012"/>
-          </a:xfrm>
-          <a:prstGeom prst="rect">
-            <a:avLst/>
-          </a:prstGeom>
-          <a:noFill/>
-        </p:spPr>
-        <p:txBody>
-          <a:bodyPr wrap="square" rtlCol="0">
-            <a:spAutoFit/>
-          </a:bodyPr>
-          <a:lstStyle/>
-          <a:p>
-            <a:r>
-              <a:rPr lang="en-US" dirty="0"/>
-              <a:t>Changed 5th value to 10</a:t>
-            </a:r>
-            <a:endParaRPr lang="ru-RU" dirty="0"/>
-          </a:p>
-        </p:txBody>
-      </p:sp>
-    </p:spTree>
-    <p:extLst>
-      <p:ext uri="{BB962C8B-B14F-4D97-AF65-F5344CB8AC3E}">
-        <p14:creationId xmlns:p14="http://schemas.microsoft.com/office/powerpoint/2010/main" val="1518756968"/>
-      </p:ext>
-    </p:extLst>
-  </p:cSld>
-  <p:clrMapOvr>
-    <a:masterClrMapping/>
-  </p:clrMapOvr>
-</p:sld>
-</file>
-
-<file path=ppt/slides/slide29.xml><?xml version="1.0" encoding="utf-8"?>
-<p:sld xmlns:a="http://schemas.openxmlformats.org/drawingml/2006/main" xmlns:r="http://schemas.openxmlformats.org/officeDocument/2006/relationships" xmlns:p="http://schemas.openxmlformats.org/presentationml/2006/main">
-  <p:cSld>
-    <p:spTree>
-      <p:nvGrpSpPr>
-        <p:cNvPr id="1" name=""/>
-        <p:cNvGrpSpPr/>
-        <p:nvPr/>
-      </p:nvGrpSpPr>
-      <p:grpSpPr>
-        <a:xfrm>
-          <a:off x="0" y="0"/>
-          <a:ext cx="0" cy="0"/>
-          <a:chOff x="0" y="0"/>
-          <a:chExt cx="0" cy="0"/>
-        </a:xfrm>
-      </p:grpSpPr>
-      <p:sp>
-        <p:nvSpPr>
-          <p:cNvPr id="2" name="Заголовок 1">
-            <a:extLst>
-              <a:ext uri="{FF2B5EF4-FFF2-40B4-BE49-F238E27FC236}">
-                <a16:creationId xmlns:a16="http://schemas.microsoft.com/office/drawing/2014/main" id="{BB2C11D6-6D3E-4A0B-A36D-3168D02E20C9}"/>
-              </a:ext>
-            </a:extLst>
-          </p:cNvPr>
-          <p:cNvSpPr>
-            <a:spLocks noGrp="1"/>
-          </p:cNvSpPr>
-          <p:nvPr>
-            <p:ph type="title"/>
-          </p:nvPr>
-        </p:nvSpPr>
-        <p:spPr/>
-        <p:txBody>
-          <a:bodyPr/>
-          <a:lstStyle/>
-          <a:p>
-            <a:pPr algn="ctr"/>
-            <a:r>
-              <a:rPr lang="en-US" dirty="0"/>
-              <a:t>Summary</a:t>
-            </a:r>
-            <a:endParaRPr lang="ru-RU" dirty="0"/>
-          </a:p>
-        </p:txBody>
-      </p:sp>
-      <p:sp>
-        <p:nvSpPr>
-          <p:cNvPr id="3" name="Объект 2">
-            <a:extLst>
-              <a:ext uri="{FF2B5EF4-FFF2-40B4-BE49-F238E27FC236}">
-                <a16:creationId xmlns:a16="http://schemas.microsoft.com/office/drawing/2014/main" id="{1E3D8EFE-422F-4295-BD6C-5B67AA09B5A3}"/>
-              </a:ext>
-            </a:extLst>
-          </p:cNvPr>
-          <p:cNvSpPr>
-            <a:spLocks noGrp="1"/>
-          </p:cNvSpPr>
-          <p:nvPr>
-            <p:ph idx="1"/>
-          </p:nvPr>
-        </p:nvSpPr>
-        <p:spPr/>
-        <p:txBody>
-          <a:bodyPr/>
-          <a:lstStyle/>
-          <a:p>
-            <a:r>
-              <a:rPr lang="en-US" sz="2000" dirty="0"/>
-              <a:t>The most important values are located in the beginning of sigma</a:t>
-            </a:r>
-          </a:p>
-          <a:p>
-            <a:r>
-              <a:rPr lang="en-US" sz="2000" dirty="0"/>
-              <a:t>We can usually truncate up to 90% of singular values and image still will be recognizable</a:t>
-            </a:r>
-          </a:p>
-          <a:p>
-            <a:endParaRPr lang="ru-RU" dirty="0"/>
-          </a:p>
-        </p:txBody>
-      </p:sp>
-    </p:spTree>
-    <p:extLst>
-      <p:ext uri="{BB962C8B-B14F-4D97-AF65-F5344CB8AC3E}">
-        <p14:creationId xmlns:p14="http://schemas.microsoft.com/office/powerpoint/2010/main" val="405211532"/>
-      </p:ext>
-    </p:extLst>
-  </p:cSld>
-  <p:clrMapOvr>
-    <a:masterClrMapping/>
-  </p:clrMapOvr>
-</p:sld>
-</file>
-
-<file path=ppt/slides/slide3.xml><?xml version="1.0" encoding="utf-8"?>
-<p:sld xmlns:a="http://schemas.openxmlformats.org/drawingml/2006/main" xmlns:r="http://schemas.openxmlformats.org/officeDocument/2006/relationships" xmlns:p="http://schemas.openxmlformats.org/presentationml/2006/main">
-  <p:cSld>
-    <p:spTree>
-      <p:nvGrpSpPr>
-        <p:cNvPr id="1" name=""/>
-        <p:cNvGrpSpPr/>
-        <p:nvPr/>
-      </p:nvGrpSpPr>
-      <p:grpSpPr>
-        <a:xfrm>
-          <a:off x="0" y="0"/>
-          <a:ext cx="0" cy="0"/>
-          <a:chOff x="0" y="0"/>
-          <a:chExt cx="0" cy="0"/>
-        </a:xfrm>
-      </p:grpSpPr>
-      <p:sp>
-        <p:nvSpPr>
-          <p:cNvPr id="2" name="Заголовок 1">
-            <a:extLst>
-              <a:ext uri="{FF2B5EF4-FFF2-40B4-BE49-F238E27FC236}">
-                <a16:creationId xmlns:a16="http://schemas.microsoft.com/office/drawing/2014/main" id="{7A4919D0-F177-4BBA-9A0B-DBA69E2ED764}"/>
-              </a:ext>
-            </a:extLst>
-          </p:cNvPr>
-          <p:cNvSpPr>
-            <a:spLocks noGrp="1"/>
-          </p:cNvSpPr>
-          <p:nvPr>
-            <p:ph type="title"/>
-          </p:nvPr>
-        </p:nvSpPr>
-        <p:spPr>
-          <a:xfrm>
-            <a:off x="8458200" y="607392"/>
-            <a:ext cx="3161963" cy="1645920"/>
-          </a:xfrm>
-        </p:spPr>
-        <p:txBody>
-          <a:bodyPr rtlCol="0" anchor="b">
-            <a:normAutofit/>
-          </a:bodyPr>
-          <a:lstStyle/>
-          <a:p>
-            <a:r>
-              <a:rPr lang="en-US" dirty="0"/>
-              <a:t>Our tasks:</a:t>
-            </a:r>
-            <a:endParaRPr lang="ru" dirty="0"/>
-          </a:p>
-        </p:txBody>
-      </p:sp>
-      <mc:AlternateContent xmlns:mc="http://schemas.openxmlformats.org/markup-compatibility/2006">
-        <mc:Choice xmlns:a14="http://schemas.microsoft.com/office/drawing/2010/main" Requires="a14">
-          <p:graphicFrame>
-            <p:nvGraphicFramePr>
-              <p:cNvPr id="6" name="Объект 3">
-                <a:extLst>
-                  <a:ext uri="{FF2B5EF4-FFF2-40B4-BE49-F238E27FC236}">
-                    <a16:creationId xmlns:a16="http://schemas.microsoft.com/office/drawing/2014/main" id="{B77C9A78-9ED8-4E2A-A668-1CA589222A7A}"/>
-                  </a:ext>
-                </a:extLst>
-              </p:cNvPr>
-              <p:cNvGraphicFramePr>
-                <a:graphicFrameLocks noGrp="1"/>
-              </p:cNvGraphicFramePr>
-              <p:nvPr>
-                <p:ph idx="1"/>
-                <p:extLst>
-                  <p:ext uri="{D42A27DB-BD31-4B8C-83A1-F6EECF244321}">
-                    <p14:modId xmlns:p14="http://schemas.microsoft.com/office/powerpoint/2010/main" val="1079017195"/>
-                  </p:ext>
-                </p:extLst>
-              </p:nvPr>
-            </p:nvGraphicFramePr>
-            <p:xfrm>
-              <a:off x="685800" y="609600"/>
-              <a:ext cx="6858000" cy="5334000"/>
-            </p:xfrm>
-            <a:graphic>
-              <a:graphicData uri="http://schemas.openxmlformats.org/drawingml/2006/diagram">
-                <dgm:relIds xmlns:dgm="http://schemas.openxmlformats.org/drawingml/2006/diagram" xmlns:r="http://schemas.openxmlformats.org/officeDocument/2006/relationships" r:dm="rId2" r:lo="rId3" r:qs="rId4" r:cs="rId5"/>
-              </a:graphicData>
-            </a:graphic>
-          </p:graphicFrame>
-        </mc:Choice>
-        <mc:Fallback>
-          <p:graphicFrame>
-            <p:nvGraphicFramePr>
-              <p:cNvPr id="6" name="Объект 3">
-                <a:extLst>
-                  <a:ext uri="{FF2B5EF4-FFF2-40B4-BE49-F238E27FC236}">
-                    <a16:creationId xmlns:a16="http://schemas.microsoft.com/office/drawing/2014/main" id="{B77C9A78-9ED8-4E2A-A668-1CA589222A7A}"/>
-                  </a:ext>
-                </a:extLst>
-              </p:cNvPr>
-              <p:cNvGraphicFramePr>
-                <a:graphicFrameLocks noGrp="1"/>
-              </p:cNvGraphicFramePr>
-              <p:nvPr>
-                <p:ph idx="1"/>
-                <p:extLst>
-                  <p:ext uri="{D42A27DB-BD31-4B8C-83A1-F6EECF244321}">
-                    <p14:modId xmlns:p14="http://schemas.microsoft.com/office/powerpoint/2010/main" val="1079017195"/>
-                  </p:ext>
-                </p:extLst>
-              </p:nvPr>
-            </p:nvGraphicFramePr>
-            <p:xfrm>
-              <a:off x="685800" y="609600"/>
-              <a:ext cx="6858000" cy="5334000"/>
-            </p:xfrm>
-            <a:graphic>
-              <a:graphicData uri="http://schemas.openxmlformats.org/drawingml/2006/diagram">
-                <dgm:relIds xmlns:dgm="http://schemas.openxmlformats.org/drawingml/2006/diagram" xmlns:r="http://schemas.openxmlformats.org/officeDocument/2006/relationships" r:dm="rId7" r:lo="rId3" r:qs="rId4" r:cs="rId5"/>
-              </a:graphicData>
-            </a:graphic>
-          </p:graphicFrame>
-        </mc:Fallback>
-      </mc:AlternateContent>
-    </p:spTree>
-    <p:extLst>
-      <p:ext uri="{BB962C8B-B14F-4D97-AF65-F5344CB8AC3E}">
-        <p14:creationId xmlns:p14="http://schemas.microsoft.com/office/powerpoint/2010/main" val="183243182"/>
-      </p:ext>
-    </p:extLst>
-  </p:cSld>
-  <p:clrMapOvr>
-    <a:masterClrMapping/>
-  </p:clrMapOvr>
-</p:sld>
-</file>
-
-<file path=ppt/slides/slide30.xml><?xml version="1.0" encoding="utf-8"?>
-<p:sld xmlns:a="http://schemas.openxmlformats.org/drawingml/2006/main" xmlns:r="http://schemas.openxmlformats.org/officeDocument/2006/relationships" xmlns:p="http://schemas.openxmlformats.org/presentationml/2006/main">
-  <p:cSld>
-    <p:spTree>
-      <p:nvGrpSpPr>
-        <p:cNvPr id="1" name=""/>
-        <p:cNvGrpSpPr/>
-        <p:nvPr/>
-      </p:nvGrpSpPr>
-      <p:grpSpPr>
-        <a:xfrm>
-          <a:off x="0" y="0"/>
-          <a:ext cx="0" cy="0"/>
-          <a:chOff x="0" y="0"/>
-          <a:chExt cx="0" cy="0"/>
-        </a:xfrm>
-      </p:grpSpPr>
-      <p:sp>
-        <p:nvSpPr>
-          <p:cNvPr id="2" name="Заголовок 1">
-            <a:extLst>
-              <a:ext uri="{FF2B5EF4-FFF2-40B4-BE49-F238E27FC236}">
-                <a16:creationId xmlns:a16="http://schemas.microsoft.com/office/drawing/2014/main" id="{B6F51F14-1D05-4A6F-A3F1-2E4DE9A727E0}"/>
-              </a:ext>
-            </a:extLst>
-          </p:cNvPr>
-          <p:cNvSpPr>
-            <a:spLocks noGrp="1"/>
-          </p:cNvSpPr>
-          <p:nvPr>
-            <p:ph type="title"/>
-          </p:nvPr>
-        </p:nvSpPr>
-        <p:spPr/>
-        <p:txBody>
-          <a:bodyPr/>
-          <a:lstStyle/>
-          <a:p>
-            <a:pPr algn="ctr"/>
-            <a:r>
-              <a:rPr lang="en-US" dirty="0"/>
-              <a:t>Seems we came to the end…</a:t>
-            </a:r>
-            <a:br>
-              <a:rPr lang="en-US" dirty="0"/>
-            </a:br>
-            <a:r>
-              <a:rPr lang="en-US" dirty="0"/>
-              <a:t>Thanks for your attention!</a:t>
-            </a:r>
-            <a:endParaRPr lang="ru-RU" dirty="0"/>
-          </a:p>
-        </p:txBody>
-      </p:sp>
-      <p:pic>
-        <p:nvPicPr>
-          <p:cNvPr id="4098" name="Picture 2">
-            <a:extLst>
-              <a:ext uri="{FF2B5EF4-FFF2-40B4-BE49-F238E27FC236}">
-                <a16:creationId xmlns:a16="http://schemas.microsoft.com/office/drawing/2014/main" id="{2E5D5F28-D24A-47E5-B32F-B0E6D1800C67}"/>
-              </a:ext>
-            </a:extLst>
-          </p:cNvPr>
-          <p:cNvPicPr>
-            <a:picLocks noChangeAspect="1" noChangeArrowheads="1"/>
-          </p:cNvPicPr>
-          <p:nvPr/>
-        </p:nvPicPr>
-        <p:blipFill>
-          <a:blip r:embed="rId2">
-            <a:extLst>
-              <a:ext uri="{28A0092B-C50C-407E-A947-70E740481C1C}">
-                <a14:useLocalDpi xmlns:a14="http://schemas.microsoft.com/office/drawing/2010/main" val="0"/>
-              </a:ext>
-            </a:extLst>
-          </a:blip>
-          <a:srcRect/>
-          <a:stretch>
-            <a:fillRect/>
-          </a:stretch>
-        </p:blipFill>
-        <p:spPr bwMode="auto">
-          <a:xfrm>
-            <a:off x="2247900" y="2014194"/>
-            <a:ext cx="7696200" cy="4242931"/>
-          </a:xfrm>
-          <a:prstGeom prst="rect">
-            <a:avLst/>
-          </a:prstGeom>
-          <a:noFill/>
-          <a:extLst>
-            <a:ext uri="{909E8E84-426E-40DD-AFC4-6F175D3DCCD1}">
-              <a14:hiddenFill xmlns:a14="http://schemas.microsoft.com/office/drawing/2010/main">
-                <a:solidFill>
-                  <a:srgbClr val="FFFFFF"/>
-                </a:solidFill>
-              </a14:hiddenFill>
-            </a:ext>
-          </a:extLst>
-        </p:spPr>
-      </p:pic>
-    </p:spTree>
-    <p:extLst>
-      <p:ext uri="{BB962C8B-B14F-4D97-AF65-F5344CB8AC3E}">
-        <p14:creationId xmlns:p14="http://schemas.microsoft.com/office/powerpoint/2010/main" val="3437572053"/>
-      </p:ext>
-    </p:extLst>
-  </p:cSld>
-  <p:clrMapOvr>
-    <a:masterClrMapping/>
-  </p:clrMapOvr>
-</p:sld>
-</file>
-
-<file path=ppt/slides/slide4.xml><?xml version="1.0" encoding="utf-8"?>
-<p:sld xmlns:a="http://schemas.openxmlformats.org/drawingml/2006/main" xmlns:r="http://schemas.openxmlformats.org/officeDocument/2006/relationships" xmlns:p="http://schemas.openxmlformats.org/presentationml/2006/main">
-  <p:cSld>
-    <p:spTree>
-      <p:nvGrpSpPr>
-        <p:cNvPr id="1" name=""/>
-        <p:cNvGrpSpPr/>
-        <p:nvPr/>
-      </p:nvGrpSpPr>
-      <p:grpSpPr>
-        <a:xfrm>
-          <a:off x="0" y="0"/>
-          <a:ext cx="0" cy="0"/>
-          <a:chOff x="0" y="0"/>
-          <a:chExt cx="0" cy="0"/>
-        </a:xfrm>
-      </p:grpSpPr>
-      <p:sp>
-        <p:nvSpPr>
-          <p:cNvPr id="2" name="Заголовок 1">
-            <a:extLst>
-              <a:ext uri="{FF2B5EF4-FFF2-40B4-BE49-F238E27FC236}">
-                <a16:creationId xmlns:a16="http://schemas.microsoft.com/office/drawing/2014/main" id="{86443FDB-B310-4AC3-AB38-B9A86F11F4E6}"/>
-              </a:ext>
-            </a:extLst>
-          </p:cNvPr>
-          <p:cNvSpPr>
-            <a:spLocks noGrp="1"/>
-          </p:cNvSpPr>
-          <p:nvPr>
-            <p:ph type="title"/>
-          </p:nvPr>
-        </p:nvSpPr>
-        <p:spPr>
-          <a:xfrm>
-            <a:off x="1066800" y="2257399"/>
-            <a:ext cx="10058400" cy="1371600"/>
-          </a:xfrm>
-        </p:spPr>
-        <p:txBody>
-          <a:bodyPr/>
-          <a:lstStyle/>
-          <a:p>
-            <a:r>
-              <a:rPr lang="en-US" u="sng" dirty="0">
-                <a:solidFill>
-                  <a:schemeClr val="accent3"/>
-                </a:solidFill>
-              </a:rPr>
-              <a:t>https://github.com/Zhekuson/SVDFaces</a:t>
-            </a:r>
-            <a:endParaRPr lang="ru-RU" u="sng" dirty="0">
-              <a:solidFill>
-                <a:schemeClr val="accent3"/>
-              </a:solidFill>
-            </a:endParaRPr>
-          </a:p>
-        </p:txBody>
-      </p:sp>
-    </p:spTree>
-    <p:extLst>
-      <p:ext uri="{BB962C8B-B14F-4D97-AF65-F5344CB8AC3E}">
-        <p14:creationId xmlns:p14="http://schemas.microsoft.com/office/powerpoint/2010/main" val="3905127469"/>
-      </p:ext>
-    </p:extLst>
-  </p:cSld>
-  <p:clrMapOvr>
-    <a:masterClrMapping/>
-  </p:clrMapOvr>
-</p:sld>
-</file>
-
-<file path=ppt/slides/slide5.xml><?xml version="1.0" encoding="utf-8"?>
-<p:sld xmlns:a="http://schemas.openxmlformats.org/drawingml/2006/main" xmlns:r="http://schemas.openxmlformats.org/officeDocument/2006/relationships" xmlns:p="http://schemas.openxmlformats.org/presentationml/2006/main">
-  <p:cSld>
-    <p:spTree>
-      <p:nvGrpSpPr>
-        <p:cNvPr id="1" name=""/>
-        <p:cNvGrpSpPr/>
-        <p:nvPr/>
-      </p:nvGrpSpPr>
-      <p:grpSpPr>
-        <a:xfrm>
-          <a:off x="0" y="0"/>
-          <a:ext cx="0" cy="0"/>
-          <a:chOff x="0" y="0"/>
-          <a:chExt cx="0" cy="0"/>
-        </a:xfrm>
-      </p:grpSpPr>
-      <p:sp>
-        <p:nvSpPr>
-          <p:cNvPr id="2" name="Заголовок 1">
-            <a:extLst>
-              <a:ext uri="{FF2B5EF4-FFF2-40B4-BE49-F238E27FC236}">
-                <a16:creationId xmlns:a16="http://schemas.microsoft.com/office/drawing/2014/main" id="{6F89B14E-A5B9-4118-8861-D4F18CA28DDB}"/>
-              </a:ext>
-            </a:extLst>
-          </p:cNvPr>
-          <p:cNvSpPr>
-            <a:spLocks noGrp="1"/>
-          </p:cNvSpPr>
-          <p:nvPr>
-            <p:ph type="title"/>
-          </p:nvPr>
-        </p:nvSpPr>
-        <p:spPr>
-          <a:xfrm>
-            <a:off x="1280795" y="311287"/>
-            <a:ext cx="10058400" cy="1371600"/>
-          </a:xfrm>
-        </p:spPr>
-        <p:txBody>
-          <a:bodyPr/>
-          <a:lstStyle/>
-          <a:p>
-            <a:r>
-              <a:rPr lang="en-US" dirty="0"/>
-              <a:t>1) Implementation of SVD</a:t>
-            </a:r>
-            <a:endParaRPr lang="ru-RU" dirty="0"/>
-          </a:p>
-        </p:txBody>
-      </p:sp>
-      <p:sp>
-        <p:nvSpPr>
-          <p:cNvPr id="7" name="TextBox 6">
-            <a:extLst>
-              <a:ext uri="{FF2B5EF4-FFF2-40B4-BE49-F238E27FC236}">
-                <a16:creationId xmlns:a16="http://schemas.microsoft.com/office/drawing/2014/main" id="{76EA5B31-FFB4-4793-ABE6-22760FF92DA2}"/>
-              </a:ext>
-            </a:extLst>
-          </p:cNvPr>
-          <p:cNvSpPr txBox="1"/>
-          <p:nvPr/>
-        </p:nvSpPr>
-        <p:spPr>
-          <a:xfrm>
-            <a:off x="1091795" y="4196930"/>
-            <a:ext cx="4443581" cy="923330"/>
-          </a:xfrm>
-          <a:prstGeom prst="rect">
-            <a:avLst/>
-          </a:prstGeom>
-          <a:noFill/>
-        </p:spPr>
-        <p:txBody>
-          <a:bodyPr wrap="square" rtlCol="0">
-            <a:spAutoFit/>
-          </a:bodyPr>
-          <a:lstStyle/>
-          <a:p>
-            <a:r>
-              <a:rPr lang="en-US" dirty="0"/>
-              <a:t>Just following our usual algo</a:t>
-            </a:r>
-          </a:p>
-          <a:p>
-            <a:r>
-              <a:rPr lang="en-US" dirty="0"/>
-              <a:t>We also used some functions from </a:t>
-            </a:r>
-            <a:r>
-              <a:rPr lang="en-US" dirty="0" err="1"/>
-              <a:t>numpy</a:t>
-            </a:r>
-            <a:endParaRPr lang="ru-RU" dirty="0"/>
-          </a:p>
-        </p:txBody>
-      </p:sp>
-      <p:pic>
-        <p:nvPicPr>
-          <p:cNvPr id="11" name="Рисунок 10">
-            <a:extLst>
-              <a:ext uri="{FF2B5EF4-FFF2-40B4-BE49-F238E27FC236}">
-                <a16:creationId xmlns:a16="http://schemas.microsoft.com/office/drawing/2014/main" id="{096CB881-37A6-4BF9-908F-2F188463ED24}"/>
-              </a:ext>
-            </a:extLst>
-          </p:cNvPr>
-          <p:cNvPicPr>
-            <a:picLocks noChangeAspect="1"/>
-          </p:cNvPicPr>
-          <p:nvPr/>
-        </p:nvPicPr>
-        <p:blipFill>
-          <a:blip r:embed="rId2"/>
-          <a:stretch>
-            <a:fillRect/>
-          </a:stretch>
-        </p:blipFill>
-        <p:spPr>
-          <a:xfrm>
-            <a:off x="1349375" y="1459838"/>
-            <a:ext cx="4358721" cy="2624482"/>
-          </a:xfrm>
-          <a:prstGeom prst="rect">
-            <a:avLst/>
-          </a:prstGeom>
-        </p:spPr>
-      </p:pic>
-      <p:pic>
-        <p:nvPicPr>
-          <p:cNvPr id="12" name="Рисунок 11">
-            <a:extLst>
-              <a:ext uri="{FF2B5EF4-FFF2-40B4-BE49-F238E27FC236}">
-                <a16:creationId xmlns:a16="http://schemas.microsoft.com/office/drawing/2014/main" id="{10BC144D-CFE8-4384-9E6B-023CB19294C8}"/>
-              </a:ext>
-            </a:extLst>
-          </p:cNvPr>
-          <p:cNvPicPr>
-            <a:picLocks noChangeAspect="1"/>
-          </p:cNvPicPr>
-          <p:nvPr/>
-        </p:nvPicPr>
-        <p:blipFill>
-          <a:blip r:embed="rId3"/>
-          <a:stretch>
-            <a:fillRect/>
-          </a:stretch>
-        </p:blipFill>
-        <p:spPr>
-          <a:xfrm>
-            <a:off x="7005955" y="1459837"/>
-            <a:ext cx="4333240" cy="4856793"/>
-          </a:xfrm>
-          <a:prstGeom prst="rect">
-            <a:avLst/>
-          </a:prstGeom>
-        </p:spPr>
-      </p:pic>
-      <p:pic>
-        <p:nvPicPr>
-          <p:cNvPr id="13" name="Рисунок 12">
-            <a:extLst>
-              <a:ext uri="{FF2B5EF4-FFF2-40B4-BE49-F238E27FC236}">
-                <a16:creationId xmlns:a16="http://schemas.microsoft.com/office/drawing/2014/main" id="{7F8CF007-A1B4-4E68-A877-A3118D85B894}"/>
-              </a:ext>
-            </a:extLst>
-          </p:cNvPr>
-          <p:cNvPicPr>
-            <a:picLocks noChangeAspect="1"/>
-          </p:cNvPicPr>
-          <p:nvPr/>
-        </p:nvPicPr>
-        <p:blipFill>
-          <a:blip r:embed="rId4"/>
-          <a:stretch>
-            <a:fillRect/>
-          </a:stretch>
-        </p:blipFill>
-        <p:spPr>
-          <a:xfrm>
-            <a:off x="1955246" y="5278405"/>
-            <a:ext cx="2324100" cy="1038225"/>
-          </a:xfrm>
-          <a:prstGeom prst="rect">
-            <a:avLst/>
-          </a:prstGeom>
-        </p:spPr>
-      </p:pic>
-    </p:spTree>
-    <p:extLst>
-      <p:ext uri="{BB962C8B-B14F-4D97-AF65-F5344CB8AC3E}">
-        <p14:creationId xmlns:p14="http://schemas.microsoft.com/office/powerpoint/2010/main" val="1963400368"/>
-      </p:ext>
-    </p:extLst>
-  </p:cSld>
-  <p:clrMapOvr>
-    <a:masterClrMapping/>
-  </p:clrMapOvr>
-</p:sld>
-</file>
-
-<file path=ppt/slides/slide6.xml><?xml version="1.0" encoding="utf-8"?>
-<p:sld xmlns:a="http://schemas.openxmlformats.org/drawingml/2006/main" xmlns:r="http://schemas.openxmlformats.org/officeDocument/2006/relationships" xmlns:p="http://schemas.openxmlformats.org/presentationml/2006/main">
-  <p:cSld>
-    <p:spTree>
-      <p:nvGrpSpPr>
-        <p:cNvPr id="1" name=""/>
-        <p:cNvGrpSpPr/>
-        <p:nvPr/>
-      </p:nvGrpSpPr>
-      <p:grpSpPr>
-        <a:xfrm>
-          <a:off x="0" y="0"/>
-          <a:ext cx="0" cy="0"/>
-          <a:chOff x="0" y="0"/>
-          <a:chExt cx="0" cy="0"/>
-        </a:xfrm>
-      </p:grpSpPr>
-      <p:sp>
-        <p:nvSpPr>
-          <p:cNvPr id="2" name="Заголовок 1">
-            <a:extLst>
-              <a:ext uri="{FF2B5EF4-FFF2-40B4-BE49-F238E27FC236}">
-                <a16:creationId xmlns:a16="http://schemas.microsoft.com/office/drawing/2014/main" id="{8B723105-F466-4C14-94FD-AC65340C8670}"/>
-              </a:ext>
-            </a:extLst>
-          </p:cNvPr>
-          <p:cNvSpPr>
-            <a:spLocks noGrp="1"/>
-          </p:cNvSpPr>
-          <p:nvPr>
-            <p:ph type="title"/>
-          </p:nvPr>
-        </p:nvSpPr>
-        <p:spPr/>
-        <p:txBody>
-          <a:bodyPr/>
-          <a:lstStyle/>
-          <a:p>
-            <a:r>
-              <a:rPr lang="en-US" dirty="0"/>
-              <a:t>2) Test our SVD (using </a:t>
-            </a:r>
-            <a:r>
-              <a:rPr lang="en-US" dirty="0" err="1"/>
-              <a:t>np.linalg.svd</a:t>
-            </a:r>
-            <a:r>
-              <a:rPr lang="en-US" dirty="0"/>
-              <a:t> to check)</a:t>
-            </a:r>
-            <a:endParaRPr lang="ru-RU" dirty="0"/>
-          </a:p>
-        </p:txBody>
-      </p:sp>
-      <p:pic>
-        <p:nvPicPr>
-          <p:cNvPr id="5" name="Объект 4">
-            <a:extLst>
-              <a:ext uri="{FF2B5EF4-FFF2-40B4-BE49-F238E27FC236}">
-                <a16:creationId xmlns:a16="http://schemas.microsoft.com/office/drawing/2014/main" id="{43AE253D-8688-480E-B7EF-E883AA169073}"/>
-              </a:ext>
-            </a:extLst>
-          </p:cNvPr>
-          <p:cNvPicPr>
-            <a:picLocks noGrp="1" noChangeAspect="1"/>
-          </p:cNvPicPr>
-          <p:nvPr>
-            <p:ph idx="1"/>
-          </p:nvPr>
-        </p:nvPicPr>
-        <p:blipFill>
-          <a:blip r:embed="rId2"/>
-          <a:stretch>
-            <a:fillRect/>
-          </a:stretch>
-        </p:blipFill>
-        <p:spPr>
-          <a:xfrm>
-            <a:off x="874394" y="2912904"/>
-            <a:ext cx="4886325" cy="3533775"/>
-          </a:xfrm>
-          <a:prstGeom prst="rect">
-            <a:avLst/>
-          </a:prstGeom>
-        </p:spPr>
-      </p:pic>
-      <p:pic>
-        <p:nvPicPr>
-          <p:cNvPr id="6" name="Рисунок 5">
-            <a:extLst>
-              <a:ext uri="{FF2B5EF4-FFF2-40B4-BE49-F238E27FC236}">
-                <a16:creationId xmlns:a16="http://schemas.microsoft.com/office/drawing/2014/main" id="{07506A04-A234-4A3F-B26F-168A18D7EAB0}"/>
-              </a:ext>
-            </a:extLst>
-          </p:cNvPr>
-          <p:cNvPicPr>
-            <a:picLocks noChangeAspect="1"/>
-          </p:cNvPicPr>
-          <p:nvPr/>
-        </p:nvPicPr>
-        <p:blipFill>
-          <a:blip r:embed="rId3"/>
-          <a:stretch>
-            <a:fillRect/>
-          </a:stretch>
-        </p:blipFill>
-        <p:spPr>
-          <a:xfrm>
-            <a:off x="874395" y="2160242"/>
-            <a:ext cx="4886325" cy="581025"/>
-          </a:xfrm>
-          <a:prstGeom prst="rect">
-            <a:avLst/>
-          </a:prstGeom>
-        </p:spPr>
-      </p:pic>
-      <p:pic>
-        <p:nvPicPr>
-          <p:cNvPr id="7" name="Рисунок 6">
-            <a:extLst>
-              <a:ext uri="{FF2B5EF4-FFF2-40B4-BE49-F238E27FC236}">
-                <a16:creationId xmlns:a16="http://schemas.microsoft.com/office/drawing/2014/main" id="{6079A938-26A4-4BF5-8D40-E2D2BBBE6E2D}"/>
-              </a:ext>
-            </a:extLst>
-          </p:cNvPr>
-          <p:cNvPicPr>
-            <a:picLocks noChangeAspect="1"/>
-          </p:cNvPicPr>
-          <p:nvPr/>
-        </p:nvPicPr>
-        <p:blipFill>
-          <a:blip r:embed="rId4"/>
-          <a:stretch>
-            <a:fillRect/>
-          </a:stretch>
-        </p:blipFill>
-        <p:spPr>
-          <a:xfrm>
-            <a:off x="6878320" y="1786834"/>
-            <a:ext cx="3009900" cy="1019175"/>
-          </a:xfrm>
-          <a:prstGeom prst="rect">
-            <a:avLst/>
-          </a:prstGeom>
-        </p:spPr>
-      </p:pic>
-      <p:pic>
-        <p:nvPicPr>
-          <p:cNvPr id="8" name="Рисунок 7">
-            <a:extLst>
-              <a:ext uri="{FF2B5EF4-FFF2-40B4-BE49-F238E27FC236}">
-                <a16:creationId xmlns:a16="http://schemas.microsoft.com/office/drawing/2014/main" id="{B91804E8-CEB9-4B1A-877F-742FE5B49B60}"/>
-              </a:ext>
-            </a:extLst>
-          </p:cNvPr>
-          <p:cNvPicPr>
-            <a:picLocks noChangeAspect="1"/>
-          </p:cNvPicPr>
-          <p:nvPr/>
-        </p:nvPicPr>
-        <p:blipFill>
-          <a:blip r:embed="rId5"/>
-          <a:stretch>
-            <a:fillRect/>
-          </a:stretch>
-        </p:blipFill>
-        <p:spPr>
-          <a:xfrm>
-            <a:off x="6878320" y="2887315"/>
-            <a:ext cx="3778884" cy="3559364"/>
-          </a:xfrm>
-          <a:prstGeom prst="rect">
-            <a:avLst/>
-          </a:prstGeom>
-        </p:spPr>
-      </p:pic>
-    </p:spTree>
-    <p:extLst>
-      <p:ext uri="{BB962C8B-B14F-4D97-AF65-F5344CB8AC3E}">
-        <p14:creationId xmlns:p14="http://schemas.microsoft.com/office/powerpoint/2010/main" val="1519489590"/>
-      </p:ext>
-    </p:extLst>
-  </p:cSld>
-  <p:clrMapOvr>
-    <a:masterClrMapping/>
-  </p:clrMapOvr>
-</p:sld>
-</file>
-
-<file path=ppt/slides/slide7.xml><?xml version="1.0" encoding="utf-8"?>
-<p:sld xmlns:a="http://schemas.openxmlformats.org/drawingml/2006/main" xmlns:r="http://schemas.openxmlformats.org/officeDocument/2006/relationships" xmlns:p="http://schemas.openxmlformats.org/presentationml/2006/main">
-  <p:cSld>
-    <p:spTree>
-      <p:nvGrpSpPr>
-        <p:cNvPr id="1" name=""/>
-        <p:cNvGrpSpPr/>
-        <p:nvPr/>
-      </p:nvGrpSpPr>
-      <p:grpSpPr>
-        <a:xfrm>
-          <a:off x="0" y="0"/>
-          <a:ext cx="0" cy="0"/>
-          <a:chOff x="0" y="0"/>
-          <a:chExt cx="0" cy="0"/>
-        </a:xfrm>
-      </p:grpSpPr>
-      <p:pic>
-        <p:nvPicPr>
-          <p:cNvPr id="3" name="Рисунок 2">
-            <a:extLst>
-              <a:ext uri="{FF2B5EF4-FFF2-40B4-BE49-F238E27FC236}">
-                <a16:creationId xmlns:a16="http://schemas.microsoft.com/office/drawing/2014/main" id="{9937C6DD-5B00-4008-90FE-CB9FB6F039F4}"/>
-              </a:ext>
-            </a:extLst>
-          </p:cNvPr>
-          <p:cNvPicPr>
-            <a:picLocks noChangeAspect="1"/>
-          </p:cNvPicPr>
-          <p:nvPr/>
-        </p:nvPicPr>
-        <p:blipFill>
-          <a:blip r:embed="rId2"/>
-          <a:stretch>
-            <a:fillRect/>
-          </a:stretch>
-        </p:blipFill>
-        <p:spPr>
-          <a:xfrm>
-            <a:off x="3335972" y="5257800"/>
-            <a:ext cx="4524375" cy="1066800"/>
-          </a:xfrm>
-          <a:prstGeom prst="rect">
-            <a:avLst/>
-          </a:prstGeom>
-        </p:spPr>
-      </p:pic>
-      <p:pic>
-        <p:nvPicPr>
-          <p:cNvPr id="4" name="Рисунок 3">
-            <a:extLst>
-              <a:ext uri="{FF2B5EF4-FFF2-40B4-BE49-F238E27FC236}">
-                <a16:creationId xmlns:a16="http://schemas.microsoft.com/office/drawing/2014/main" id="{7B785D6A-00D9-4CA9-B4FC-8B6D020E6A72}"/>
-              </a:ext>
-            </a:extLst>
-          </p:cNvPr>
-          <p:cNvPicPr>
-            <a:picLocks noChangeAspect="1"/>
-          </p:cNvPicPr>
-          <p:nvPr/>
-        </p:nvPicPr>
-        <p:blipFill>
-          <a:blip r:embed="rId3"/>
-          <a:stretch>
-            <a:fillRect/>
-          </a:stretch>
-        </p:blipFill>
-        <p:spPr>
-          <a:xfrm>
-            <a:off x="3297872" y="4262754"/>
-            <a:ext cx="4562475" cy="714375"/>
-          </a:xfrm>
-          <a:prstGeom prst="rect">
-            <a:avLst/>
-          </a:prstGeom>
-        </p:spPr>
-      </p:pic>
-      <p:pic>
-        <p:nvPicPr>
-          <p:cNvPr id="5" name="Рисунок 4">
-            <a:extLst>
-              <a:ext uri="{FF2B5EF4-FFF2-40B4-BE49-F238E27FC236}">
-                <a16:creationId xmlns:a16="http://schemas.microsoft.com/office/drawing/2014/main" id="{6A903DA7-3D3A-4087-B55C-AD08033EBE71}"/>
-              </a:ext>
-            </a:extLst>
-          </p:cNvPr>
-          <p:cNvPicPr>
-            <a:picLocks noChangeAspect="1"/>
-          </p:cNvPicPr>
-          <p:nvPr/>
-        </p:nvPicPr>
-        <p:blipFill>
-          <a:blip r:embed="rId4"/>
-          <a:stretch>
-            <a:fillRect/>
-          </a:stretch>
-        </p:blipFill>
-        <p:spPr>
-          <a:xfrm>
-            <a:off x="1861502" y="493393"/>
-            <a:ext cx="8753475" cy="3629025"/>
-          </a:xfrm>
-          <a:prstGeom prst="rect">
-            <a:avLst/>
-          </a:prstGeom>
-        </p:spPr>
-      </p:pic>
-    </p:spTree>
-    <p:extLst>
-      <p:ext uri="{BB962C8B-B14F-4D97-AF65-F5344CB8AC3E}">
-        <p14:creationId xmlns:p14="http://schemas.microsoft.com/office/powerpoint/2010/main" val="263060178"/>
-      </p:ext>
-    </p:extLst>
-  </p:cSld>
-  <p:clrMapOvr>
-    <a:masterClrMapping/>
-  </p:clrMapOvr>
-</p:sld>
-</file>
-
-<file path=ppt/slides/slide8.xml><?xml version="1.0" encoding="utf-8"?>
-<p:sld xmlns:a="http://schemas.openxmlformats.org/drawingml/2006/main" xmlns:r="http://schemas.openxmlformats.org/officeDocument/2006/relationships" xmlns:p="http://schemas.openxmlformats.org/presentationml/2006/main">
-  <p:cSld>
-    <p:spTree>
-      <p:nvGrpSpPr>
-        <p:cNvPr id="1" name=""/>
-        <p:cNvGrpSpPr/>
-        <p:nvPr/>
-      </p:nvGrpSpPr>
-      <p:grpSpPr>
-        <a:xfrm>
-          <a:off x="0" y="0"/>
-          <a:ext cx="0" cy="0"/>
-          <a:chOff x="0" y="0"/>
-          <a:chExt cx="0" cy="0"/>
-        </a:xfrm>
-      </p:grpSpPr>
-      <p:sp>
-        <p:nvSpPr>
-          <p:cNvPr id="2" name="Заголовок 1">
-            <a:extLst>
-              <a:ext uri="{FF2B5EF4-FFF2-40B4-BE49-F238E27FC236}">
-                <a16:creationId xmlns:a16="http://schemas.microsoft.com/office/drawing/2014/main" id="{9123A8C8-F95C-4477-AD09-83DA7D54EE12}"/>
-              </a:ext>
-            </a:extLst>
-          </p:cNvPr>
-          <p:cNvSpPr>
-            <a:spLocks noGrp="1"/>
-          </p:cNvSpPr>
-          <p:nvPr>
-            <p:ph type="title"/>
-          </p:nvPr>
-        </p:nvSpPr>
-        <p:spPr/>
-        <p:txBody>
-          <a:bodyPr/>
-          <a:lstStyle/>
-          <a:p>
-            <a:r>
-              <a:rPr lang="en-US" dirty="0"/>
-              <a:t>3) Face recognition problem</a:t>
-            </a:r>
-            <a:endParaRPr lang="ru-RU" dirty="0"/>
-          </a:p>
-        </p:txBody>
-      </p:sp>
-      <p:sp>
-        <p:nvSpPr>
-          <p:cNvPr id="3" name="Объект 2">
-            <a:extLst>
-              <a:ext uri="{FF2B5EF4-FFF2-40B4-BE49-F238E27FC236}">
-                <a16:creationId xmlns:a16="http://schemas.microsoft.com/office/drawing/2014/main" id="{09EA36E5-9718-454C-BD2D-C65EE503FC07}"/>
-              </a:ext>
-            </a:extLst>
-          </p:cNvPr>
-          <p:cNvSpPr>
-            <a:spLocks noGrp="1"/>
-          </p:cNvSpPr>
-          <p:nvPr>
-            <p:ph idx="1"/>
-          </p:nvPr>
-        </p:nvSpPr>
-        <p:spPr/>
-        <p:txBody>
-          <a:bodyPr/>
-          <a:lstStyle/>
-          <a:p>
-            <a:r>
-              <a:rPr lang="en-US" sz="2000" dirty="0"/>
-              <a:t>Some experiments (before us) showed that one</a:t>
-            </a:r>
-            <a:r>
-              <a:rPr lang="en-US" sz="2000" b="1" dirty="0"/>
-              <a:t> condition </a:t>
-            </a:r>
-            <a:r>
-              <a:rPr lang="en-US" sz="2000" dirty="0"/>
-              <a:t>should be held: faces on images must be located on the same place and images must be the same size</a:t>
-            </a:r>
-          </a:p>
-          <a:p>
-            <a:r>
-              <a:rPr lang="en-US" sz="2000" dirty="0"/>
-              <a:t>That’s the reason we take an example ORL Faces dataset (little grayscale images in .</a:t>
-            </a:r>
-            <a:r>
-              <a:rPr lang="en-US" sz="2000" dirty="0" err="1"/>
-              <a:t>pgm</a:t>
-            </a:r>
-            <a:r>
-              <a:rPr lang="en-US" sz="2000" dirty="0"/>
-              <a:t> format)</a:t>
-            </a:r>
-          </a:p>
-          <a:p>
-            <a:r>
-              <a:rPr lang="en-US" sz="2000" dirty="0"/>
-              <a:t>We also tried face recognition on different datasets (without holding</a:t>
-            </a:r>
-            <a:r>
-              <a:rPr lang="en-US" sz="2000" b="1" dirty="0"/>
-              <a:t> condition</a:t>
-            </a:r>
-            <a:r>
-              <a:rPr lang="en-US" sz="2000" dirty="0"/>
-              <a:t>), and later we will show you the results </a:t>
-            </a:r>
-            <a:endParaRPr lang="ru-RU" sz="2000" dirty="0"/>
-          </a:p>
-          <a:p>
-            <a:endParaRPr lang="en-US" sz="1600" dirty="0"/>
-          </a:p>
-          <a:p>
-            <a:endParaRPr lang="ru-RU" dirty="0"/>
-          </a:p>
-        </p:txBody>
-      </p:sp>
-    </p:spTree>
-    <p:extLst>
-      <p:ext uri="{BB962C8B-B14F-4D97-AF65-F5344CB8AC3E}">
-        <p14:creationId xmlns:p14="http://schemas.microsoft.com/office/powerpoint/2010/main" val="742536116"/>
-      </p:ext>
-    </p:extLst>
-  </p:cSld>
-  <p:clrMapOvr>
-    <a:masterClrMapping/>
-  </p:clrMapOvr>
-</p:sld>
-</file>
-
 <file path=ppt/slides/slide9.xml><?xml version="1.0" encoding="utf-8"?>
 <p:sld xmlns:a="http://schemas.openxmlformats.org/drawingml/2006/main" xmlns:r="http://schemas.openxmlformats.org/officeDocument/2006/relationships" xmlns:p="http://schemas.openxmlformats.org/presentationml/2006/main">
   <p:cSld>
@@ -13017,7 +12539,7 @@
           <p:cNvPr id="2" name="Заголовок 1">
             <a:extLst>
               <a:ext uri="{FF2B5EF4-FFF2-40B4-BE49-F238E27FC236}">
-                <a16:creationId xmlns:a16="http://schemas.microsoft.com/office/drawing/2014/main" id="{87CE870F-8838-4DCF-BB37-6483A22C2683}"/>
+                <a16:creationId xmlns:a16="http://schemas.microsoft.com/office/drawing/2014/main" id="{459B06AE-BD55-419B-99DE-F0486CDB8977}"/>
               </a:ext>
             </a:extLst>
           </p:cNvPr>
@@ -13028,20 +12550,148 @@
             <p:ph type="title"/>
           </p:nvPr>
         </p:nvSpPr>
+        <p:spPr/>
+        <p:txBody>
+          <a:bodyPr/>
+          <a:lstStyle/>
+          <a:p>
+            <a:pPr algn="ctr"/>
+            <a:r>
+              <a:rPr lang="en-US" dirty="0"/>
+              <a:t>Remark: Our method != Eigenfaces </a:t>
+            </a:r>
+            <a:endParaRPr lang="ru-RU" dirty="0"/>
+          </a:p>
+        </p:txBody>
+      </p:sp>
+      <p:sp>
+        <p:nvSpPr>
+          <p:cNvPr id="3" name="Текст 2">
+            <a:extLst>
+              <a:ext uri="{FF2B5EF4-FFF2-40B4-BE49-F238E27FC236}">
+                <a16:creationId xmlns:a16="http://schemas.microsoft.com/office/drawing/2014/main" id="{5FBA40D0-87A3-4228-991A-2F35EF4B01DF}"/>
+              </a:ext>
+            </a:extLst>
+          </p:cNvPr>
+          <p:cNvSpPr>
+            <a:spLocks noGrp="1"/>
+          </p:cNvSpPr>
+          <p:nvPr>
+            <p:ph type="body" idx="1"/>
+          </p:nvPr>
+        </p:nvSpPr>
+        <p:spPr/>
+        <p:txBody>
+          <a:bodyPr/>
+          <a:lstStyle/>
+          <a:p>
+            <a:r>
+              <a:rPr lang="en-US" dirty="0"/>
+              <a:t>Eigenfaces approach</a:t>
+            </a:r>
+            <a:endParaRPr lang="ru-RU" dirty="0"/>
+          </a:p>
+        </p:txBody>
+      </p:sp>
+      <p:sp>
+        <p:nvSpPr>
+          <p:cNvPr id="4" name="Объект 3">
+            <a:extLst>
+              <a:ext uri="{FF2B5EF4-FFF2-40B4-BE49-F238E27FC236}">
+                <a16:creationId xmlns:a16="http://schemas.microsoft.com/office/drawing/2014/main" id="{E4048932-CD3F-4E99-B27D-8BFBA4798BFA}"/>
+              </a:ext>
+            </a:extLst>
+          </p:cNvPr>
+          <p:cNvSpPr>
+            <a:spLocks noGrp="1"/>
+          </p:cNvSpPr>
+          <p:nvPr>
+            <p:ph sz="half" idx="2"/>
+          </p:nvPr>
+        </p:nvSpPr>
         <p:spPr>
           <a:xfrm>
-            <a:off x="990600" y="2743200"/>
-            <a:ext cx="10058400" cy="1371600"/>
+            <a:off x="1066800" y="2811263"/>
+            <a:ext cx="4663440" cy="3163825"/>
           </a:xfrm>
         </p:spPr>
         <p:txBody>
           <a:bodyPr/>
           <a:lstStyle/>
           <a:p>
-            <a:pPr algn="ctr"/>
             <a:r>
               <a:rPr lang="en-US" dirty="0"/>
-              <a:t>First of all, the best result</a:t>
+              <a:t>Projections on several subspaces, more data to store</a:t>
+            </a:r>
+          </a:p>
+          <a:p>
+            <a:r>
+              <a:rPr lang="en-US" dirty="0"/>
+              <a:t>Also, not easy to implement </a:t>
+            </a:r>
+            <a:endParaRPr lang="ru-RU" dirty="0"/>
+          </a:p>
+        </p:txBody>
+      </p:sp>
+      <p:sp>
+        <p:nvSpPr>
+          <p:cNvPr id="5" name="Текст 4">
+            <a:extLst>
+              <a:ext uri="{FF2B5EF4-FFF2-40B4-BE49-F238E27FC236}">
+                <a16:creationId xmlns:a16="http://schemas.microsoft.com/office/drawing/2014/main" id="{FA101C7D-D61E-45C9-AEAE-D5736C106F99}"/>
+              </a:ext>
+            </a:extLst>
+          </p:cNvPr>
+          <p:cNvSpPr>
+            <a:spLocks noGrp="1"/>
+          </p:cNvSpPr>
+          <p:nvPr>
+            <p:ph type="body" sz="quarter" idx="3"/>
+          </p:nvPr>
+        </p:nvSpPr>
+        <p:spPr/>
+        <p:txBody>
+          <a:bodyPr/>
+          <a:lstStyle/>
+          <a:p>
+            <a:r>
+              <a:rPr lang="en-US" dirty="0"/>
+              <a:t>Our approach</a:t>
+            </a:r>
+            <a:endParaRPr lang="ru-RU" dirty="0"/>
+          </a:p>
+        </p:txBody>
+      </p:sp>
+      <p:sp>
+        <p:nvSpPr>
+          <p:cNvPr id="6" name="Объект 5">
+            <a:extLst>
+              <a:ext uri="{FF2B5EF4-FFF2-40B4-BE49-F238E27FC236}">
+                <a16:creationId xmlns:a16="http://schemas.microsoft.com/office/drawing/2014/main" id="{81AC4AB7-3596-46D6-B552-F204EB265B42}"/>
+              </a:ext>
+            </a:extLst>
+          </p:cNvPr>
+          <p:cNvSpPr>
+            <a:spLocks noGrp="1"/>
+          </p:cNvSpPr>
+          <p:nvPr>
+            <p:ph sz="quarter" idx="4"/>
+          </p:nvPr>
+        </p:nvSpPr>
+        <p:spPr/>
+        <p:txBody>
+          <a:bodyPr/>
+          <a:lstStyle/>
+          <a:p>
+            <a:r>
+              <a:rPr lang="en-US" dirty="0"/>
+              <a:t>Save only sigma vector values (several of them) = low memory use</a:t>
+            </a:r>
+          </a:p>
+          <a:p>
+            <a:r>
+              <a:rPr lang="en-US" dirty="0"/>
+              <a:t>Several lines of code using 2 packages</a:t>
             </a:r>
             <a:endParaRPr lang="ru-RU" dirty="0"/>
           </a:p>
@@ -13050,7 +12700,7 @@
     </p:spTree>
     <p:extLst>
       <p:ext uri="{BB962C8B-B14F-4D97-AF65-F5344CB8AC3E}">
-        <p14:creationId xmlns:p14="http://schemas.microsoft.com/office/powerpoint/2010/main" val="444625725"/>
+        <p14:creationId xmlns:p14="http://schemas.microsoft.com/office/powerpoint/2010/main" val="2116335915"/>
       </p:ext>
     </p:extLst>
   </p:cSld>
